--- a/Inheritance.pptx
+++ b/Inheritance.pptx
@@ -6,15 +6,16 @@
   </p:sldMasterIdLst>
   <p:sldIdLst>
     <p:sldId id="256" r:id="rId2"/>
-    <p:sldId id="258" r:id="rId3"/>
-    <p:sldId id="259" r:id="rId4"/>
-    <p:sldId id="260" r:id="rId5"/>
-    <p:sldId id="262" r:id="rId6"/>
-    <p:sldId id="263" r:id="rId7"/>
-    <p:sldId id="264" r:id="rId8"/>
-    <p:sldId id="265" r:id="rId9"/>
-    <p:sldId id="266" r:id="rId10"/>
-    <p:sldId id="267" r:id="rId11"/>
+    <p:sldId id="268" r:id="rId3"/>
+    <p:sldId id="258" r:id="rId4"/>
+    <p:sldId id="259" r:id="rId5"/>
+    <p:sldId id="260" r:id="rId6"/>
+    <p:sldId id="262" r:id="rId7"/>
+    <p:sldId id="265" r:id="rId8"/>
+    <p:sldId id="264" r:id="rId9"/>
+    <p:sldId id="263" r:id="rId10"/>
+    <p:sldId id="266" r:id="rId11"/>
+    <p:sldId id="267" r:id="rId12"/>
   </p:sldIdLst>
   <p:sldSz cx="12192000" cy="6858000"/>
   <p:notesSz cx="6858000" cy="9144000"/>
@@ -113,6 +114,11 @@
       </a:defRPr>
     </a:lvl9pPr>
   </p:defaultTextStyle>
+  <p:extLst>
+    <p:ext uri="{EFAFB233-063F-42B5-8137-9DF3F51BA10A}">
+      <p15:sldGuideLst xmlns:p15="http://schemas.microsoft.com/office/powerpoint/2012/main"/>
+    </p:ext>
+  </p:extLst>
 </p:presentation>
 </file>
 
@@ -292,7 +298,7 @@
           </a:lstStyle>
           <a:p>
             <a:r>
-              <a:rPr lang="en-US" smtClean="0"/>
+              <a:rPr lang="en-US"/>
               <a:t>Click to edit Master title style</a:t>
             </a:r>
             <a:endParaRPr lang="en-US" dirty="0"/>
@@ -412,7 +418,7 @@
           </a:lstStyle>
           <a:p>
             <a:r>
-              <a:rPr lang="en-US" smtClean="0"/>
+              <a:rPr lang="en-US"/>
               <a:t>Click to edit Master subtitle style</a:t>
             </a:r>
             <a:endParaRPr lang="en-US" dirty="0"/>
@@ -566,6 +572,18 @@
   <p:clrMapOvr>
     <a:masterClrMapping/>
   </p:clrMapOvr>
+  <mc:AlternateContent xmlns:mc="http://schemas.openxmlformats.org/markup-compatibility/2006">
+    <mc:Choice xmlns:p15="http://schemas.microsoft.com/office/powerpoint/2012/main" Requires="p15">
+      <p:transition xmlns:p14="http://schemas.microsoft.com/office/powerpoint/2010/main" spd="slow" p14:dur="1250">
+        <p15:prstTrans prst="pageCurlDouble"/>
+      </p:transition>
+    </mc:Choice>
+    <mc:Fallback>
+      <p:transition spd="slow">
+        <p:fade/>
+      </p:transition>
+    </mc:Fallback>
+  </mc:AlternateContent>
 </p:sldLayout>
 </file>
 
@@ -1363,7 +1381,7 @@
           </a:lstStyle>
           <a:p>
             <a:r>
-              <a:rPr lang="en-US" smtClean="0"/>
+              <a:rPr lang="en-US"/>
               <a:t>Click to edit Master title style</a:t>
             </a:r>
             <a:endParaRPr lang="en-US" dirty="0"/>
@@ -1442,7 +1460,7 @@
           </a:lstStyle>
           <a:p>
             <a:r>
-              <a:rPr lang="en-US" smtClean="0"/>
+              <a:rPr lang="en-US"/>
               <a:t>Click icon to add picture</a:t>
             </a:r>
             <a:endParaRPr lang="en-US" dirty="0"/>
@@ -1517,7 +1535,7 @@
           <a:p>
             <a:pPr lvl="0"/>
             <a:r>
-              <a:rPr lang="en-US" smtClean="0"/>
+              <a:rPr lang="en-US"/>
               <a:t>Click to edit Master text styles</a:t>
             </a:r>
           </a:p>
@@ -1634,6 +1652,18 @@
   <p:clrMapOvr>
     <a:masterClrMapping/>
   </p:clrMapOvr>
+  <mc:AlternateContent xmlns:mc="http://schemas.openxmlformats.org/markup-compatibility/2006">
+    <mc:Choice xmlns:p15="http://schemas.microsoft.com/office/powerpoint/2012/main" Requires="p15">
+      <p:transition xmlns:p14="http://schemas.microsoft.com/office/powerpoint/2010/main" spd="slow" p14:dur="1250">
+        <p15:prstTrans prst="pageCurlDouble"/>
+      </p:transition>
+    </mc:Choice>
+    <mc:Fallback>
+      <p:transition spd="slow">
+        <p:fade/>
+      </p:transition>
+    </mc:Fallback>
+  </mc:AlternateContent>
 </p:sldLayout>
 </file>
 
@@ -2429,7 +2459,7 @@
           </a:lstStyle>
           <a:p>
             <a:r>
-              <a:rPr lang="en-US" smtClean="0"/>
+              <a:rPr lang="en-US"/>
               <a:t>Click to edit Master title style</a:t>
             </a:r>
             <a:endParaRPr lang="en-US" dirty="0"/>
@@ -2497,7 +2527,7 @@
           <a:p>
             <a:pPr lvl="0"/>
             <a:r>
-              <a:rPr lang="en-US" smtClean="0"/>
+              <a:rPr lang="en-US"/>
               <a:t>Click to edit Master text styles</a:t>
             </a:r>
           </a:p>
@@ -2614,6 +2644,18 @@
   <p:clrMapOvr>
     <a:masterClrMapping/>
   </p:clrMapOvr>
+  <mc:AlternateContent xmlns:mc="http://schemas.openxmlformats.org/markup-compatibility/2006">
+    <mc:Choice xmlns:p15="http://schemas.microsoft.com/office/powerpoint/2012/main" Requires="p15">
+      <p:transition xmlns:p14="http://schemas.microsoft.com/office/powerpoint/2010/main" spd="slow" p14:dur="1250">
+        <p15:prstTrans prst="pageCurlDouble"/>
+      </p:transition>
+    </mc:Choice>
+    <mc:Fallback>
+      <p:transition spd="slow">
+        <p:fade/>
+      </p:transition>
+    </mc:Fallback>
+  </mc:AlternateContent>
 </p:sldLayout>
 </file>
 
@@ -3487,7 +3529,7 @@
           </a:lstStyle>
           <a:p>
             <a:r>
-              <a:rPr lang="en-US" smtClean="0"/>
+              <a:rPr lang="en-US"/>
               <a:t>Click to edit Master title style</a:t>
             </a:r>
             <a:endParaRPr lang="en-US" dirty="0"/>
@@ -3564,7 +3606,7 @@
           <a:p>
             <a:pPr lvl="0"/>
             <a:r>
-              <a:rPr lang="en-US" smtClean="0"/>
+              <a:rPr lang="en-US"/>
               <a:t>Click to edit Master text styles</a:t>
             </a:r>
           </a:p>
@@ -3631,7 +3673,7 @@
           <a:p>
             <a:pPr lvl="0"/>
             <a:r>
-              <a:rPr lang="en-US" smtClean="0"/>
+              <a:rPr lang="en-US"/>
               <a:t>Click to edit Master text styles</a:t>
             </a:r>
           </a:p>
@@ -3748,6 +3790,18 @@
   <p:clrMapOvr>
     <a:masterClrMapping/>
   </p:clrMapOvr>
+  <mc:AlternateContent xmlns:mc="http://schemas.openxmlformats.org/markup-compatibility/2006">
+    <mc:Choice xmlns:p15="http://schemas.microsoft.com/office/powerpoint/2012/main" Requires="p15">
+      <p:transition xmlns:p14="http://schemas.microsoft.com/office/powerpoint/2010/main" spd="slow" p14:dur="1250">
+        <p15:prstTrans prst="pageCurlDouble"/>
+      </p:transition>
+    </mc:Choice>
+    <mc:Fallback>
+      <p:transition spd="slow">
+        <p:fade/>
+      </p:transition>
+    </mc:Fallback>
+  </mc:AlternateContent>
 </p:sldLayout>
 </file>
 
@@ -4543,7 +4597,7 @@
           </a:lstStyle>
           <a:p>
             <a:r>
-              <a:rPr lang="en-US" smtClean="0"/>
+              <a:rPr lang="en-US"/>
               <a:t>Click to edit Master title style</a:t>
             </a:r>
             <a:endParaRPr lang="en-US" dirty="0"/>
@@ -4664,7 +4718,7 @@
           <a:p>
             <a:pPr lvl="0"/>
             <a:r>
-              <a:rPr lang="en-US" smtClean="0"/>
+              <a:rPr lang="en-US"/>
               <a:t>Click to edit Master text styles</a:t>
             </a:r>
           </a:p>
@@ -4781,6 +4835,18 @@
   <p:clrMapOvr>
     <a:masterClrMapping/>
   </p:clrMapOvr>
+  <mc:AlternateContent xmlns:mc="http://schemas.openxmlformats.org/markup-compatibility/2006">
+    <mc:Choice xmlns:p15="http://schemas.microsoft.com/office/powerpoint/2012/main" Requires="p15">
+      <p:transition xmlns:p14="http://schemas.microsoft.com/office/powerpoint/2010/main" spd="slow" p14:dur="1250">
+        <p15:prstTrans prst="pageCurlDouble"/>
+      </p:transition>
+    </mc:Choice>
+    <mc:Fallback>
+      <p:transition spd="slow">
+        <p:fade/>
+      </p:transition>
+    </mc:Fallback>
+  </mc:AlternateContent>
 </p:sldLayout>
 </file>
 
@@ -4826,7 +4892,7 @@
           </a:lstStyle>
           <a:p>
             <a:r>
-              <a:rPr lang="en-US" smtClean="0"/>
+              <a:rPr lang="en-US"/>
               <a:t>Click to edit Master title style</a:t>
             </a:r>
             <a:endParaRPr lang="en-US" dirty="0"/>
@@ -4901,7 +4967,7 @@
           <a:p>
             <a:pPr lvl="0"/>
             <a:r>
-              <a:rPr lang="en-US" smtClean="0"/>
+              <a:rPr lang="en-US"/>
               <a:t>Click to edit Master text styles</a:t>
             </a:r>
           </a:p>
@@ -4968,7 +5034,7 @@
           <a:p>
             <a:pPr lvl="0"/>
             <a:r>
-              <a:rPr lang="en-US" smtClean="0"/>
+              <a:rPr lang="en-US"/>
               <a:t>Click to edit Master text styles</a:t>
             </a:r>
           </a:p>
@@ -5042,7 +5108,7 @@
           <a:p>
             <a:pPr lvl="0"/>
             <a:r>
-              <a:rPr lang="en-US" smtClean="0"/>
+              <a:rPr lang="en-US"/>
               <a:t>Click to edit Master text styles</a:t>
             </a:r>
           </a:p>
@@ -5109,7 +5175,7 @@
           <a:p>
             <a:pPr lvl="0"/>
             <a:r>
-              <a:rPr lang="en-US" smtClean="0"/>
+              <a:rPr lang="en-US"/>
               <a:t>Click to edit Master text styles</a:t>
             </a:r>
           </a:p>
@@ -5183,7 +5249,7 @@
           <a:p>
             <a:pPr lvl="0"/>
             <a:r>
-              <a:rPr lang="en-US" smtClean="0"/>
+              <a:rPr lang="en-US"/>
               <a:t>Click to edit Master text styles</a:t>
             </a:r>
           </a:p>
@@ -5250,7 +5316,7 @@
           <a:p>
             <a:pPr lvl="0"/>
             <a:r>
-              <a:rPr lang="en-US" smtClean="0"/>
+              <a:rPr lang="en-US"/>
               <a:t>Click to edit Master text styles</a:t>
             </a:r>
           </a:p>
@@ -5405,6 +5471,18 @@
   <p:clrMapOvr>
     <a:masterClrMapping/>
   </p:clrMapOvr>
+  <mc:AlternateContent xmlns:mc="http://schemas.openxmlformats.org/markup-compatibility/2006">
+    <mc:Choice xmlns:p15="http://schemas.microsoft.com/office/powerpoint/2012/main" Requires="p15">
+      <p:transition xmlns:p14="http://schemas.microsoft.com/office/powerpoint/2010/main" spd="slow" p14:dur="1250">
+        <p15:prstTrans prst="pageCurlDouble"/>
+      </p:transition>
+    </mc:Choice>
+    <mc:Fallback>
+      <p:transition spd="slow">
+        <p:fade/>
+      </p:transition>
+    </mc:Fallback>
+  </mc:AlternateContent>
 </p:sldLayout>
 </file>
 
@@ -5450,7 +5528,7 @@
           </a:lstStyle>
           <a:p>
             <a:r>
-              <a:rPr lang="en-US" smtClean="0"/>
+              <a:rPr lang="en-US"/>
               <a:t>Click to edit Master title style</a:t>
             </a:r>
             <a:endParaRPr lang="en-US" dirty="0"/>
@@ -5525,7 +5603,7 @@
           <a:p>
             <a:pPr lvl="0"/>
             <a:r>
-              <a:rPr lang="en-US" smtClean="0"/>
+              <a:rPr lang="en-US"/>
               <a:t>Click to edit Master text styles</a:t>
             </a:r>
           </a:p>
@@ -5603,7 +5681,7 @@
           </a:lstStyle>
           <a:p>
             <a:r>
-              <a:rPr lang="en-US" smtClean="0"/>
+              <a:rPr lang="en-US"/>
               <a:t>Click icon to add picture</a:t>
             </a:r>
             <a:endParaRPr lang="en-US" dirty="0"/>
@@ -5671,7 +5749,7 @@
           <a:p>
             <a:pPr lvl="0"/>
             <a:r>
-              <a:rPr lang="en-US" smtClean="0"/>
+              <a:rPr lang="en-US"/>
               <a:t>Click to edit Master text styles</a:t>
             </a:r>
           </a:p>
@@ -5745,7 +5823,7 @@
           <a:p>
             <a:pPr lvl="0"/>
             <a:r>
-              <a:rPr lang="en-US" smtClean="0"/>
+              <a:rPr lang="en-US"/>
               <a:t>Click to edit Master text styles</a:t>
             </a:r>
           </a:p>
@@ -5823,7 +5901,7 @@
           </a:lstStyle>
           <a:p>
             <a:r>
-              <a:rPr lang="en-US" smtClean="0"/>
+              <a:rPr lang="en-US"/>
               <a:t>Click icon to add picture</a:t>
             </a:r>
             <a:endParaRPr lang="en-US" dirty="0"/>
@@ -5891,7 +5969,7 @@
           <a:p>
             <a:pPr lvl="0"/>
             <a:r>
-              <a:rPr lang="en-US" smtClean="0"/>
+              <a:rPr lang="en-US"/>
               <a:t>Click to edit Master text styles</a:t>
             </a:r>
           </a:p>
@@ -5965,7 +6043,7 @@
           <a:p>
             <a:pPr lvl="0"/>
             <a:r>
-              <a:rPr lang="en-US" smtClean="0"/>
+              <a:rPr lang="en-US"/>
               <a:t>Click to edit Master text styles</a:t>
             </a:r>
           </a:p>
@@ -6043,7 +6121,7 @@
           </a:lstStyle>
           <a:p>
             <a:r>
-              <a:rPr lang="en-US" smtClean="0"/>
+              <a:rPr lang="en-US"/>
               <a:t>Click icon to add picture</a:t>
             </a:r>
             <a:endParaRPr lang="en-US" dirty="0"/>
@@ -6111,7 +6189,7 @@
           <a:p>
             <a:pPr lvl="0"/>
             <a:r>
-              <a:rPr lang="en-US" smtClean="0"/>
+              <a:rPr lang="en-US"/>
               <a:t>Click to edit Master text styles</a:t>
             </a:r>
           </a:p>
@@ -6271,6 +6349,18 @@
   <p:clrMapOvr>
     <a:masterClrMapping/>
   </p:clrMapOvr>
+  <mc:AlternateContent xmlns:mc="http://schemas.openxmlformats.org/markup-compatibility/2006">
+    <mc:Choice xmlns:p15="http://schemas.microsoft.com/office/powerpoint/2012/main" Requires="p15">
+      <p:transition xmlns:p14="http://schemas.microsoft.com/office/powerpoint/2010/main" spd="slow" p14:dur="1250">
+        <p15:prstTrans prst="pageCurlDouble"/>
+      </p:transition>
+    </mc:Choice>
+    <mc:Fallback>
+      <p:transition spd="slow">
+        <p:fade/>
+      </p:transition>
+    </mc:Fallback>
+  </mc:AlternateContent>
 </p:sldLayout>
 </file>
 
@@ -6312,7 +6402,7 @@
           <a:lstStyle/>
           <a:p>
             <a:r>
-              <a:rPr lang="en-US" smtClean="0"/>
+              <a:rPr lang="en-US"/>
               <a:t>Click to edit Master title style</a:t>
             </a:r>
             <a:endParaRPr lang="en-US" dirty="0"/>
@@ -6341,35 +6431,35 @@
           <a:p>
             <a:pPr lvl="0"/>
             <a:r>
-              <a:rPr lang="en-US" smtClean="0"/>
+              <a:rPr lang="en-US"/>
               <a:t>Click to edit Master text styles</a:t>
             </a:r>
           </a:p>
           <a:p>
             <a:pPr lvl="1"/>
             <a:r>
-              <a:rPr lang="en-US" smtClean="0"/>
+              <a:rPr lang="en-US"/>
               <a:t>Second level</a:t>
             </a:r>
           </a:p>
           <a:p>
             <a:pPr lvl="2"/>
             <a:r>
-              <a:rPr lang="en-US" smtClean="0"/>
+              <a:rPr lang="en-US"/>
               <a:t>Third level</a:t>
             </a:r>
           </a:p>
           <a:p>
             <a:pPr lvl="3"/>
             <a:r>
-              <a:rPr lang="en-US" smtClean="0"/>
+              <a:rPr lang="en-US"/>
               <a:t>Fourth level</a:t>
             </a:r>
           </a:p>
           <a:p>
             <a:pPr lvl="4"/>
             <a:r>
-              <a:rPr lang="en-US" smtClean="0"/>
+              <a:rPr lang="en-US"/>
               <a:t>Fifth level</a:t>
             </a:r>
             <a:endParaRPr lang="en-US" dirty="0"/>
@@ -6456,6 +6546,18 @@
   <p:clrMapOvr>
     <a:masterClrMapping/>
   </p:clrMapOvr>
+  <mc:AlternateContent xmlns:mc="http://schemas.openxmlformats.org/markup-compatibility/2006">
+    <mc:Choice xmlns:p15="http://schemas.microsoft.com/office/powerpoint/2012/main" Requires="p15">
+      <p:transition xmlns:p14="http://schemas.microsoft.com/office/powerpoint/2010/main" spd="slow" p14:dur="1250">
+        <p15:prstTrans prst="pageCurlDouble"/>
+      </p:transition>
+    </mc:Choice>
+    <mc:Fallback>
+      <p:transition spd="slow">
+        <p:fade/>
+      </p:transition>
+    </mc:Fallback>
+  </mc:AlternateContent>
 </p:sldLayout>
 </file>
 
@@ -7284,7 +7386,7 @@
           <a:lstStyle/>
           <a:p>
             <a:r>
-              <a:rPr lang="en-US" smtClean="0"/>
+              <a:rPr lang="en-US"/>
               <a:t>Click to edit Master title style</a:t>
             </a:r>
             <a:endParaRPr lang="en-US" dirty="0"/>
@@ -7313,35 +7415,35 @@
           <a:p>
             <a:pPr lvl="0"/>
             <a:r>
-              <a:rPr lang="en-US" smtClean="0"/>
+              <a:rPr lang="en-US"/>
               <a:t>Click to edit Master text styles</a:t>
             </a:r>
           </a:p>
           <a:p>
             <a:pPr lvl="1"/>
             <a:r>
-              <a:rPr lang="en-US" smtClean="0"/>
+              <a:rPr lang="en-US"/>
               <a:t>Second level</a:t>
             </a:r>
           </a:p>
           <a:p>
             <a:pPr lvl="2"/>
             <a:r>
-              <a:rPr lang="en-US" smtClean="0"/>
+              <a:rPr lang="en-US"/>
               <a:t>Third level</a:t>
             </a:r>
           </a:p>
           <a:p>
             <a:pPr lvl="3"/>
             <a:r>
-              <a:rPr lang="en-US" smtClean="0"/>
+              <a:rPr lang="en-US"/>
               <a:t>Fourth level</a:t>
             </a:r>
           </a:p>
           <a:p>
             <a:pPr lvl="4"/>
             <a:r>
-              <a:rPr lang="en-US" smtClean="0"/>
+              <a:rPr lang="en-US"/>
               <a:t>Fifth level</a:t>
             </a:r>
             <a:endParaRPr lang="en-US" dirty="0"/>
@@ -7464,6 +7566,18 @@
   <p:clrMapOvr>
     <a:masterClrMapping/>
   </p:clrMapOvr>
+  <mc:AlternateContent xmlns:mc="http://schemas.openxmlformats.org/markup-compatibility/2006">
+    <mc:Choice xmlns:p15="http://schemas.microsoft.com/office/powerpoint/2012/main" Requires="p15">
+      <p:transition xmlns:p14="http://schemas.microsoft.com/office/powerpoint/2010/main" spd="slow" p14:dur="1250">
+        <p15:prstTrans prst="pageCurlDouble"/>
+      </p:transition>
+    </mc:Choice>
+    <mc:Fallback>
+      <p:transition spd="slow">
+        <p:fade/>
+      </p:transition>
+    </mc:Fallback>
+  </mc:AlternateContent>
 </p:sldLayout>
 </file>
 
@@ -7500,7 +7614,7 @@
           <a:lstStyle/>
           <a:p>
             <a:r>
-              <a:rPr lang="en-US" smtClean="0"/>
+              <a:rPr lang="en-US"/>
               <a:t>Click to edit Master title style</a:t>
             </a:r>
             <a:endParaRPr lang="en-US" dirty="0"/>
@@ -7529,35 +7643,35 @@
           <a:p>
             <a:pPr lvl="0"/>
             <a:r>
-              <a:rPr lang="en-US" smtClean="0"/>
+              <a:rPr lang="en-US"/>
               <a:t>Click to edit Master text styles</a:t>
             </a:r>
           </a:p>
           <a:p>
             <a:pPr lvl="1"/>
             <a:r>
-              <a:rPr lang="en-US" smtClean="0"/>
+              <a:rPr lang="en-US"/>
               <a:t>Second level</a:t>
             </a:r>
           </a:p>
           <a:p>
             <a:pPr lvl="2"/>
             <a:r>
-              <a:rPr lang="en-US" smtClean="0"/>
+              <a:rPr lang="en-US"/>
               <a:t>Third level</a:t>
             </a:r>
           </a:p>
           <a:p>
             <a:pPr lvl="3"/>
             <a:r>
-              <a:rPr lang="en-US" smtClean="0"/>
+              <a:rPr lang="en-US"/>
               <a:t>Fourth level</a:t>
             </a:r>
           </a:p>
           <a:p>
             <a:pPr lvl="4"/>
             <a:r>
-              <a:rPr lang="en-US" smtClean="0"/>
+              <a:rPr lang="en-US"/>
               <a:t>Fifth level</a:t>
             </a:r>
             <a:endParaRPr lang="en-US" dirty="0"/>
@@ -7639,6 +7753,18 @@
   <p:clrMapOvr>
     <a:masterClrMapping/>
   </p:clrMapOvr>
+  <mc:AlternateContent xmlns:mc="http://schemas.openxmlformats.org/markup-compatibility/2006">
+    <mc:Choice xmlns:p15="http://schemas.microsoft.com/office/powerpoint/2012/main" Requires="p15">
+      <p:transition xmlns:p14="http://schemas.microsoft.com/office/powerpoint/2010/main" spd="slow" p14:dur="1250">
+        <p15:prstTrans prst="pageCurlDouble"/>
+      </p:transition>
+    </mc:Choice>
+    <mc:Fallback>
+      <p:transition spd="slow">
+        <p:fade/>
+      </p:transition>
+    </mc:Fallback>
+  </mc:AlternateContent>
 </p:sldLayout>
 </file>
 
@@ -8471,7 +8597,7 @@
           </a:lstStyle>
           <a:p>
             <a:r>
-              <a:rPr lang="en-US" smtClean="0"/>
+              <a:rPr lang="en-US"/>
               <a:t>Click to edit Master title style</a:t>
             </a:r>
             <a:endParaRPr lang="en-US" dirty="0"/>
@@ -8592,7 +8718,7 @@
           <a:p>
             <a:pPr lvl="0"/>
             <a:r>
-              <a:rPr lang="en-US" smtClean="0"/>
+              <a:rPr lang="en-US"/>
               <a:t>Click to edit Master text styles</a:t>
             </a:r>
           </a:p>
@@ -8709,6 +8835,18 @@
   <p:clrMapOvr>
     <a:masterClrMapping/>
   </p:clrMapOvr>
+  <mc:AlternateContent xmlns:mc="http://schemas.openxmlformats.org/markup-compatibility/2006">
+    <mc:Choice xmlns:p15="http://schemas.microsoft.com/office/powerpoint/2012/main" Requires="p15">
+      <p:transition xmlns:p14="http://schemas.microsoft.com/office/powerpoint/2010/main" spd="slow" p14:dur="1250">
+        <p15:prstTrans prst="pageCurlDouble"/>
+      </p:transition>
+    </mc:Choice>
+    <mc:Fallback>
+      <p:transition spd="slow">
+        <p:fade/>
+      </p:transition>
+    </mc:Fallback>
+  </mc:AlternateContent>
 </p:sldLayout>
 </file>
 
@@ -8745,7 +8883,7 @@
           <a:lstStyle/>
           <a:p>
             <a:r>
-              <a:rPr lang="en-US" smtClean="0"/>
+              <a:rPr lang="en-US"/>
               <a:t>Click to edit Master title style</a:t>
             </a:r>
             <a:endParaRPr lang="en-US" dirty="0"/>
@@ -8776,35 +8914,35 @@
           <a:p>
             <a:pPr lvl="0"/>
             <a:r>
-              <a:rPr lang="en-US" smtClean="0"/>
+              <a:rPr lang="en-US"/>
               <a:t>Click to edit Master text styles</a:t>
             </a:r>
           </a:p>
           <a:p>
             <a:pPr lvl="1"/>
             <a:r>
-              <a:rPr lang="en-US" smtClean="0"/>
+              <a:rPr lang="en-US"/>
               <a:t>Second level</a:t>
             </a:r>
           </a:p>
           <a:p>
             <a:pPr lvl="2"/>
             <a:r>
-              <a:rPr lang="en-US" smtClean="0"/>
+              <a:rPr lang="en-US"/>
               <a:t>Third level</a:t>
             </a:r>
           </a:p>
           <a:p>
             <a:pPr lvl="3"/>
             <a:r>
-              <a:rPr lang="en-US" smtClean="0"/>
+              <a:rPr lang="en-US"/>
               <a:t>Fourth level</a:t>
             </a:r>
           </a:p>
           <a:p>
             <a:pPr lvl="4"/>
             <a:r>
-              <a:rPr lang="en-US" smtClean="0"/>
+              <a:rPr lang="en-US"/>
               <a:t>Fifth level</a:t>
             </a:r>
             <a:endParaRPr lang="en-US" dirty="0"/>
@@ -8835,35 +8973,35 @@
           <a:p>
             <a:pPr lvl="0"/>
             <a:r>
-              <a:rPr lang="en-US" smtClean="0"/>
+              <a:rPr lang="en-US"/>
               <a:t>Click to edit Master text styles</a:t>
             </a:r>
           </a:p>
           <a:p>
             <a:pPr lvl="1"/>
             <a:r>
-              <a:rPr lang="en-US" smtClean="0"/>
+              <a:rPr lang="en-US"/>
               <a:t>Second level</a:t>
             </a:r>
           </a:p>
           <a:p>
             <a:pPr lvl="2"/>
             <a:r>
-              <a:rPr lang="en-US" smtClean="0"/>
+              <a:rPr lang="en-US"/>
               <a:t>Third level</a:t>
             </a:r>
           </a:p>
           <a:p>
             <a:pPr lvl="3"/>
             <a:r>
-              <a:rPr lang="en-US" smtClean="0"/>
+              <a:rPr lang="en-US"/>
               <a:t>Fourth level</a:t>
             </a:r>
           </a:p>
           <a:p>
             <a:pPr lvl="4"/>
             <a:r>
-              <a:rPr lang="en-US" smtClean="0"/>
+              <a:rPr lang="en-US"/>
               <a:t>Fifth level</a:t>
             </a:r>
             <a:endParaRPr lang="en-US" dirty="0"/>
@@ -8945,6 +9083,18 @@
   <p:clrMapOvr>
     <a:masterClrMapping/>
   </p:clrMapOvr>
+  <mc:AlternateContent xmlns:mc="http://schemas.openxmlformats.org/markup-compatibility/2006">
+    <mc:Choice xmlns:p15="http://schemas.microsoft.com/office/powerpoint/2012/main" Requires="p15">
+      <p:transition xmlns:p14="http://schemas.microsoft.com/office/powerpoint/2010/main" spd="slow" p14:dur="1250">
+        <p15:prstTrans prst="pageCurlDouble"/>
+      </p:transition>
+    </mc:Choice>
+    <mc:Fallback>
+      <p:transition spd="slow">
+        <p:fade/>
+      </p:transition>
+    </mc:Fallback>
+  </mc:AlternateContent>
 </p:sldLayout>
 </file>
 
@@ -8985,7 +9135,7 @@
           </a:lstStyle>
           <a:p>
             <a:r>
-              <a:rPr lang="en-US" smtClean="0"/>
+              <a:rPr lang="en-US"/>
               <a:t>Click to edit Master title style</a:t>
             </a:r>
             <a:endParaRPr lang="en-US" dirty="0"/>
@@ -9057,7 +9207,7 @@
           <a:p>
             <a:pPr lvl="0"/>
             <a:r>
-              <a:rPr lang="en-US" smtClean="0"/>
+              <a:rPr lang="en-US"/>
               <a:t>Click to edit Master text styles</a:t>
             </a:r>
           </a:p>
@@ -9087,35 +9237,35 @@
           <a:p>
             <a:pPr lvl="0"/>
             <a:r>
-              <a:rPr lang="en-US" smtClean="0"/>
+              <a:rPr lang="en-US"/>
               <a:t>Click to edit Master text styles</a:t>
             </a:r>
           </a:p>
           <a:p>
             <a:pPr lvl="1"/>
             <a:r>
-              <a:rPr lang="en-US" smtClean="0"/>
+              <a:rPr lang="en-US"/>
               <a:t>Second level</a:t>
             </a:r>
           </a:p>
           <a:p>
             <a:pPr lvl="2"/>
             <a:r>
-              <a:rPr lang="en-US" smtClean="0"/>
+              <a:rPr lang="en-US"/>
               <a:t>Third level</a:t>
             </a:r>
           </a:p>
           <a:p>
             <a:pPr lvl="3"/>
             <a:r>
-              <a:rPr lang="en-US" smtClean="0"/>
+              <a:rPr lang="en-US"/>
               <a:t>Fourth level</a:t>
             </a:r>
           </a:p>
           <a:p>
             <a:pPr lvl="4"/>
             <a:r>
-              <a:rPr lang="en-US" smtClean="0"/>
+              <a:rPr lang="en-US"/>
               <a:t>Fifth level</a:t>
             </a:r>
             <a:endParaRPr lang="en-US" dirty="0"/>
@@ -9187,7 +9337,7 @@
           <a:p>
             <a:pPr lvl="0"/>
             <a:r>
-              <a:rPr lang="en-US" smtClean="0"/>
+              <a:rPr lang="en-US"/>
               <a:t>Click to edit Master text styles</a:t>
             </a:r>
           </a:p>
@@ -9245,35 +9395,35 @@
           <a:p>
             <a:pPr lvl="0"/>
             <a:r>
-              <a:rPr lang="en-US" smtClean="0"/>
+              <a:rPr lang="en-US"/>
               <a:t>Click to edit Master text styles</a:t>
             </a:r>
           </a:p>
           <a:p>
             <a:pPr lvl="1"/>
             <a:r>
-              <a:rPr lang="en-US" smtClean="0"/>
+              <a:rPr lang="en-US"/>
               <a:t>Second level</a:t>
             </a:r>
           </a:p>
           <a:p>
             <a:pPr lvl="2"/>
             <a:r>
-              <a:rPr lang="en-US" smtClean="0"/>
+              <a:rPr lang="en-US"/>
               <a:t>Third level</a:t>
             </a:r>
           </a:p>
           <a:p>
             <a:pPr lvl="3"/>
             <a:r>
-              <a:rPr lang="en-US" smtClean="0"/>
+              <a:rPr lang="en-US"/>
               <a:t>Fourth level</a:t>
             </a:r>
           </a:p>
           <a:p>
             <a:pPr lvl="4"/>
             <a:r>
-              <a:rPr lang="en-US" smtClean="0"/>
+              <a:rPr lang="en-US"/>
               <a:t>Fifth level</a:t>
             </a:r>
             <a:endParaRPr lang="en-US" dirty="0"/>
@@ -9355,6 +9505,18 @@
   <p:clrMapOvr>
     <a:masterClrMapping/>
   </p:clrMapOvr>
+  <mc:AlternateContent xmlns:mc="http://schemas.openxmlformats.org/markup-compatibility/2006">
+    <mc:Choice xmlns:p15="http://schemas.microsoft.com/office/powerpoint/2012/main" Requires="p15">
+      <p:transition xmlns:p14="http://schemas.microsoft.com/office/powerpoint/2010/main" spd="slow" p14:dur="1250">
+        <p15:prstTrans prst="pageCurlDouble"/>
+      </p:transition>
+    </mc:Choice>
+    <mc:Fallback>
+      <p:transition spd="slow">
+        <p:fade/>
+      </p:transition>
+    </mc:Fallback>
+  </mc:AlternateContent>
 </p:sldLayout>
 </file>
 
@@ -9400,7 +9562,7 @@
           </a:lstStyle>
           <a:p>
             <a:r>
-              <a:rPr lang="en-US" smtClean="0"/>
+              <a:rPr lang="en-US"/>
               <a:t>Click to edit Master title style</a:t>
             </a:r>
             <a:endParaRPr lang="en-US" dirty="0"/>
@@ -9482,6 +9644,18 @@
   <p:clrMapOvr>
     <a:masterClrMapping/>
   </p:clrMapOvr>
+  <mc:AlternateContent xmlns:mc="http://schemas.openxmlformats.org/markup-compatibility/2006">
+    <mc:Choice xmlns:p15="http://schemas.microsoft.com/office/powerpoint/2012/main" Requires="p15">
+      <p:transition xmlns:p14="http://schemas.microsoft.com/office/powerpoint/2010/main" spd="slow" p14:dur="1250">
+        <p15:prstTrans prst="pageCurlDouble"/>
+      </p:transition>
+    </mc:Choice>
+    <mc:Fallback>
+      <p:transition spd="slow">
+        <p:fade/>
+      </p:transition>
+    </mc:Fallback>
+  </mc:AlternateContent>
 </p:sldLayout>
 </file>
 
@@ -9613,6 +9787,18 @@
   <p:clrMapOvr>
     <a:masterClrMapping/>
   </p:clrMapOvr>
+  <mc:AlternateContent xmlns:mc="http://schemas.openxmlformats.org/markup-compatibility/2006">
+    <mc:Choice xmlns:p15="http://schemas.microsoft.com/office/powerpoint/2012/main" Requires="p15">
+      <p:transition xmlns:p14="http://schemas.microsoft.com/office/powerpoint/2010/main" spd="slow" p14:dur="1250">
+        <p15:prstTrans prst="pageCurlDouble"/>
+      </p:transition>
+    </mc:Choice>
+    <mc:Fallback>
+      <p:transition spd="slow">
+        <p:fade/>
+      </p:transition>
+    </mc:Fallback>
+  </mc:AlternateContent>
 </p:sldLayout>
 </file>
 
@@ -10445,7 +10631,7 @@
           </a:lstStyle>
           <a:p>
             <a:r>
-              <a:rPr lang="en-US" smtClean="0"/>
+              <a:rPr lang="en-US"/>
               <a:t>Click to edit Master title style</a:t>
             </a:r>
             <a:endParaRPr lang="en-US" dirty="0"/>
@@ -10476,35 +10662,35 @@
           <a:p>
             <a:pPr lvl="0"/>
             <a:r>
-              <a:rPr lang="en-US" smtClean="0"/>
+              <a:rPr lang="en-US"/>
               <a:t>Click to edit Master text styles</a:t>
             </a:r>
           </a:p>
           <a:p>
             <a:pPr lvl="1"/>
             <a:r>
-              <a:rPr lang="en-US" smtClean="0"/>
+              <a:rPr lang="en-US"/>
               <a:t>Second level</a:t>
             </a:r>
           </a:p>
           <a:p>
             <a:pPr lvl="2"/>
             <a:r>
-              <a:rPr lang="en-US" smtClean="0"/>
+              <a:rPr lang="en-US"/>
               <a:t>Third level</a:t>
             </a:r>
           </a:p>
           <a:p>
             <a:pPr lvl="3"/>
             <a:r>
-              <a:rPr lang="en-US" smtClean="0"/>
+              <a:rPr lang="en-US"/>
               <a:t>Fourth level</a:t>
             </a:r>
           </a:p>
           <a:p>
             <a:pPr lvl="4"/>
             <a:r>
-              <a:rPr lang="en-US" smtClean="0"/>
+              <a:rPr lang="en-US"/>
               <a:t>Fifth level</a:t>
             </a:r>
             <a:endParaRPr lang="en-US" dirty="0"/>
@@ -10577,7 +10763,7 @@
           <a:p>
             <a:pPr lvl="0"/>
             <a:r>
-              <a:rPr lang="en-US" smtClean="0"/>
+              <a:rPr lang="en-US"/>
               <a:t>Click to edit Master text styles</a:t>
             </a:r>
           </a:p>
@@ -10694,6 +10880,18 @@
   <p:clrMapOvr>
     <a:masterClrMapping/>
   </p:clrMapOvr>
+  <mc:AlternateContent xmlns:mc="http://schemas.openxmlformats.org/markup-compatibility/2006">
+    <mc:Choice xmlns:p15="http://schemas.microsoft.com/office/powerpoint/2012/main" Requires="p15">
+      <p:transition xmlns:p14="http://schemas.microsoft.com/office/powerpoint/2010/main" spd="slow" p14:dur="1250">
+        <p15:prstTrans prst="pageCurlDouble"/>
+      </p:transition>
+    </mc:Choice>
+    <mc:Fallback>
+      <p:transition spd="slow">
+        <p:fade/>
+      </p:transition>
+    </mc:Fallback>
+  </mc:AlternateContent>
 </p:sldLayout>
 </file>
 
@@ -11528,7 +11726,7 @@
           </a:lstStyle>
           <a:p>
             <a:r>
-              <a:rPr lang="en-US" smtClean="0"/>
+              <a:rPr lang="en-US"/>
               <a:t>Click to edit Master title style</a:t>
             </a:r>
             <a:endParaRPr lang="en-US" dirty="0"/>
@@ -11610,7 +11808,7 @@
               <a:buNone/>
             </a:pPr>
             <a:r>
-              <a:rPr lang="en-US" smtClean="0"/>
+              <a:rPr lang="en-US"/>
               <a:t>Click icon to add picture</a:t>
             </a:r>
             <a:endParaRPr lang="en-US" dirty="0"/>
@@ -11685,7 +11883,7 @@
           <a:p>
             <a:pPr lvl="0"/>
             <a:r>
-              <a:rPr lang="en-US" smtClean="0"/>
+              <a:rPr lang="en-US"/>
               <a:t>Click to edit Master text styles</a:t>
             </a:r>
           </a:p>
@@ -11802,6 +12000,18 @@
   <p:clrMapOvr>
     <a:masterClrMapping/>
   </p:clrMapOvr>
+  <mc:AlternateContent xmlns:mc="http://schemas.openxmlformats.org/markup-compatibility/2006">
+    <mc:Choice xmlns:p15="http://schemas.microsoft.com/office/powerpoint/2012/main" Requires="p15">
+      <p:transition xmlns:p14="http://schemas.microsoft.com/office/powerpoint/2010/main" spd="slow" p14:dur="1250">
+        <p15:prstTrans prst="pageCurlDouble"/>
+      </p:transition>
+    </mc:Choice>
+    <mc:Fallback>
+      <p:transition spd="slow">
+        <p:fade/>
+      </p:transition>
+    </mc:Fallback>
+  </mc:AlternateContent>
 </p:sldLayout>
 </file>
 
@@ -12603,7 +12813,7 @@
           <a:lstStyle/>
           <a:p>
             <a:r>
-              <a:rPr lang="en-US" smtClean="0"/>
+              <a:rPr lang="en-US"/>
               <a:t>Click to edit Master title style</a:t>
             </a:r>
             <a:endParaRPr lang="en-US" dirty="0"/>
@@ -12637,35 +12847,35 @@
           <a:p>
             <a:pPr lvl="0"/>
             <a:r>
-              <a:rPr lang="en-US" smtClean="0"/>
+              <a:rPr lang="en-US"/>
               <a:t>Click to edit Master text styles</a:t>
             </a:r>
           </a:p>
           <a:p>
             <a:pPr lvl="1"/>
             <a:r>
-              <a:rPr lang="en-US" smtClean="0"/>
+              <a:rPr lang="en-US"/>
               <a:t>Second level</a:t>
             </a:r>
           </a:p>
           <a:p>
             <a:pPr lvl="2"/>
             <a:r>
-              <a:rPr lang="en-US" smtClean="0"/>
+              <a:rPr lang="en-US"/>
               <a:t>Third level</a:t>
             </a:r>
           </a:p>
           <a:p>
             <a:pPr lvl="3"/>
             <a:r>
-              <a:rPr lang="en-US" smtClean="0"/>
+              <a:rPr lang="en-US"/>
               <a:t>Fourth level</a:t>
             </a:r>
           </a:p>
           <a:p>
             <a:pPr lvl="4"/>
             <a:r>
-              <a:rPr lang="en-US" smtClean="0"/>
+              <a:rPr lang="en-US"/>
               <a:t>Fifth level</a:t>
             </a:r>
             <a:endParaRPr lang="en-US" dirty="0"/>
@@ -12848,6 +13058,18 @@
     <p:sldLayoutId id="2147483658" r:id="rId16"/>
     <p:sldLayoutId id="2147483659" r:id="rId17"/>
   </p:sldLayoutIdLst>
+  <mc:AlternateContent xmlns:mc="http://schemas.openxmlformats.org/markup-compatibility/2006">
+    <mc:Choice xmlns:p15="http://schemas.microsoft.com/office/powerpoint/2012/main" Requires="p15">
+      <p:transition xmlns:p14="http://schemas.microsoft.com/office/powerpoint/2010/main" spd="slow" p14:dur="1250">
+        <p15:prstTrans prst="pageCurlDouble"/>
+      </p:transition>
+    </mc:Choice>
+    <mc:Fallback>
+      <p:transition spd="slow">
+        <p:fade/>
+      </p:transition>
+    </mc:Fallback>
+  </mc:AlternateContent>
   <p:hf sldNum="0" hdr="0" ftr="0" dt="0"/>
   <p:txStyles>
     <p:titleStyle>
@@ -13286,7 +13508,7 @@
           <a:lstStyle/>
           <a:p>
             <a:r>
-              <a:rPr lang="en-US" sz="9600" b="1" dirty="0" smtClean="0">
+              <a:rPr lang="en-US" sz="9600" b="1" dirty="0">
                 <a:ln w="10160">
                   <a:solidFill>
                     <a:schemeClr val="tx1"/>
@@ -13306,24 +13528,6 @@
               </a:rPr>
               <a:t>		   		INHERITANCE</a:t>
             </a:r>
-            <a:endParaRPr lang="en-US" sz="9600" b="1" dirty="0">
-              <a:ln w="10160">
-                <a:solidFill>
-                  <a:schemeClr val="tx1"/>
-                </a:solidFill>
-                <a:prstDash val="solid"/>
-              </a:ln>
-              <a:solidFill>
-                <a:schemeClr val="bg1"/>
-              </a:solidFill>
-              <a:effectLst>
-                <a:outerShdw blurRad="38100" dist="22860" dir="5400000" algn="tl" rotWithShape="0">
-                  <a:srgbClr val="000000">
-                    <a:alpha val="30000"/>
-                  </a:srgbClr>
-                </a:outerShdw>
-              </a:effectLst>
-            </a:endParaRPr>
           </a:p>
         </p:txBody>
       </p:sp>
@@ -13343,11 +13547,11 @@
           <a:lstStyle/>
           <a:p>
             <a:r>
-              <a:rPr lang="en-US" dirty="0" smtClean="0"/>
+              <a:rPr lang="en-US" dirty="0"/>
               <a:t>														By: Ashish </a:t>
             </a:r>
             <a:r>
-              <a:rPr lang="en-US" dirty="0" err="1" smtClean="0"/>
+              <a:rPr lang="en-US" dirty="0" err="1"/>
               <a:t>Verma</a:t>
             </a:r>
             <a:endParaRPr lang="en-US" dirty="0"/>
@@ -13364,13 +13568,18 @@
   <p:clrMapOvr>
     <a:masterClrMapping/>
   </p:clrMapOvr>
-  <p:timing>
-    <p:tnLst>
-      <p:par>
-        <p:cTn id="1" dur="indefinite" restart="never" nodeType="tmRoot"/>
-      </p:par>
-    </p:tnLst>
-  </p:timing>
+  <mc:AlternateContent xmlns:mc="http://schemas.openxmlformats.org/markup-compatibility/2006">
+    <mc:Choice xmlns:p15="http://schemas.microsoft.com/office/powerpoint/2012/main" Requires="p15">
+      <p:transition xmlns:p14="http://schemas.microsoft.com/office/powerpoint/2010/main" spd="slow" p14:dur="1250">
+        <p15:prstTrans prst="pageCurlDouble"/>
+      </p:transition>
+    </mc:Choice>
+    <mc:Fallback>
+      <p:transition spd="slow">
+        <p:fade/>
+      </p:transition>
+    </mc:Fallback>
+  </mc:AlternateContent>
 </p:sld>
 </file>
 
@@ -13391,1088 +13600,15 @@
           <a:chExt cx="0" cy="0"/>
         </a:xfrm>
       </p:grpSpPr>
-    </p:spTree>
-    <p:extLst>
-      <p:ext uri="{BB962C8B-B14F-4D97-AF65-F5344CB8AC3E}">
-        <p14:creationId xmlns:p14="http://schemas.microsoft.com/office/powerpoint/2010/main" val="3560609159"/>
-      </p:ext>
-    </p:extLst>
-  </p:cSld>
-  <p:clrMapOvr>
-    <a:masterClrMapping/>
-  </p:clrMapOvr>
-  <p:timing>
-    <p:tnLst>
-      <p:par>
-        <p:cTn id="1" dur="indefinite" restart="never" nodeType="tmRoot"/>
-      </p:par>
-    </p:tnLst>
-  </p:timing>
-</p:sld>
-</file>
-
-<file path=ppt/slides/slide2.xml><?xml version="1.0" encoding="utf-8"?>
-<p:sld xmlns:a="http://schemas.openxmlformats.org/drawingml/2006/main" xmlns:r="http://schemas.openxmlformats.org/officeDocument/2006/relationships" xmlns:p="http://schemas.openxmlformats.org/presentationml/2006/main">
-  <p:cSld>
-    <p:spTree>
-      <p:nvGrpSpPr>
-        <p:cNvPr id="1" name=""/>
-        <p:cNvGrpSpPr/>
-        <p:nvPr/>
-      </p:nvGrpSpPr>
-      <p:grpSpPr>
-        <a:xfrm>
-          <a:off x="0" y="0"/>
-          <a:ext cx="0" cy="0"/>
-          <a:chOff x="0" y="0"/>
-          <a:chExt cx="0" cy="0"/>
-        </a:xfrm>
-      </p:grpSpPr>
       <p:sp>
         <p:nvSpPr>
-          <p:cNvPr id="5" name="Rectangle 4"/>
-          <p:cNvSpPr/>
-          <p:nvPr/>
-        </p:nvSpPr>
-        <p:spPr>
-          <a:xfrm>
-            <a:off x="860612" y="2499244"/>
-            <a:ext cx="10854466" cy="3785652"/>
-          </a:xfrm>
-          <a:prstGeom prst="rect">
-            <a:avLst/>
-          </a:prstGeom>
-        </p:spPr>
-        <p:txBody>
-          <a:bodyPr wrap="square">
-            <a:spAutoFit/>
-          </a:bodyPr>
-          <a:lstStyle/>
-          <a:p>
-            <a:r>
-              <a:rPr lang="en-US" sz="4000" dirty="0">
-                <a:ln w="0"/>
-                <a:effectLst>
-                  <a:outerShdw blurRad="38100" dist="19050" dir="2700000" algn="tl" rotWithShape="0">
-                    <a:schemeClr val="dk1">
-                      <a:alpha val="40000"/>
-                    </a:schemeClr>
-                  </a:outerShdw>
-                </a:effectLst>
-                <a:latin typeface="Arial Black" panose="020B0A04020102020204" pitchFamily="34" charset="0"/>
-              </a:rPr>
-              <a:t>It is the capability of </a:t>
-            </a:r>
-            <a:r>
-              <a:rPr lang="en-US" sz="4000" dirty="0" smtClean="0">
-                <a:ln w="0"/>
-                <a:effectLst>
-                  <a:outerShdw blurRad="38100" dist="19050" dir="2700000" algn="tl" rotWithShape="0">
-                    <a:schemeClr val="dk1">
-                      <a:alpha val="40000"/>
-                    </a:schemeClr>
-                  </a:outerShdw>
-                </a:effectLst>
-                <a:latin typeface="Arial Black" panose="020B0A04020102020204" pitchFamily="34" charset="0"/>
-              </a:rPr>
-              <a:t>one class </a:t>
-            </a:r>
-            <a:r>
-              <a:rPr lang="en-US" sz="4000" dirty="0">
-                <a:ln w="0"/>
-                <a:effectLst>
-                  <a:outerShdw blurRad="38100" dist="19050" dir="2700000" algn="tl" rotWithShape="0">
-                    <a:schemeClr val="dk1">
-                      <a:alpha val="40000"/>
-                    </a:schemeClr>
-                  </a:outerShdw>
-                </a:effectLst>
-                <a:latin typeface="Arial Black" panose="020B0A04020102020204" pitchFamily="34" charset="0"/>
-              </a:rPr>
-              <a:t>to inherit </a:t>
-            </a:r>
-            <a:r>
-              <a:rPr lang="en-US" sz="4000" dirty="0" smtClean="0">
-                <a:ln w="0"/>
-                <a:effectLst>
-                  <a:outerShdw blurRad="38100" dist="19050" dir="2700000" algn="tl" rotWithShape="0">
-                    <a:schemeClr val="dk1">
-                      <a:alpha val="40000"/>
-                    </a:schemeClr>
-                  </a:outerShdw>
-                </a:effectLst>
-                <a:latin typeface="Arial Black" panose="020B0A04020102020204" pitchFamily="34" charset="0"/>
-              </a:rPr>
-              <a:t>properties from </a:t>
-            </a:r>
-            <a:r>
-              <a:rPr lang="en-US" sz="4000" dirty="0">
-                <a:ln w="0"/>
-                <a:effectLst>
-                  <a:outerShdw blurRad="38100" dist="19050" dir="2700000" algn="tl" rotWithShape="0">
-                    <a:schemeClr val="dk1">
-                      <a:alpha val="40000"/>
-                    </a:schemeClr>
-                  </a:outerShdw>
-                </a:effectLst>
-                <a:latin typeface="Arial Black" panose="020B0A04020102020204" pitchFamily="34" charset="0"/>
-              </a:rPr>
-              <a:t>another class.</a:t>
-            </a:r>
-          </a:p>
-          <a:p>
-            <a:endParaRPr lang="en-US" sz="4000" dirty="0" smtClean="0">
-              <a:ln w="0"/>
-              <a:effectLst>
-                <a:outerShdw blurRad="38100" dist="19050" dir="2700000" algn="tl" rotWithShape="0">
-                  <a:schemeClr val="dk1">
-                    <a:alpha val="40000"/>
-                  </a:schemeClr>
-                </a:outerShdw>
-              </a:effectLst>
-              <a:latin typeface="Arial Black" panose="020B0A04020102020204" pitchFamily="34" charset="0"/>
-            </a:endParaRPr>
-          </a:p>
-          <a:p>
-            <a:r>
-              <a:rPr lang="en-US" sz="4000" dirty="0" smtClean="0">
-                <a:ln w="0"/>
-                <a:effectLst>
-                  <a:outerShdw blurRad="38100" dist="19050" dir="2700000" algn="tl" rotWithShape="0">
-                    <a:schemeClr val="dk1">
-                      <a:alpha val="40000"/>
-                    </a:schemeClr>
-                  </a:outerShdw>
-                </a:effectLst>
-                <a:latin typeface="Arial Black" panose="020B0A04020102020204" pitchFamily="34" charset="0"/>
-              </a:rPr>
-              <a:t>The </a:t>
-            </a:r>
-            <a:r>
-              <a:rPr lang="en-US" sz="4000" dirty="0">
-                <a:ln w="0"/>
-                <a:effectLst>
-                  <a:outerShdw blurRad="38100" dist="19050" dir="2700000" algn="tl" rotWithShape="0">
-                    <a:schemeClr val="dk1">
-                      <a:alpha val="40000"/>
-                    </a:schemeClr>
-                  </a:outerShdw>
-                </a:effectLst>
-                <a:latin typeface="Arial Black" panose="020B0A04020102020204" pitchFamily="34" charset="0"/>
-              </a:rPr>
-              <a:t>technique of </a:t>
-            </a:r>
-            <a:r>
-              <a:rPr lang="en-US" sz="4000" dirty="0" smtClean="0">
-                <a:ln w="0"/>
-                <a:effectLst>
-                  <a:outerShdw blurRad="38100" dist="19050" dir="2700000" algn="tl" rotWithShape="0">
-                    <a:schemeClr val="dk1">
-                      <a:alpha val="40000"/>
-                    </a:schemeClr>
-                  </a:outerShdw>
-                </a:effectLst>
-                <a:latin typeface="Arial Black" panose="020B0A04020102020204" pitchFamily="34" charset="0"/>
-              </a:rPr>
-              <a:t>building new </a:t>
-            </a:r>
-            <a:r>
-              <a:rPr lang="en-US" sz="4000" dirty="0">
-                <a:ln w="0"/>
-                <a:effectLst>
-                  <a:outerShdw blurRad="38100" dist="19050" dir="2700000" algn="tl" rotWithShape="0">
-                    <a:schemeClr val="dk1">
-                      <a:alpha val="40000"/>
-                    </a:schemeClr>
-                  </a:outerShdw>
-                </a:effectLst>
-                <a:latin typeface="Arial Black" panose="020B0A04020102020204" pitchFamily="34" charset="0"/>
-              </a:rPr>
-              <a:t>classes from </a:t>
-            </a:r>
-            <a:r>
-              <a:rPr lang="en-US" sz="4000" dirty="0" smtClean="0">
-                <a:ln w="0"/>
-                <a:effectLst>
-                  <a:outerShdw blurRad="38100" dist="19050" dir="2700000" algn="tl" rotWithShape="0">
-                    <a:schemeClr val="dk1">
-                      <a:alpha val="40000"/>
-                    </a:schemeClr>
-                  </a:outerShdw>
-                </a:effectLst>
-                <a:latin typeface="Arial Black" panose="020B0A04020102020204" pitchFamily="34" charset="0"/>
-              </a:rPr>
-              <a:t>the existing </a:t>
-            </a:r>
-            <a:r>
-              <a:rPr lang="en-US" sz="4000" dirty="0">
-                <a:ln w="0"/>
-                <a:effectLst>
-                  <a:outerShdw blurRad="38100" dist="19050" dir="2700000" algn="tl" rotWithShape="0">
-                    <a:schemeClr val="dk1">
-                      <a:alpha val="40000"/>
-                    </a:schemeClr>
-                  </a:outerShdw>
-                </a:effectLst>
-                <a:latin typeface="Arial Black" panose="020B0A04020102020204" pitchFamily="34" charset="0"/>
-              </a:rPr>
-              <a:t>classes is </a:t>
-            </a:r>
-            <a:r>
-              <a:rPr lang="en-US" sz="4000" dirty="0" smtClean="0">
-                <a:ln w="0"/>
-                <a:effectLst>
-                  <a:outerShdw blurRad="38100" dist="19050" dir="2700000" algn="tl" rotWithShape="0">
-                    <a:schemeClr val="dk1">
-                      <a:alpha val="40000"/>
-                    </a:schemeClr>
-                  </a:outerShdw>
-                </a:effectLst>
-                <a:latin typeface="Arial Black" panose="020B0A04020102020204" pitchFamily="34" charset="0"/>
-              </a:rPr>
-              <a:t>called inheritance</a:t>
-            </a:r>
-            <a:r>
-              <a:rPr lang="en-US" sz="4000" dirty="0">
-                <a:ln w="0"/>
-                <a:effectLst>
-                  <a:outerShdw blurRad="38100" dist="19050" dir="2700000" algn="tl" rotWithShape="0">
-                    <a:schemeClr val="dk1">
-                      <a:alpha val="40000"/>
-                    </a:schemeClr>
-                  </a:outerShdw>
-                </a:effectLst>
-                <a:latin typeface="Arial Black" panose="020B0A04020102020204" pitchFamily="34" charset="0"/>
-              </a:rPr>
-              <a:t>.</a:t>
-            </a:r>
-            <a:endParaRPr lang="en-US" sz="4000" dirty="0">
-              <a:ln w="0"/>
-              <a:effectLst>
-                <a:outerShdw blurRad="38100" dist="19050" dir="2700000" algn="tl" rotWithShape="0">
-                  <a:schemeClr val="dk1">
-                    <a:alpha val="40000"/>
-                  </a:schemeClr>
-                </a:outerShdw>
-              </a:effectLst>
-            </a:endParaRPr>
-          </a:p>
-        </p:txBody>
-      </p:sp>
-      <p:sp>
-        <p:nvSpPr>
-          <p:cNvPr id="7" name="Rectangle 6"/>
-          <p:cNvSpPr/>
-          <p:nvPr/>
-        </p:nvSpPr>
-        <p:spPr>
-          <a:xfrm>
-            <a:off x="1387736" y="803698"/>
-            <a:ext cx="8885816" cy="1107996"/>
-          </a:xfrm>
-          <a:prstGeom prst="rect">
-            <a:avLst/>
-          </a:prstGeom>
-        </p:spPr>
-        <p:txBody>
-          <a:bodyPr wrap="square">
-            <a:spAutoFit/>
-          </a:bodyPr>
-          <a:lstStyle/>
-          <a:p>
-            <a:r>
-              <a:rPr lang="en-US" sz="6600" b="1" dirty="0">
-                <a:ln w="10160">
-                  <a:solidFill>
-                    <a:schemeClr val="accent5"/>
-                  </a:solidFill>
-                  <a:prstDash val="solid"/>
-                </a:ln>
-                <a:solidFill>
-                  <a:srgbClr val="FFFFFF"/>
-                </a:solidFill>
-                <a:effectLst>
-                  <a:outerShdw blurRad="38100" dist="22860" dir="5400000" algn="tl" rotWithShape="0">
-                    <a:srgbClr val="000000">
-                      <a:alpha val="30000"/>
-                    </a:srgbClr>
-                  </a:outerShdw>
-                </a:effectLst>
-              </a:rPr>
-              <a:t>What </a:t>
-            </a:r>
-            <a:r>
-              <a:rPr lang="en-US" sz="6600" b="1" dirty="0" smtClean="0">
-                <a:ln w="10160">
-                  <a:solidFill>
-                    <a:schemeClr val="accent5"/>
-                  </a:solidFill>
-                  <a:prstDash val="solid"/>
-                </a:ln>
-                <a:solidFill>
-                  <a:srgbClr val="FFFFFF"/>
-                </a:solidFill>
-                <a:effectLst>
-                  <a:outerShdw blurRad="38100" dist="22860" dir="5400000" algn="tl" rotWithShape="0">
-                    <a:srgbClr val="000000">
-                      <a:alpha val="30000"/>
-                    </a:srgbClr>
-                  </a:outerShdw>
-                </a:effectLst>
-              </a:rPr>
-              <a:t>is Inheritance</a:t>
-            </a:r>
-            <a:r>
-              <a:rPr lang="en-US" sz="6600" b="1" dirty="0">
-                <a:ln w="10160">
-                  <a:solidFill>
-                    <a:schemeClr val="accent5"/>
-                  </a:solidFill>
-                  <a:prstDash val="solid"/>
-                </a:ln>
-                <a:solidFill>
-                  <a:srgbClr val="FFFFFF"/>
-                </a:solidFill>
-                <a:effectLst>
-                  <a:outerShdw blurRad="38100" dist="22860" dir="5400000" algn="tl" rotWithShape="0">
-                    <a:srgbClr val="000000">
-                      <a:alpha val="30000"/>
-                    </a:srgbClr>
-                  </a:outerShdw>
-                </a:effectLst>
-              </a:rPr>
-              <a:t>?</a:t>
-            </a:r>
-          </a:p>
-        </p:txBody>
-      </p:sp>
-    </p:spTree>
-    <p:extLst>
-      <p:ext uri="{BB962C8B-B14F-4D97-AF65-F5344CB8AC3E}">
-        <p14:creationId xmlns:p14="http://schemas.microsoft.com/office/powerpoint/2010/main" val="1827713235"/>
-      </p:ext>
-    </p:extLst>
-  </p:cSld>
-  <p:clrMapOvr>
-    <a:masterClrMapping/>
-  </p:clrMapOvr>
-  <p:timing>
-    <p:tnLst>
-      <p:par>
-        <p:cTn id="1" dur="indefinite" restart="never" nodeType="tmRoot"/>
-      </p:par>
-    </p:tnLst>
-  </p:timing>
-</p:sld>
-</file>
-
-<file path=ppt/slides/slide3.xml><?xml version="1.0" encoding="utf-8"?>
-<p:sld xmlns:a="http://schemas.openxmlformats.org/drawingml/2006/main" xmlns:r="http://schemas.openxmlformats.org/officeDocument/2006/relationships" xmlns:p="http://schemas.openxmlformats.org/presentationml/2006/main">
-  <p:cSld>
-    <p:spTree>
-      <p:nvGrpSpPr>
-        <p:cNvPr id="1" name=""/>
-        <p:cNvGrpSpPr/>
-        <p:nvPr/>
-      </p:nvGrpSpPr>
-      <p:grpSpPr>
-        <a:xfrm>
-          <a:off x="0" y="0"/>
-          <a:ext cx="0" cy="0"/>
-          <a:chOff x="0" y="0"/>
-          <a:chExt cx="0" cy="0"/>
-        </a:xfrm>
-      </p:grpSpPr>
-      <p:sp>
-        <p:nvSpPr>
-          <p:cNvPr id="2" name="Title 1"/>
-          <p:cNvSpPr>
-            <a:spLocks noGrp="1"/>
-          </p:cNvSpPr>
-          <p:nvPr>
-            <p:ph type="title"/>
-          </p:nvPr>
-        </p:nvSpPr>
-        <p:spPr/>
-        <p:txBody>
-          <a:bodyPr/>
-          <a:lstStyle/>
-          <a:p>
-            <a:pPr algn="ctr"/>
-            <a:r>
-              <a:rPr lang="en-US" sz="5400" dirty="0" smtClean="0">
-                <a:ln>
-                  <a:solidFill>
-                    <a:schemeClr val="accent2">
-                      <a:lumMod val="20000"/>
-                      <a:lumOff val="80000"/>
-                    </a:schemeClr>
-                  </a:solidFill>
-                </a:ln>
-                <a:solidFill>
-                  <a:schemeClr val="bg1"/>
-                </a:solidFill>
-              </a:rPr>
-              <a:t>Base and Derived Class</a:t>
-            </a:r>
-            <a:endParaRPr lang="en-US" sz="5400" dirty="0">
-              <a:ln>
-                <a:solidFill>
-                  <a:schemeClr val="accent2">
-                    <a:lumMod val="20000"/>
-                    <a:lumOff val="80000"/>
-                  </a:schemeClr>
-                </a:solidFill>
-              </a:ln>
-              <a:solidFill>
-                <a:schemeClr val="bg1"/>
-              </a:solidFill>
-            </a:endParaRPr>
-          </a:p>
-        </p:txBody>
-      </p:sp>
-      <p:pic>
-        <p:nvPicPr>
-          <p:cNvPr id="4" name="Content Placeholder 3"/>
-          <p:cNvPicPr>
-            <a:picLocks noGrp="1" noChangeAspect="1"/>
-          </p:cNvPicPr>
-          <p:nvPr>
-            <p:ph idx="1"/>
-          </p:nvPr>
-        </p:nvPicPr>
-        <p:blipFill>
-          <a:blip r:embed="rId2">
+          <p:cNvPr id="2" name="Title 1">
             <a:extLst>
-              <a:ext uri="{28A0092B-C50C-407E-A947-70E740481C1C}">
-                <a14:useLocalDpi xmlns:a14="http://schemas.microsoft.com/office/drawing/2010/main" val="0"/>
+              <a:ext uri="{FF2B5EF4-FFF2-40B4-BE49-F238E27FC236}">
+                <a16:creationId xmlns:a16="http://schemas.microsoft.com/office/drawing/2014/main" id="{30099911-772E-4F3E-92A5-E22BB25CE91E}"/>
               </a:ext>
             </a:extLst>
-          </a:blip>
-          <a:stretch>
-            <a:fillRect/>
-          </a:stretch>
-        </p:blipFill>
-        <p:spPr>
-          <a:xfrm>
-            <a:off x="3055172" y="3393008"/>
-            <a:ext cx="5122202" cy="2889458"/>
-          </a:xfrm>
-        </p:spPr>
-      </p:pic>
-      <p:sp>
-        <p:nvSpPr>
-          <p:cNvPr id="5" name="Rectangle 4"/>
-          <p:cNvSpPr/>
-          <p:nvPr/>
-        </p:nvSpPr>
-        <p:spPr>
-          <a:xfrm>
-            <a:off x="8459098" y="3393008"/>
-            <a:ext cx="3535680" cy="2585323"/>
-          </a:xfrm>
-          <a:prstGeom prst="rect">
-            <a:avLst/>
-          </a:prstGeom>
-        </p:spPr>
-        <p:txBody>
-          <a:bodyPr wrap="square">
-            <a:spAutoFit/>
-          </a:bodyPr>
-          <a:lstStyle/>
-          <a:p>
-            <a:r>
-              <a:rPr lang="en-US" dirty="0" smtClean="0">
-                <a:ln w="0"/>
-                <a:effectLst>
-                  <a:outerShdw blurRad="38100" dist="19050" dir="2700000" algn="tl" rotWithShape="0">
-                    <a:schemeClr val="dk1">
-                      <a:alpha val="40000"/>
-                    </a:schemeClr>
-                  </a:outerShdw>
-                </a:effectLst>
-                <a:latin typeface="Arial Black" panose="020B0A04020102020204" pitchFamily="34" charset="0"/>
-              </a:rPr>
-              <a:t>It </a:t>
-            </a:r>
-            <a:r>
-              <a:rPr lang="en-US" dirty="0">
-                <a:ln w="0"/>
-                <a:effectLst>
-                  <a:outerShdw blurRad="38100" dist="19050" dir="2700000" algn="tl" rotWithShape="0">
-                    <a:schemeClr val="dk1">
-                      <a:alpha val="40000"/>
-                    </a:schemeClr>
-                  </a:outerShdw>
-                </a:effectLst>
-                <a:latin typeface="Arial Black" panose="020B0A04020102020204" pitchFamily="34" charset="0"/>
-              </a:rPr>
-              <a:t>is the class that </a:t>
-            </a:r>
-            <a:endParaRPr lang="en-US" dirty="0" smtClean="0">
-              <a:ln w="0"/>
-              <a:effectLst>
-                <a:outerShdw blurRad="38100" dist="19050" dir="2700000" algn="tl" rotWithShape="0">
-                  <a:schemeClr val="dk1">
-                    <a:alpha val="40000"/>
-                  </a:schemeClr>
-                </a:outerShdw>
-              </a:effectLst>
-              <a:latin typeface="Arial Black" panose="020B0A04020102020204" pitchFamily="34" charset="0"/>
-            </a:endParaRPr>
-          </a:p>
-          <a:p>
-            <a:r>
-              <a:rPr lang="en-US" dirty="0" smtClean="0">
-                <a:ln w="0"/>
-                <a:effectLst>
-                  <a:outerShdw blurRad="38100" dist="19050" dir="2700000" algn="tl" rotWithShape="0">
-                    <a:schemeClr val="dk1">
-                      <a:alpha val="40000"/>
-                    </a:schemeClr>
-                  </a:outerShdw>
-                </a:effectLst>
-                <a:latin typeface="Arial Black" panose="020B0A04020102020204" pitchFamily="34" charset="0"/>
-              </a:rPr>
-              <a:t>inherit properties</a:t>
-            </a:r>
-          </a:p>
-          <a:p>
-            <a:r>
-              <a:rPr lang="en-US" dirty="0" smtClean="0">
-                <a:ln w="0"/>
-                <a:effectLst>
-                  <a:outerShdw blurRad="38100" dist="19050" dir="2700000" algn="tl" rotWithShape="0">
-                    <a:schemeClr val="dk1">
-                      <a:alpha val="40000"/>
-                    </a:schemeClr>
-                  </a:outerShdw>
-                </a:effectLst>
-                <a:latin typeface="Arial Black" panose="020B0A04020102020204" pitchFamily="34" charset="0"/>
-              </a:rPr>
-              <a:t>from </a:t>
-            </a:r>
-            <a:r>
-              <a:rPr lang="en-US" dirty="0">
-                <a:ln w="0"/>
-                <a:effectLst>
-                  <a:outerShdw blurRad="38100" dist="19050" dir="2700000" algn="tl" rotWithShape="0">
-                    <a:schemeClr val="dk1">
-                      <a:alpha val="40000"/>
-                    </a:schemeClr>
-                  </a:outerShdw>
-                </a:effectLst>
-                <a:latin typeface="Arial Black" panose="020B0A04020102020204" pitchFamily="34" charset="0"/>
-              </a:rPr>
-              <a:t>base class(</a:t>
-            </a:r>
-            <a:r>
-              <a:rPr lang="en-US" dirty="0" err="1">
-                <a:ln w="0"/>
-                <a:effectLst>
-                  <a:outerShdw blurRad="38100" dist="19050" dir="2700000" algn="tl" rotWithShape="0">
-                    <a:schemeClr val="dk1">
-                      <a:alpha val="40000"/>
-                    </a:schemeClr>
-                  </a:outerShdw>
-                </a:effectLst>
-                <a:latin typeface="Arial Black" panose="020B0A04020102020204" pitchFamily="34" charset="0"/>
-              </a:rPr>
-              <a:t>es</a:t>
-            </a:r>
-            <a:r>
-              <a:rPr lang="en-US" dirty="0">
-                <a:ln w="0"/>
-                <a:effectLst>
-                  <a:outerShdw blurRad="38100" dist="19050" dir="2700000" algn="tl" rotWithShape="0">
-                    <a:schemeClr val="dk1">
-                      <a:alpha val="40000"/>
-                    </a:schemeClr>
-                  </a:outerShdw>
-                </a:effectLst>
-                <a:latin typeface="Arial Black" panose="020B0A04020102020204" pitchFamily="34" charset="0"/>
-              </a:rPr>
-              <a:t>).</a:t>
-            </a:r>
-          </a:p>
-          <a:p>
-            <a:r>
-              <a:rPr lang="en-US" dirty="0" smtClean="0">
-                <a:ln w="0"/>
-                <a:effectLst>
-                  <a:outerShdw blurRad="38100" dist="19050" dir="2700000" algn="tl" rotWithShape="0">
-                    <a:schemeClr val="dk1">
-                      <a:alpha val="40000"/>
-                    </a:schemeClr>
-                  </a:outerShdw>
-                </a:effectLst>
-                <a:latin typeface="Arial Black" panose="020B0A04020102020204" pitchFamily="34" charset="0"/>
-              </a:rPr>
-              <a:t>It </a:t>
-            </a:r>
-            <a:r>
-              <a:rPr lang="en-US" dirty="0">
-                <a:ln w="0"/>
-                <a:effectLst>
-                  <a:outerShdw blurRad="38100" dist="19050" dir="2700000" algn="tl" rotWithShape="0">
-                    <a:schemeClr val="dk1">
-                      <a:alpha val="40000"/>
-                    </a:schemeClr>
-                  </a:outerShdw>
-                </a:effectLst>
-                <a:latin typeface="Arial Black" panose="020B0A04020102020204" pitchFamily="34" charset="0"/>
-              </a:rPr>
-              <a:t>is also called Sub Class.</a:t>
-            </a:r>
-          </a:p>
-          <a:p>
-            <a:r>
-              <a:rPr lang="en-US" dirty="0" smtClean="0">
-                <a:ln w="0"/>
-                <a:effectLst>
-                  <a:outerShdw blurRad="38100" dist="19050" dir="2700000" algn="tl" rotWithShape="0">
-                    <a:schemeClr val="dk1">
-                      <a:alpha val="40000"/>
-                    </a:schemeClr>
-                  </a:outerShdw>
-                </a:effectLst>
-                <a:latin typeface="Arial Black" panose="020B0A04020102020204" pitchFamily="34" charset="0"/>
-              </a:rPr>
-              <a:t>It </a:t>
-            </a:r>
-            <a:r>
-              <a:rPr lang="en-US" dirty="0">
-                <a:ln w="0"/>
-                <a:effectLst>
-                  <a:outerShdw blurRad="38100" dist="19050" dir="2700000" algn="tl" rotWithShape="0">
-                    <a:schemeClr val="dk1">
-                      <a:alpha val="40000"/>
-                    </a:schemeClr>
-                  </a:outerShdw>
-                </a:effectLst>
-                <a:latin typeface="Arial Black" panose="020B0A04020102020204" pitchFamily="34" charset="0"/>
-              </a:rPr>
-              <a:t>inherits all the properties </a:t>
-            </a:r>
-            <a:r>
-              <a:rPr lang="en-US" dirty="0" smtClean="0">
-                <a:ln w="0"/>
-                <a:effectLst>
-                  <a:outerShdw blurRad="38100" dist="19050" dir="2700000" algn="tl" rotWithShape="0">
-                    <a:schemeClr val="dk1">
-                      <a:alpha val="40000"/>
-                    </a:schemeClr>
-                  </a:outerShdw>
-                </a:effectLst>
-                <a:latin typeface="Arial Black" panose="020B0A04020102020204" pitchFamily="34" charset="0"/>
-              </a:rPr>
-              <a:t>of the </a:t>
-            </a:r>
-            <a:r>
-              <a:rPr lang="en-US" dirty="0">
-                <a:ln w="0"/>
-                <a:effectLst>
-                  <a:outerShdw blurRad="38100" dist="19050" dir="2700000" algn="tl" rotWithShape="0">
-                    <a:schemeClr val="dk1">
-                      <a:alpha val="40000"/>
-                    </a:schemeClr>
-                  </a:outerShdw>
-                </a:effectLst>
-                <a:latin typeface="Arial Black" panose="020B0A04020102020204" pitchFamily="34" charset="0"/>
-              </a:rPr>
-              <a:t>base class and can </a:t>
-            </a:r>
-            <a:r>
-              <a:rPr lang="en-US" dirty="0" smtClean="0">
-                <a:ln w="0"/>
-                <a:effectLst>
-                  <a:outerShdw blurRad="38100" dist="19050" dir="2700000" algn="tl" rotWithShape="0">
-                    <a:schemeClr val="dk1">
-                      <a:alpha val="40000"/>
-                    </a:schemeClr>
-                  </a:outerShdw>
-                </a:effectLst>
-                <a:latin typeface="Arial Black" panose="020B0A04020102020204" pitchFamily="34" charset="0"/>
-              </a:rPr>
-              <a:t>add additional </a:t>
-            </a:r>
-            <a:r>
-              <a:rPr lang="en-US" dirty="0">
-                <a:ln w="0"/>
-                <a:effectLst>
-                  <a:outerShdw blurRad="38100" dist="19050" dir="2700000" algn="tl" rotWithShape="0">
-                    <a:schemeClr val="dk1">
-                      <a:alpha val="40000"/>
-                    </a:schemeClr>
-                  </a:outerShdw>
-                </a:effectLst>
-                <a:latin typeface="Arial Black" panose="020B0A04020102020204" pitchFamily="34" charset="0"/>
-              </a:rPr>
-              <a:t>features to </a:t>
-            </a:r>
-            <a:r>
-              <a:rPr lang="en-US" dirty="0" smtClean="0">
-                <a:ln w="0"/>
-                <a:effectLst>
-                  <a:outerShdw blurRad="38100" dist="19050" dir="2700000" algn="tl" rotWithShape="0">
-                    <a:schemeClr val="dk1">
-                      <a:alpha val="40000"/>
-                    </a:schemeClr>
-                  </a:outerShdw>
-                </a:effectLst>
-                <a:latin typeface="Arial Black" panose="020B0A04020102020204" pitchFamily="34" charset="0"/>
-              </a:rPr>
-              <a:t>the derived </a:t>
-            </a:r>
-            <a:r>
-              <a:rPr lang="en-US" dirty="0">
-                <a:ln w="0"/>
-                <a:effectLst>
-                  <a:outerShdw blurRad="38100" dist="19050" dir="2700000" algn="tl" rotWithShape="0">
-                    <a:schemeClr val="dk1">
-                      <a:alpha val="40000"/>
-                    </a:schemeClr>
-                  </a:outerShdw>
-                </a:effectLst>
-                <a:latin typeface="Arial Black" panose="020B0A04020102020204" pitchFamily="34" charset="0"/>
-              </a:rPr>
-              <a:t>class.</a:t>
-            </a:r>
-            <a:endParaRPr lang="en-US" dirty="0">
-              <a:ln w="0"/>
-              <a:effectLst>
-                <a:outerShdw blurRad="38100" dist="19050" dir="2700000" algn="tl" rotWithShape="0">
-                  <a:schemeClr val="dk1">
-                    <a:alpha val="40000"/>
-                  </a:schemeClr>
-                </a:outerShdw>
-              </a:effectLst>
-            </a:endParaRPr>
-          </a:p>
-        </p:txBody>
-      </p:sp>
-      <p:sp>
-        <p:nvSpPr>
-          <p:cNvPr id="6" name="Rectangle 5"/>
-          <p:cNvSpPr/>
-          <p:nvPr/>
-        </p:nvSpPr>
-        <p:spPr>
-          <a:xfrm>
-            <a:off x="498439" y="3393008"/>
-            <a:ext cx="2739614" cy="1754326"/>
-          </a:xfrm>
-          <a:prstGeom prst="rect">
-            <a:avLst/>
-          </a:prstGeom>
-        </p:spPr>
-        <p:txBody>
-          <a:bodyPr wrap="square">
-            <a:spAutoFit/>
-          </a:bodyPr>
-          <a:lstStyle/>
-          <a:p>
-            <a:r>
-              <a:rPr lang="en-US" dirty="0" smtClean="0">
-                <a:ln w="0"/>
-                <a:effectLst>
-                  <a:outerShdw blurRad="38100" dist="19050" dir="2700000" algn="tl" rotWithShape="0">
-                    <a:schemeClr val="dk1">
-                      <a:alpha val="40000"/>
-                    </a:schemeClr>
-                  </a:outerShdw>
-                </a:effectLst>
-                <a:latin typeface="Arial Black" panose="020B0A04020102020204" pitchFamily="34" charset="0"/>
-              </a:rPr>
-              <a:t>It </a:t>
-            </a:r>
-            <a:r>
-              <a:rPr lang="en-US" dirty="0">
-                <a:ln w="0"/>
-                <a:effectLst>
-                  <a:outerShdw blurRad="38100" dist="19050" dir="2700000" algn="tl" rotWithShape="0">
-                    <a:schemeClr val="dk1">
-                      <a:alpha val="40000"/>
-                    </a:schemeClr>
-                  </a:outerShdw>
-                </a:effectLst>
-                <a:latin typeface="Arial Black" panose="020B0A04020102020204" pitchFamily="34" charset="0"/>
-              </a:rPr>
-              <a:t>is the class </a:t>
-            </a:r>
-            <a:endParaRPr lang="en-US" dirty="0" smtClean="0">
-              <a:ln w="0"/>
-              <a:effectLst>
-                <a:outerShdw blurRad="38100" dist="19050" dir="2700000" algn="tl" rotWithShape="0">
-                  <a:schemeClr val="dk1">
-                    <a:alpha val="40000"/>
-                  </a:schemeClr>
-                </a:outerShdw>
-              </a:effectLst>
-              <a:latin typeface="Arial Black" panose="020B0A04020102020204" pitchFamily="34" charset="0"/>
-            </a:endParaRPr>
-          </a:p>
-          <a:p>
-            <a:r>
-              <a:rPr lang="en-US" dirty="0" smtClean="0">
-                <a:ln w="0"/>
-                <a:effectLst>
-                  <a:outerShdw blurRad="38100" dist="19050" dir="2700000" algn="tl" rotWithShape="0">
-                    <a:schemeClr val="dk1">
-                      <a:alpha val="40000"/>
-                    </a:schemeClr>
-                  </a:outerShdw>
-                </a:effectLst>
-                <a:latin typeface="Arial Black" panose="020B0A04020102020204" pitchFamily="34" charset="0"/>
-              </a:rPr>
-              <a:t>whose properties </a:t>
-            </a:r>
-            <a:r>
-              <a:rPr lang="en-US" dirty="0">
-                <a:ln w="0"/>
-                <a:effectLst>
-                  <a:outerShdw blurRad="38100" dist="19050" dir="2700000" algn="tl" rotWithShape="0">
-                    <a:schemeClr val="dk1">
-                      <a:alpha val="40000"/>
-                    </a:schemeClr>
-                  </a:outerShdw>
-                </a:effectLst>
-                <a:latin typeface="Arial Black" panose="020B0A04020102020204" pitchFamily="34" charset="0"/>
-              </a:rPr>
-              <a:t>are </a:t>
-            </a:r>
-            <a:r>
-              <a:rPr lang="en-US" dirty="0" smtClean="0">
-                <a:ln w="0"/>
-                <a:effectLst>
-                  <a:outerShdw blurRad="38100" dist="19050" dir="2700000" algn="tl" rotWithShape="0">
-                    <a:schemeClr val="dk1">
-                      <a:alpha val="40000"/>
-                    </a:schemeClr>
-                  </a:outerShdw>
-                </a:effectLst>
-                <a:latin typeface="Arial Black" panose="020B0A04020102020204" pitchFamily="34" charset="0"/>
-              </a:rPr>
-              <a:t>inherited by </a:t>
-            </a:r>
-          </a:p>
-          <a:p>
-            <a:r>
-              <a:rPr lang="en-US" dirty="0" smtClean="0">
-                <a:ln w="0"/>
-                <a:effectLst>
-                  <a:outerShdw blurRad="38100" dist="19050" dir="2700000" algn="tl" rotWithShape="0">
-                    <a:schemeClr val="dk1">
-                      <a:alpha val="40000"/>
-                    </a:schemeClr>
-                  </a:outerShdw>
-                </a:effectLst>
-                <a:latin typeface="Arial Black" panose="020B0A04020102020204" pitchFamily="34" charset="0"/>
-              </a:rPr>
-              <a:t>another </a:t>
-            </a:r>
-            <a:r>
-              <a:rPr lang="en-US" dirty="0">
-                <a:ln w="0"/>
-                <a:effectLst>
-                  <a:outerShdw blurRad="38100" dist="19050" dir="2700000" algn="tl" rotWithShape="0">
-                    <a:schemeClr val="dk1">
-                      <a:alpha val="40000"/>
-                    </a:schemeClr>
-                  </a:outerShdw>
-                </a:effectLst>
-                <a:latin typeface="Arial Black" panose="020B0A04020102020204" pitchFamily="34" charset="0"/>
-              </a:rPr>
-              <a:t>class.</a:t>
-            </a:r>
-          </a:p>
-          <a:p>
-            <a:r>
-              <a:rPr lang="en-US" dirty="0" smtClean="0">
-                <a:ln w="0"/>
-                <a:effectLst>
-                  <a:outerShdw blurRad="38100" dist="19050" dir="2700000" algn="tl" rotWithShape="0">
-                    <a:schemeClr val="dk1">
-                      <a:alpha val="40000"/>
-                    </a:schemeClr>
-                  </a:outerShdw>
-                </a:effectLst>
-                <a:latin typeface="Arial Black" panose="020B0A04020102020204" pitchFamily="34" charset="0"/>
-              </a:rPr>
-              <a:t>It </a:t>
-            </a:r>
-            <a:r>
-              <a:rPr lang="en-US" dirty="0">
-                <a:ln w="0"/>
-                <a:effectLst>
-                  <a:outerShdw blurRad="38100" dist="19050" dir="2700000" algn="tl" rotWithShape="0">
-                    <a:schemeClr val="dk1">
-                      <a:alpha val="40000"/>
-                    </a:schemeClr>
-                  </a:outerShdw>
-                </a:effectLst>
-                <a:latin typeface="Arial Black" panose="020B0A04020102020204" pitchFamily="34" charset="0"/>
-              </a:rPr>
-              <a:t>is also called </a:t>
-            </a:r>
-            <a:endParaRPr lang="en-US" dirty="0" smtClean="0">
-              <a:ln w="0"/>
-              <a:effectLst>
-                <a:outerShdw blurRad="38100" dist="19050" dir="2700000" algn="tl" rotWithShape="0">
-                  <a:schemeClr val="dk1">
-                    <a:alpha val="40000"/>
-                  </a:schemeClr>
-                </a:outerShdw>
-              </a:effectLst>
-              <a:latin typeface="Arial Black" panose="020B0A04020102020204" pitchFamily="34" charset="0"/>
-            </a:endParaRPr>
-          </a:p>
-          <a:p>
-            <a:r>
-              <a:rPr lang="en-US" dirty="0" smtClean="0">
-                <a:ln w="0"/>
-                <a:effectLst>
-                  <a:outerShdw blurRad="38100" dist="19050" dir="2700000" algn="tl" rotWithShape="0">
-                    <a:schemeClr val="dk1">
-                      <a:alpha val="40000"/>
-                    </a:schemeClr>
-                  </a:outerShdw>
-                </a:effectLst>
-                <a:latin typeface="Arial Black" panose="020B0A04020102020204" pitchFamily="34" charset="0"/>
-              </a:rPr>
-              <a:t>Super Class</a:t>
-            </a:r>
-            <a:r>
-              <a:rPr lang="en-US" dirty="0">
-                <a:ln w="0"/>
-                <a:effectLst>
-                  <a:outerShdw blurRad="38100" dist="19050" dir="2700000" algn="tl" rotWithShape="0">
-                    <a:schemeClr val="dk1">
-                      <a:alpha val="40000"/>
-                    </a:schemeClr>
-                  </a:outerShdw>
-                </a:effectLst>
-                <a:latin typeface="Arial Black" panose="020B0A04020102020204" pitchFamily="34" charset="0"/>
-              </a:rPr>
-              <a:t>.</a:t>
-            </a:r>
-            <a:endParaRPr lang="en-US" dirty="0">
-              <a:ln w="0"/>
-              <a:effectLst>
-                <a:outerShdw blurRad="38100" dist="19050" dir="2700000" algn="tl" rotWithShape="0">
-                  <a:schemeClr val="dk1">
-                    <a:alpha val="40000"/>
-                  </a:schemeClr>
-                </a:outerShdw>
-              </a:effectLst>
-            </a:endParaRPr>
-          </a:p>
-        </p:txBody>
-      </p:sp>
-    </p:spTree>
-    <p:extLst>
-      <p:ext uri="{BB962C8B-B14F-4D97-AF65-F5344CB8AC3E}">
-        <p14:creationId xmlns:p14="http://schemas.microsoft.com/office/powerpoint/2010/main" val="1879720431"/>
-      </p:ext>
-    </p:extLst>
-  </p:cSld>
-  <p:clrMapOvr>
-    <a:masterClrMapping/>
-  </p:clrMapOvr>
-  <p:timing>
-    <p:tnLst>
-      <p:par>
-        <p:cTn id="1" dur="indefinite" restart="never" nodeType="tmRoot"/>
-      </p:par>
-    </p:tnLst>
-  </p:timing>
-</p:sld>
-</file>
-
-<file path=ppt/slides/slide4.xml><?xml version="1.0" encoding="utf-8"?>
-<p:sld xmlns:a="http://schemas.openxmlformats.org/drawingml/2006/main" xmlns:r="http://schemas.openxmlformats.org/officeDocument/2006/relationships" xmlns:p="http://schemas.openxmlformats.org/presentationml/2006/main">
-  <p:cSld>
-    <p:spTree>
-      <p:nvGrpSpPr>
-        <p:cNvPr id="1" name=""/>
-        <p:cNvGrpSpPr/>
-        <p:nvPr/>
-      </p:nvGrpSpPr>
-      <p:grpSpPr>
-        <a:xfrm>
-          <a:off x="0" y="0"/>
-          <a:ext cx="0" cy="0"/>
-          <a:chOff x="0" y="0"/>
-          <a:chExt cx="0" cy="0"/>
-        </a:xfrm>
-      </p:grpSpPr>
-      <p:sp>
-        <p:nvSpPr>
-          <p:cNvPr id="3" name="Content Placeholder 2"/>
-          <p:cNvSpPr>
-            <a:spLocks noGrp="1"/>
-          </p:cNvSpPr>
-          <p:nvPr>
-            <p:ph idx="1"/>
-          </p:nvPr>
-        </p:nvSpPr>
-        <p:spPr/>
-        <p:txBody>
-          <a:bodyPr>
-            <a:normAutofit/>
-          </a:bodyPr>
-          <a:lstStyle/>
-          <a:p>
-            <a:pPr marL="0" indent="0">
-              <a:buNone/>
-            </a:pPr>
-            <a:r>
-              <a:rPr lang="en-US" sz="3200" b="1" dirty="0"/>
-              <a:t>1. SINGLE INHERITANCE</a:t>
-            </a:r>
-          </a:p>
-          <a:p>
-            <a:pPr marL="0" indent="0">
-              <a:buNone/>
-            </a:pPr>
-            <a:r>
-              <a:rPr lang="en-US" sz="3200" b="1" dirty="0"/>
-              <a:t>2. MULTIPLE INHERITANCE</a:t>
-            </a:r>
-          </a:p>
-          <a:p>
-            <a:pPr marL="0" indent="0">
-              <a:buNone/>
-            </a:pPr>
-            <a:r>
-              <a:rPr lang="en-US" sz="3200" b="1" dirty="0"/>
-              <a:t>3. HIERARCHICAL INHERITANCE</a:t>
-            </a:r>
-          </a:p>
-          <a:p>
-            <a:pPr marL="0" indent="0">
-              <a:buNone/>
-            </a:pPr>
-            <a:r>
-              <a:rPr lang="en-US" sz="3200" b="1" dirty="0"/>
-              <a:t>4. MULTILEVEL INHERITANCE</a:t>
-            </a:r>
-          </a:p>
-          <a:p>
-            <a:pPr marL="0" indent="0">
-              <a:buNone/>
-            </a:pPr>
-            <a:r>
-              <a:rPr lang="en-US" sz="3200" b="1" dirty="0"/>
-              <a:t>5. HYBRID INHERITANCE</a:t>
-            </a:r>
-            <a:endParaRPr lang="en-US" sz="3200" dirty="0"/>
-          </a:p>
-        </p:txBody>
-      </p:sp>
-      <p:sp>
-        <p:nvSpPr>
-          <p:cNvPr id="5" name="Title 1"/>
+          </p:cNvPr>
           <p:cNvSpPr txBox="1">
             <a:spLocks/>
           </p:cNvSpPr>
@@ -14480,7 +13616,7 @@
         </p:nvSpPr>
         <p:spPr bwMode="gray">
           <a:xfrm>
-            <a:off x="1328869" y="964704"/>
+            <a:off x="1024069" y="461121"/>
             <a:ext cx="8761413" cy="706964"/>
           </a:xfrm>
           <a:prstGeom prst="rect">
@@ -14564,60 +13700,129 @@
             </a:lvl9pPr>
           </a:lstStyle>
           <a:p>
-            <a:pPr algn="ctr"/>
             <a:r>
-              <a:rPr lang="en-US" sz="5400" dirty="0" smtClean="0">
-                <a:ln>
-                  <a:solidFill>
-                    <a:schemeClr val="accent2">
-                      <a:lumMod val="20000"/>
-                      <a:lumOff val="80000"/>
+              <a:rPr lang="en-US" sz="5400" dirty="0">
+                <a:ln w="0"/>
+                <a:solidFill>
+                  <a:schemeClr val="tx1"/>
+                </a:solidFill>
+                <a:effectLst>
+                  <a:outerShdw blurRad="38100" dist="19050" dir="2700000" algn="tl" rotWithShape="0">
+                    <a:schemeClr val="dk1">
+                      <a:alpha val="40000"/>
                     </a:schemeClr>
-                  </a:solidFill>
-                </a:ln>
-                <a:solidFill>
-                  <a:schemeClr val="bg1"/>
-                </a:solidFill>
+                  </a:outerShdw>
+                </a:effectLst>
               </a:rPr>
-              <a:t>Types of Inheritance</a:t>
+              <a:t>5. HYBRID INHERITANCE</a:t>
             </a:r>
-            <a:endParaRPr lang="en-US" sz="5400" dirty="0">
-              <a:ln>
-                <a:solidFill>
-                  <a:schemeClr val="accent2">
-                    <a:lumMod val="20000"/>
-                    <a:lumOff val="80000"/>
-                  </a:schemeClr>
-                </a:solidFill>
-              </a:ln>
-              <a:solidFill>
-                <a:schemeClr val="bg1"/>
-              </a:solidFill>
-            </a:endParaRPr>
           </a:p>
         </p:txBody>
       </p:sp>
+      <p:sp>
+        <p:nvSpPr>
+          <p:cNvPr id="3" name="Rectangle 2">
+            <a:extLst>
+              <a:ext uri="{FF2B5EF4-FFF2-40B4-BE49-F238E27FC236}">
+                <a16:creationId xmlns:a16="http://schemas.microsoft.com/office/drawing/2014/main" id="{44ED3F58-8C95-489D-ABE1-DF8CE3FB904B}"/>
+              </a:ext>
+            </a:extLst>
+          </p:cNvPr>
+          <p:cNvSpPr/>
+          <p:nvPr/>
+        </p:nvSpPr>
+        <p:spPr>
+          <a:xfrm>
+            <a:off x="5497541" y="1669919"/>
+            <a:ext cx="6096000" cy="3970318"/>
+          </a:xfrm>
+          <a:prstGeom prst="rect">
+            <a:avLst/>
+          </a:prstGeom>
+        </p:spPr>
+        <p:txBody>
+          <a:bodyPr>
+            <a:spAutoFit/>
+          </a:bodyPr>
+          <a:lstStyle/>
+          <a:p>
+            <a:pPr marL="457200" indent="-457200">
+              <a:buFont typeface="Wingdings" panose="05000000000000000000" pitchFamily="2" charset="2"/>
+              <a:buChar char="Ø"/>
+            </a:pPr>
+            <a:r>
+              <a:rPr lang="en-IN" sz="2800" dirty="0"/>
+              <a:t>It is a mix of two or more of the above types of inheritance. Since java doesn’t support multiple inheritance with classes, the hybrid inheritance is also not possible with classes. </a:t>
+            </a:r>
+          </a:p>
+          <a:p>
+            <a:pPr marL="457200" indent="-457200">
+              <a:buFont typeface="Wingdings" panose="05000000000000000000" pitchFamily="2" charset="2"/>
+              <a:buChar char="Ø"/>
+            </a:pPr>
+            <a:r>
+              <a:rPr lang="en-IN" sz="2800" dirty="0"/>
+              <a:t>In java, we can achieve hybrid inheritance only through Interfaces.</a:t>
+            </a:r>
+          </a:p>
+        </p:txBody>
+      </p:sp>
+      <p:pic>
+        <p:nvPicPr>
+          <p:cNvPr id="5" name="Picture 4">
+            <a:extLst>
+              <a:ext uri="{FF2B5EF4-FFF2-40B4-BE49-F238E27FC236}">
+                <a16:creationId xmlns:a16="http://schemas.microsoft.com/office/drawing/2014/main" id="{F56C38EE-44FD-44F8-AA3B-88171E5AC90A}"/>
+              </a:ext>
+            </a:extLst>
+          </p:cNvPr>
+          <p:cNvPicPr>
+            <a:picLocks noChangeAspect="1"/>
+          </p:cNvPicPr>
+          <p:nvPr/>
+        </p:nvPicPr>
+        <p:blipFill>
+          <a:blip r:embed="rId2"/>
+          <a:stretch>
+            <a:fillRect/>
+          </a:stretch>
+        </p:blipFill>
+        <p:spPr>
+          <a:xfrm>
+            <a:off x="1024069" y="1669919"/>
+            <a:ext cx="3715268" cy="4240551"/>
+          </a:xfrm>
+          <a:prstGeom prst="rect">
+            <a:avLst/>
+          </a:prstGeom>
+        </p:spPr>
+      </p:pic>
     </p:spTree>
     <p:extLst>
       <p:ext uri="{BB962C8B-B14F-4D97-AF65-F5344CB8AC3E}">
-        <p14:creationId xmlns:p14="http://schemas.microsoft.com/office/powerpoint/2010/main" val="3662003617"/>
+        <p14:creationId xmlns:p14="http://schemas.microsoft.com/office/powerpoint/2010/main" val="2969237624"/>
       </p:ext>
     </p:extLst>
   </p:cSld>
   <p:clrMapOvr>
     <a:masterClrMapping/>
   </p:clrMapOvr>
-  <p:timing>
-    <p:tnLst>
-      <p:par>
-        <p:cTn id="1" dur="indefinite" restart="never" nodeType="tmRoot"/>
-      </p:par>
-    </p:tnLst>
-  </p:timing>
+  <mc:AlternateContent xmlns:mc="http://schemas.openxmlformats.org/markup-compatibility/2006">
+    <mc:Choice xmlns:p15="http://schemas.microsoft.com/office/powerpoint/2012/main" Requires="p15">
+      <p:transition xmlns:p14="http://schemas.microsoft.com/office/powerpoint/2010/main" spd="slow" p14:dur="1250">
+        <p15:prstTrans prst="pageCurlDouble"/>
+      </p:transition>
+    </mc:Choice>
+    <mc:Fallback>
+      <p:transition spd="slow">
+        <p:fade/>
+      </p:transition>
+    </mc:Fallback>
+  </mc:AlternateContent>
 </p:sld>
 </file>
 
-<file path=ppt/slides/slide5.xml><?xml version="1.0" encoding="utf-8"?>
+<file path=ppt/slides/slide11.xml><?xml version="1.0" encoding="utf-8"?>
 <p:sld xmlns:a="http://schemas.openxmlformats.org/drawingml/2006/main" xmlns:r="http://schemas.openxmlformats.org/officeDocument/2006/relationships" xmlns:p="http://schemas.openxmlformats.org/presentationml/2006/main">
   <p:cSld>
     <p:spTree>
@@ -14636,151 +13841,21 @@
       </p:grpSpPr>
       <p:sp>
         <p:nvSpPr>
-          <p:cNvPr id="2" name="Rectangle 1"/>
-          <p:cNvSpPr/>
-          <p:nvPr/>
-        </p:nvSpPr>
-        <p:spPr>
-          <a:xfrm>
-            <a:off x="4206240" y="1980688"/>
-            <a:ext cx="6927925" cy="3785652"/>
-          </a:xfrm>
-          <a:prstGeom prst="rect">
-            <a:avLst/>
-          </a:prstGeom>
-        </p:spPr>
-        <p:txBody>
-          <a:bodyPr wrap="square">
-            <a:spAutoFit/>
-          </a:bodyPr>
-          <a:lstStyle/>
-          <a:p>
-            <a:endParaRPr lang="en-US" sz="2400" dirty="0" smtClean="0">
-              <a:latin typeface="Roboto"/>
-            </a:endParaRPr>
-          </a:p>
-          <a:p>
-            <a:pPr marL="571500" indent="-571500">
-              <a:buFont typeface="Wingdings" panose="05000000000000000000" pitchFamily="2" charset="2"/>
-              <a:buChar char="Ø"/>
-            </a:pPr>
-            <a:r>
-              <a:rPr lang="en-US" sz="3600" dirty="0" smtClean="0">
-                <a:latin typeface="Roboto"/>
-              </a:rPr>
-              <a:t>In Single Inheritance</a:t>
-            </a:r>
-            <a:r>
-              <a:rPr lang="en-US" sz="3600" dirty="0">
-                <a:latin typeface="Roboto"/>
-              </a:rPr>
-              <a:t>, subclasses inherit </a:t>
-            </a:r>
-            <a:r>
-              <a:rPr lang="en-US" sz="3600" dirty="0" smtClean="0">
-                <a:latin typeface="Roboto"/>
-              </a:rPr>
-              <a:t>the </a:t>
-            </a:r>
-            <a:r>
-              <a:rPr lang="en-US" sz="3600" dirty="0">
-                <a:latin typeface="Roboto"/>
-              </a:rPr>
-              <a:t>features of </a:t>
-            </a:r>
-            <a:r>
-              <a:rPr lang="en-US" sz="3600" dirty="0" smtClean="0">
-                <a:latin typeface="Roboto"/>
-              </a:rPr>
-              <a:t>one superclass</a:t>
-            </a:r>
-            <a:r>
-              <a:rPr lang="en-US" sz="3600" dirty="0">
-                <a:latin typeface="Roboto"/>
-              </a:rPr>
-              <a:t>. </a:t>
-            </a:r>
-          </a:p>
-          <a:p>
-            <a:pPr marL="571500" indent="-571500">
-              <a:buFont typeface="Wingdings" panose="05000000000000000000" pitchFamily="2" charset="2"/>
-              <a:buChar char="Ø"/>
-            </a:pPr>
-            <a:r>
-              <a:rPr lang="en-US" sz="3600" dirty="0" smtClean="0">
-                <a:latin typeface="Roboto"/>
-              </a:rPr>
-              <a:t>In </a:t>
-            </a:r>
-            <a:r>
-              <a:rPr lang="en-US" sz="3600" dirty="0">
-                <a:latin typeface="Roboto"/>
-              </a:rPr>
-              <a:t>image below, the class A </a:t>
-            </a:r>
-            <a:r>
-              <a:rPr lang="en-US" sz="3600" dirty="0" smtClean="0">
-                <a:latin typeface="Roboto"/>
-              </a:rPr>
-              <a:t>serves as </a:t>
-            </a:r>
-            <a:r>
-              <a:rPr lang="en-US" sz="3600" dirty="0">
-                <a:latin typeface="Roboto"/>
-              </a:rPr>
-              <a:t>a base class for the derived class B</a:t>
-            </a:r>
-            <a:r>
-              <a:rPr lang="en-US" sz="2400" dirty="0">
-                <a:latin typeface="Roboto"/>
-              </a:rPr>
-              <a:t>.</a:t>
-            </a:r>
-            <a:endParaRPr lang="en-US" sz="2400" dirty="0"/>
-          </a:p>
-        </p:txBody>
-      </p:sp>
-      <p:pic>
-        <p:nvPicPr>
-          <p:cNvPr id="3" name="Picture 2"/>
-          <p:cNvPicPr>
-            <a:picLocks noChangeAspect="1"/>
-          </p:cNvPicPr>
-          <p:nvPr/>
-        </p:nvPicPr>
-        <p:blipFill>
-          <a:blip r:embed="rId2">
+          <p:cNvPr id="3" name="Title 1">
             <a:extLst>
-              <a:ext uri="{28A0092B-C50C-407E-A947-70E740481C1C}">
-                <a14:useLocalDpi xmlns:a14="http://schemas.microsoft.com/office/drawing/2010/main" val="0"/>
+              <a:ext uri="{FF2B5EF4-FFF2-40B4-BE49-F238E27FC236}">
+                <a16:creationId xmlns:a16="http://schemas.microsoft.com/office/drawing/2014/main" id="{150B6D54-69EC-4D9E-B6DB-86317B134131}"/>
               </a:ext>
             </a:extLst>
-          </a:blip>
-          <a:stretch>
-            <a:fillRect/>
-          </a:stretch>
-        </p:blipFill>
-        <p:spPr>
-          <a:xfrm>
-            <a:off x="821225" y="2099200"/>
-            <a:ext cx="3019255" cy="3667140"/>
-          </a:xfrm>
-          <a:prstGeom prst="rect">
-            <a:avLst/>
-          </a:prstGeom>
-        </p:spPr>
-      </p:pic>
-      <p:sp>
-        <p:nvSpPr>
-          <p:cNvPr id="7" name="Title 1"/>
+          </p:cNvPr>
           <p:cNvSpPr txBox="1">
             <a:spLocks/>
           </p:cNvSpPr>
           <p:nvPr/>
         </p:nvSpPr>
-        <p:spPr>
+        <p:spPr bwMode="gray">
           <a:xfrm>
-            <a:off x="976601" y="516578"/>
+            <a:off x="1024069" y="461121"/>
             <a:ext cx="8761413" cy="706964"/>
           </a:xfrm>
           <a:prstGeom prst="rect">
@@ -14788,7 +13863,9 @@
           </a:prstGeom>
         </p:spPr>
         <p:txBody>
-          <a:bodyPr/>
+          <a:bodyPr vert="horz" lIns="91440" tIns="45720" rIns="91440" bIns="45720" rtlCol="0" anchor="ctr">
+            <a:noAutofit/>
+          </a:bodyPr>
           <a:lstStyle>
             <a:lvl1pPr algn="l" defTabSz="457200" rtl="0" eaLnBrk="1" latinLnBrk="0" hangingPunct="1">
               <a:spcBef>
@@ -14876,13 +13953,180 @@
                   </a:outerShdw>
                 </a:effectLst>
               </a:rPr>
-              <a:t>1. SINGLE INHERITANCE</a:t>
+              <a:t>Lets Recall..</a:t>
             </a:r>
-            <a:endParaRPr lang="en-US" sz="5400" dirty="0">
+          </a:p>
+        </p:txBody>
+      </p:sp>
+      <p:sp>
+        <p:nvSpPr>
+          <p:cNvPr id="5" name="Rectangle 4">
+            <a:extLst>
+              <a:ext uri="{FF2B5EF4-FFF2-40B4-BE49-F238E27FC236}">
+                <a16:creationId xmlns:a16="http://schemas.microsoft.com/office/drawing/2014/main" id="{CA807AE0-6F8E-4FFB-AA98-5EE27DA06CBC}"/>
+              </a:ext>
+            </a:extLst>
+          </p:cNvPr>
+          <p:cNvSpPr/>
+          <p:nvPr/>
+        </p:nvSpPr>
+        <p:spPr>
+          <a:xfrm>
+            <a:off x="732521" y="1793871"/>
+            <a:ext cx="8229600" cy="3970318"/>
+          </a:xfrm>
+          <a:prstGeom prst="rect">
+            <a:avLst/>
+          </a:prstGeom>
+        </p:spPr>
+        <p:txBody>
+          <a:bodyPr wrap="square">
+            <a:spAutoFit/>
+          </a:bodyPr>
+          <a:lstStyle/>
+          <a:p>
+            <a:pPr marL="457200" indent="-457200">
+              <a:buFont typeface="Wingdings" panose="05000000000000000000" pitchFamily="2" charset="2"/>
+              <a:buChar char="q"/>
+            </a:pPr>
+            <a:r>
+              <a:rPr lang="en-US" sz="2800" dirty="0">
+                <a:ln w="0"/>
+                <a:effectLst>
+                  <a:outerShdw blurRad="38100" dist="19050" dir="2700000" algn="tl" rotWithShape="0">
+                    <a:schemeClr val="dk1">
+                      <a:alpha val="40000"/>
+                    </a:schemeClr>
+                  </a:outerShdw>
+                </a:effectLst>
+                <a:latin typeface="Roboto"/>
+              </a:rPr>
+              <a:t>Inheritance is the capability of one class to inherit properties from another class.</a:t>
+            </a:r>
+          </a:p>
+          <a:p>
+            <a:pPr marL="457200" indent="-457200">
+              <a:buFont typeface="Wingdings" panose="05000000000000000000" pitchFamily="2" charset="2"/>
+              <a:buChar char="q"/>
+            </a:pPr>
+            <a:r>
+              <a:rPr lang="en-US" sz="2800" dirty="0">
+                <a:ln w="0"/>
+                <a:effectLst>
+                  <a:outerShdw blurRad="38100" dist="19050" dir="2700000" algn="tl" rotWithShape="0">
+                    <a:schemeClr val="dk1">
+                      <a:alpha val="40000"/>
+                    </a:schemeClr>
+                  </a:outerShdw>
+                </a:effectLst>
+                <a:latin typeface="Roboto"/>
+              </a:rPr>
+              <a:t>Types of Inheritance</a:t>
+            </a:r>
+          </a:p>
+          <a:p>
+            <a:pPr marL="2286000" lvl="4" indent="-457200">
+              <a:buFont typeface="Courier New" panose="02070309020205020404" pitchFamily="49" charset="0"/>
+              <a:buChar char="o"/>
+            </a:pPr>
+            <a:r>
+              <a:rPr lang="en-US" sz="2800" dirty="0">
+                <a:ln w="0"/>
+                <a:effectLst>
+                  <a:outerShdw blurRad="38100" dist="19050" dir="2700000" algn="tl" rotWithShape="0">
+                    <a:schemeClr val="dk1">
+                      <a:alpha val="40000"/>
+                    </a:schemeClr>
+                  </a:outerShdw>
+                </a:effectLst>
+                <a:latin typeface="Roboto"/>
+              </a:rPr>
+              <a:t>Single Inheritance</a:t>
+            </a:r>
+          </a:p>
+          <a:p>
+            <a:pPr marL="2286000" lvl="4" indent="-457200">
+              <a:buFont typeface="Courier New" panose="02070309020205020404" pitchFamily="49" charset="0"/>
+              <a:buChar char="o"/>
+            </a:pPr>
+            <a:r>
+              <a:rPr lang="en-US" sz="2800" dirty="0">
+                <a:ln w="0"/>
+                <a:effectLst>
+                  <a:outerShdw blurRad="38100" dist="19050" dir="2700000" algn="tl" rotWithShape="0">
+                    <a:schemeClr val="dk1">
+                      <a:alpha val="40000"/>
+                    </a:schemeClr>
+                  </a:outerShdw>
+                </a:effectLst>
+                <a:latin typeface="Roboto"/>
+              </a:rPr>
+              <a:t>Multiple Inheritance</a:t>
+            </a:r>
+          </a:p>
+          <a:p>
+            <a:pPr marL="2286000" lvl="4" indent="-457200">
+              <a:buFont typeface="Courier New" panose="02070309020205020404" pitchFamily="49" charset="0"/>
+              <a:buChar char="o"/>
+            </a:pPr>
+            <a:r>
+              <a:rPr lang="en-US" sz="2800" dirty="0">
+                <a:ln w="0"/>
+                <a:effectLst>
+                  <a:outerShdw blurRad="38100" dist="19050" dir="2700000" algn="tl" rotWithShape="0">
+                    <a:schemeClr val="dk1">
+                      <a:alpha val="40000"/>
+                    </a:schemeClr>
+                  </a:outerShdw>
+                </a:effectLst>
+                <a:latin typeface="Roboto"/>
+              </a:rPr>
+              <a:t>Multilevel Inheritance</a:t>
+            </a:r>
+          </a:p>
+          <a:p>
+            <a:pPr marL="2286000" lvl="4" indent="-457200">
+              <a:buFont typeface="Courier New" panose="02070309020205020404" pitchFamily="49" charset="0"/>
+              <a:buChar char="o"/>
+            </a:pPr>
+            <a:r>
+              <a:rPr lang="en-US" sz="2800" dirty="0">
+                <a:ln w="0"/>
+                <a:effectLst>
+                  <a:outerShdw blurRad="38100" dist="19050" dir="2700000" algn="tl" rotWithShape="0">
+                    <a:schemeClr val="dk1">
+                      <a:alpha val="40000"/>
+                    </a:schemeClr>
+                  </a:outerShdw>
+                </a:effectLst>
+                <a:latin typeface="Roboto"/>
+              </a:rPr>
+              <a:t>Hierarchal Inheritance</a:t>
+            </a:r>
+          </a:p>
+          <a:p>
+            <a:pPr marL="2286000" lvl="4" indent="-457200">
+              <a:buFont typeface="Courier New" panose="02070309020205020404" pitchFamily="49" charset="0"/>
+              <a:buChar char="o"/>
+            </a:pPr>
+            <a:r>
+              <a:rPr lang="en-US" sz="2800" dirty="0">
+                <a:ln w="0"/>
+                <a:effectLst>
+                  <a:outerShdw blurRad="38100" dist="19050" dir="2700000" algn="tl" rotWithShape="0">
+                    <a:schemeClr val="dk1">
+                      <a:alpha val="40000"/>
+                    </a:schemeClr>
+                  </a:outerShdw>
+                </a:effectLst>
+                <a:latin typeface="Roboto"/>
+              </a:rPr>
+              <a:t>Hybrid Inheritance</a:t>
+            </a:r>
+          </a:p>
+          <a:p>
+            <a:endParaRPr lang="en-US" sz="2800" dirty="0">
               <a:ln w="0"/>
-              <a:solidFill>
-                <a:schemeClr val="tx1"/>
-              </a:solidFill>
               <a:effectLst>
                 <a:outerShdw blurRad="38100" dist="19050" dir="2700000" algn="tl" rotWithShape="0">
                   <a:schemeClr val="dk1">
@@ -14890,31 +14134,66 @@
                   </a:schemeClr>
                 </a:outerShdw>
               </a:effectLst>
+              <a:latin typeface="Roboto"/>
             </a:endParaRPr>
           </a:p>
         </p:txBody>
       </p:sp>
+      <p:pic>
+        <p:nvPicPr>
+          <p:cNvPr id="7" name="Picture 6">
+            <a:extLst>
+              <a:ext uri="{FF2B5EF4-FFF2-40B4-BE49-F238E27FC236}">
+                <a16:creationId xmlns:a16="http://schemas.microsoft.com/office/drawing/2014/main" id="{B503F32D-5D15-4E4C-9923-D9545DC1D1EA}"/>
+              </a:ext>
+            </a:extLst>
+          </p:cNvPr>
+          <p:cNvPicPr>
+            <a:picLocks noChangeAspect="1"/>
+          </p:cNvPicPr>
+          <p:nvPr/>
+        </p:nvPicPr>
+        <p:blipFill rotWithShape="1">
+          <a:blip r:embed="rId2"/>
+          <a:srcRect b="11731"/>
+          <a:stretch/>
+        </p:blipFill>
+        <p:spPr>
+          <a:xfrm>
+            <a:off x="7680895" y="2485444"/>
+            <a:ext cx="3676219" cy="3504539"/>
+          </a:xfrm>
+          <a:prstGeom prst="rect">
+            <a:avLst/>
+          </a:prstGeom>
+        </p:spPr>
+      </p:pic>
     </p:spTree>
     <p:extLst>
       <p:ext uri="{BB962C8B-B14F-4D97-AF65-F5344CB8AC3E}">
-        <p14:creationId xmlns:p14="http://schemas.microsoft.com/office/powerpoint/2010/main" val="1837765177"/>
+        <p14:creationId xmlns:p14="http://schemas.microsoft.com/office/powerpoint/2010/main" val="3560609159"/>
       </p:ext>
     </p:extLst>
   </p:cSld>
   <p:clrMapOvr>
     <a:masterClrMapping/>
   </p:clrMapOvr>
-  <p:timing>
-    <p:tnLst>
-      <p:par>
-        <p:cTn id="1" dur="indefinite" restart="never" nodeType="tmRoot"/>
-      </p:par>
-    </p:tnLst>
-  </p:timing>
+  <mc:AlternateContent xmlns:mc="http://schemas.openxmlformats.org/markup-compatibility/2006">
+    <mc:Choice xmlns:p15="http://schemas.microsoft.com/office/powerpoint/2012/main" Requires="p15">
+      <p:transition xmlns:p14="http://schemas.microsoft.com/office/powerpoint/2010/main" spd="slow" p14:dur="1250">
+        <p15:prstTrans prst="pageCurlDouble"/>
+      </p:transition>
+    </mc:Choice>
+    <mc:Fallback>
+      <p:transition spd="slow">
+        <p:fade/>
+      </p:transition>
+    </mc:Fallback>
+  </mc:AlternateContent>
 </p:sld>
 </file>
 
-<file path=ppt/slides/slide6.xml><?xml version="1.0" encoding="utf-8"?>
+<file path=ppt/slides/slide2.xml><?xml version="1.0" encoding="utf-8"?>
 <p:sld xmlns:a="http://schemas.openxmlformats.org/drawingml/2006/main" xmlns:r="http://schemas.openxmlformats.org/officeDocument/2006/relationships" xmlns:p="http://schemas.openxmlformats.org/presentationml/2006/main">
   <p:cSld>
     <p:spTree>
@@ -14933,14 +14212,244 @@
       </p:grpSpPr>
       <p:sp>
         <p:nvSpPr>
-          <p:cNvPr id="2" name="Rectangle 1"/>
+          <p:cNvPr id="3" name="Rectangle 2">
+            <a:extLst>
+              <a:ext uri="{FF2B5EF4-FFF2-40B4-BE49-F238E27FC236}">
+                <a16:creationId xmlns:a16="http://schemas.microsoft.com/office/drawing/2014/main" id="{D409F4F7-0F44-46F1-AEED-12E567D669DD}"/>
+              </a:ext>
+            </a:extLst>
+          </p:cNvPr>
           <p:cNvSpPr/>
           <p:nvPr/>
         </p:nvSpPr>
         <p:spPr>
           <a:xfrm>
-            <a:off x="466165" y="1808066"/>
-            <a:ext cx="6870550" cy="4401205"/>
+            <a:off x="4105694" y="303648"/>
+            <a:ext cx="3185488" cy="923330"/>
+          </a:xfrm>
+          <a:prstGeom prst="rect">
+            <a:avLst/>
+          </a:prstGeom>
+          <a:noFill/>
+        </p:spPr>
+        <p:txBody>
+          <a:bodyPr wrap="none" lIns="91440" tIns="45720" rIns="91440" bIns="45720">
+            <a:spAutoFit/>
+          </a:bodyPr>
+          <a:lstStyle/>
+          <a:p>
+            <a:pPr algn="ctr"/>
+            <a:r>
+              <a:rPr lang="en-US" sz="5400" b="1" dirty="0">
+                <a:ln w="12700">
+                  <a:solidFill>
+                    <a:schemeClr val="accent1"/>
+                  </a:solidFill>
+                  <a:prstDash val="solid"/>
+                </a:ln>
+                <a:pattFill prst="pct50">
+                  <a:fgClr>
+                    <a:schemeClr val="accent1"/>
+                  </a:fgClr>
+                  <a:bgClr>
+                    <a:schemeClr val="accent1">
+                      <a:lumMod val="20000"/>
+                      <a:lumOff val="80000"/>
+                    </a:schemeClr>
+                  </a:bgClr>
+                </a:pattFill>
+                <a:effectLst>
+                  <a:outerShdw dist="38100" dir="2640000" algn="bl" rotWithShape="0">
+                    <a:schemeClr val="accent1"/>
+                  </a:outerShdw>
+                </a:effectLst>
+                <a:latin typeface="Roboto"/>
+              </a:rPr>
+              <a:t>Contents</a:t>
+            </a:r>
+            <a:endParaRPr lang="en-IN" sz="5400" b="1" dirty="0">
+              <a:ln w="12700">
+                <a:solidFill>
+                  <a:schemeClr val="accent1"/>
+                </a:solidFill>
+                <a:prstDash val="solid"/>
+              </a:ln>
+              <a:pattFill prst="pct50">
+                <a:fgClr>
+                  <a:schemeClr val="accent1"/>
+                </a:fgClr>
+                <a:bgClr>
+                  <a:schemeClr val="accent1">
+                    <a:lumMod val="20000"/>
+                    <a:lumOff val="80000"/>
+                  </a:schemeClr>
+                </a:bgClr>
+              </a:pattFill>
+              <a:effectLst>
+                <a:outerShdw dist="38100" dir="2640000" algn="bl" rotWithShape="0">
+                  <a:schemeClr val="accent1"/>
+                </a:outerShdw>
+              </a:effectLst>
+              <a:latin typeface="Roboto"/>
+            </a:endParaRPr>
+          </a:p>
+        </p:txBody>
+      </p:sp>
+      <p:sp>
+        <p:nvSpPr>
+          <p:cNvPr id="4" name="TextBox 3">
+            <a:extLst>
+              <a:ext uri="{FF2B5EF4-FFF2-40B4-BE49-F238E27FC236}">
+                <a16:creationId xmlns:a16="http://schemas.microsoft.com/office/drawing/2014/main" id="{8155FF83-7614-46BD-AB14-F33F854818E4}"/>
+              </a:ext>
+            </a:extLst>
+          </p:cNvPr>
+          <p:cNvSpPr txBox="1"/>
+          <p:nvPr/>
+        </p:nvSpPr>
+        <p:spPr>
+          <a:xfrm>
+            <a:off x="1444487" y="1905506"/>
+            <a:ext cx="7169427" cy="3046988"/>
+          </a:xfrm>
+          <a:prstGeom prst="rect">
+            <a:avLst/>
+          </a:prstGeom>
+          <a:noFill/>
+        </p:spPr>
+        <p:txBody>
+          <a:bodyPr wrap="square" rtlCol="0">
+            <a:spAutoFit/>
+          </a:bodyPr>
+          <a:lstStyle/>
+          <a:p>
+            <a:pPr marL="285750" indent="-285750">
+              <a:buFont typeface="Wingdings" panose="05000000000000000000" pitchFamily="2" charset="2"/>
+              <a:buChar char="Ø"/>
+            </a:pPr>
+            <a:r>
+              <a:rPr lang="en-IN" sz="3200" dirty="0"/>
+              <a:t>What is Inheritance?</a:t>
+            </a:r>
+          </a:p>
+          <a:p>
+            <a:pPr marL="285750" indent="-285750">
+              <a:buFont typeface="Wingdings" panose="05000000000000000000" pitchFamily="2" charset="2"/>
+              <a:buChar char="Ø"/>
+            </a:pPr>
+            <a:endParaRPr lang="en-IN" sz="3200" dirty="0"/>
+          </a:p>
+          <a:p>
+            <a:pPr marL="285750" indent="-285750">
+              <a:buFont typeface="Wingdings" panose="05000000000000000000" pitchFamily="2" charset="2"/>
+              <a:buChar char="Ø"/>
+            </a:pPr>
+            <a:r>
+              <a:rPr lang="en-IN" sz="3200" dirty="0"/>
+              <a:t>Concept of Derived and Base class</a:t>
+            </a:r>
+          </a:p>
+          <a:p>
+            <a:pPr marL="285750" indent="-285750">
+              <a:buFont typeface="Wingdings" panose="05000000000000000000" pitchFamily="2" charset="2"/>
+              <a:buChar char="Ø"/>
+            </a:pPr>
+            <a:endParaRPr lang="en-IN" sz="3200" dirty="0"/>
+          </a:p>
+          <a:p>
+            <a:pPr marL="285750" indent="-285750">
+              <a:buFont typeface="Wingdings" panose="05000000000000000000" pitchFamily="2" charset="2"/>
+              <a:buChar char="Ø"/>
+            </a:pPr>
+            <a:r>
+              <a:rPr lang="en-IN" sz="3200" dirty="0"/>
+              <a:t>Types of Inheritance</a:t>
+            </a:r>
+          </a:p>
+        </p:txBody>
+      </p:sp>
+      <p:pic>
+        <p:nvPicPr>
+          <p:cNvPr id="6" name="Picture 5">
+            <a:extLst>
+              <a:ext uri="{FF2B5EF4-FFF2-40B4-BE49-F238E27FC236}">
+                <a16:creationId xmlns:a16="http://schemas.microsoft.com/office/drawing/2014/main" id="{8125D483-D23D-4327-8D1E-18CF8B27F92E}"/>
+              </a:ext>
+            </a:extLst>
+          </p:cNvPr>
+          <p:cNvPicPr>
+            <a:picLocks noChangeAspect="1"/>
+          </p:cNvPicPr>
+          <p:nvPr/>
+        </p:nvPicPr>
+        <p:blipFill>
+          <a:blip r:embed="rId2"/>
+          <a:stretch>
+            <a:fillRect/>
+          </a:stretch>
+        </p:blipFill>
+        <p:spPr>
+          <a:xfrm>
+            <a:off x="8454886" y="2077278"/>
+            <a:ext cx="3021496" cy="3021496"/>
+          </a:xfrm>
+          <a:prstGeom prst="rect">
+            <a:avLst/>
+          </a:prstGeom>
+        </p:spPr>
+      </p:pic>
+    </p:spTree>
+    <p:extLst>
+      <p:ext uri="{BB962C8B-B14F-4D97-AF65-F5344CB8AC3E}">
+        <p14:creationId xmlns:p14="http://schemas.microsoft.com/office/powerpoint/2010/main" val="1165751705"/>
+      </p:ext>
+    </p:extLst>
+  </p:cSld>
+  <p:clrMapOvr>
+    <a:masterClrMapping/>
+  </p:clrMapOvr>
+  <mc:AlternateContent xmlns:mc="http://schemas.openxmlformats.org/markup-compatibility/2006">
+    <mc:Choice xmlns:p15="http://schemas.microsoft.com/office/powerpoint/2012/main" Requires="p15">
+      <p:transition xmlns:p14="http://schemas.microsoft.com/office/powerpoint/2010/main" spd="slow" p14:dur="1250">
+        <p15:prstTrans prst="pageCurlDouble"/>
+      </p:transition>
+    </mc:Choice>
+    <mc:Fallback>
+      <p:transition spd="slow">
+        <p:fade/>
+      </p:transition>
+    </mc:Fallback>
+  </mc:AlternateContent>
+</p:sld>
+</file>
+
+<file path=ppt/slides/slide3.xml><?xml version="1.0" encoding="utf-8"?>
+<p:sld xmlns:a="http://schemas.openxmlformats.org/drawingml/2006/main" xmlns:r="http://schemas.openxmlformats.org/officeDocument/2006/relationships" xmlns:p="http://schemas.openxmlformats.org/presentationml/2006/main">
+  <p:cSld>
+    <p:spTree>
+      <p:nvGrpSpPr>
+        <p:cNvPr id="1" name=""/>
+        <p:cNvGrpSpPr/>
+        <p:nvPr/>
+      </p:nvGrpSpPr>
+      <p:grpSpPr>
+        <a:xfrm>
+          <a:off x="0" y="0"/>
+          <a:ext cx="0" cy="0"/>
+          <a:chOff x="0" y="0"/>
+          <a:chExt cx="0" cy="0"/>
+        </a:xfrm>
+      </p:grpSpPr>
+      <p:sp>
+        <p:nvSpPr>
+          <p:cNvPr id="5" name="Rectangle 4"/>
+          <p:cNvSpPr/>
+          <p:nvPr/>
+        </p:nvSpPr>
+        <p:spPr>
+          <a:xfrm>
+            <a:off x="860612" y="2499244"/>
+            <a:ext cx="10854466" cy="3785652"/>
           </a:xfrm>
           <a:prstGeom prst="rect">
             <a:avLst/>
@@ -14952,88 +14461,198 @@
           </a:bodyPr>
           <a:lstStyle/>
           <a:p>
-            <a:pPr marL="457200" indent="-457200">
-              <a:buFont typeface="Wingdings" panose="05000000000000000000" pitchFamily="2" charset="2"/>
-              <a:buChar char="Ø"/>
-            </a:pPr>
             <a:r>
-              <a:rPr lang="en-US" sz="2800" dirty="0">
+              <a:rPr lang="en-US" sz="4000" dirty="0">
                 <a:ln w="0"/>
-                <a:latin typeface="Roboto"/>
+                <a:effectLst>
+                  <a:outerShdw blurRad="38100" dist="19050" dir="2700000" algn="tl" rotWithShape="0">
+                    <a:schemeClr val="dk1">
+                      <a:alpha val="40000"/>
+                    </a:schemeClr>
+                  </a:outerShdw>
+                </a:effectLst>
+                <a:latin typeface="Arial Black" panose="020B0A04020102020204" pitchFamily="34" charset="0"/>
               </a:rPr>
-              <a:t>In Multilevel Inheritance, a derived class will be inheriting a base class and as well as the derived class also act as the base class to other class</a:t>
+              <a:t>It is the capability of one class to inherit properties from another class.</a:t>
             </a:r>
+          </a:p>
+          <a:p>
+            <a:endParaRPr lang="en-US" sz="4000" dirty="0">
+              <a:ln w="0"/>
+              <a:effectLst>
+                <a:outerShdw blurRad="38100" dist="19050" dir="2700000" algn="tl" rotWithShape="0">
+                  <a:schemeClr val="dk1">
+                    <a:alpha val="40000"/>
+                  </a:schemeClr>
+                </a:outerShdw>
+              </a:effectLst>
+              <a:latin typeface="Arial Black" panose="020B0A04020102020204" pitchFamily="34" charset="0"/>
+            </a:endParaRPr>
+          </a:p>
+          <a:p>
             <a:r>
-              <a:rPr lang="en-US" sz="2800" dirty="0" smtClean="0">
+              <a:rPr lang="en-US" sz="4000" dirty="0">
                 <a:ln w="0"/>
-                <a:latin typeface="Roboto"/>
+                <a:effectLst>
+                  <a:outerShdw blurRad="38100" dist="19050" dir="2700000" algn="tl" rotWithShape="0">
+                    <a:schemeClr val="dk1">
+                      <a:alpha val="40000"/>
+                    </a:schemeClr>
+                  </a:outerShdw>
+                </a:effectLst>
+                <a:latin typeface="Arial Black" panose="020B0A04020102020204" pitchFamily="34" charset="0"/>
               </a:rPr>
-              <a:t>.</a:t>
+              <a:t>The technique of building new classes from the existing classes is called inheritance.</a:t>
             </a:r>
-          </a:p>
-          <a:p>
-            <a:pPr marL="457200" indent="-457200">
-              <a:buFont typeface="Wingdings" panose="05000000000000000000" pitchFamily="2" charset="2"/>
-              <a:buChar char="Ø"/>
-            </a:pPr>
+            <a:endParaRPr lang="en-US" sz="4000" dirty="0">
+              <a:ln w="0"/>
+              <a:effectLst>
+                <a:outerShdw blurRad="38100" dist="19050" dir="2700000" algn="tl" rotWithShape="0">
+                  <a:schemeClr val="dk1">
+                    <a:alpha val="40000"/>
+                  </a:schemeClr>
+                </a:outerShdw>
+              </a:effectLst>
+            </a:endParaRPr>
+          </a:p>
+        </p:txBody>
+      </p:sp>
+      <p:sp>
+        <p:nvSpPr>
+          <p:cNvPr id="7" name="Rectangle 6"/>
+          <p:cNvSpPr/>
+          <p:nvPr/>
+        </p:nvSpPr>
+        <p:spPr>
+          <a:xfrm>
+            <a:off x="1387736" y="803698"/>
+            <a:ext cx="8885816" cy="1107996"/>
+          </a:xfrm>
+          <a:prstGeom prst="rect">
+            <a:avLst/>
+          </a:prstGeom>
+        </p:spPr>
+        <p:txBody>
+          <a:bodyPr wrap="square">
+            <a:spAutoFit/>
+          </a:bodyPr>
+          <a:lstStyle/>
+          <a:p>
             <a:r>
-              <a:rPr lang="en-US" sz="2800" dirty="0" smtClean="0">
-                <a:ln w="0"/>
-                <a:latin typeface="Roboto"/>
+              <a:rPr lang="en-US" sz="6600" b="1" dirty="0">
+                <a:ln w="10160">
+                  <a:solidFill>
+                    <a:schemeClr val="accent5"/>
+                  </a:solidFill>
+                  <a:prstDash val="solid"/>
+                </a:ln>
+                <a:solidFill>
+                  <a:srgbClr val="FFFFFF"/>
+                </a:solidFill>
+                <a:effectLst>
+                  <a:outerShdw blurRad="38100" dist="22860" dir="5400000" algn="tl" rotWithShape="0">
+                    <a:srgbClr val="000000">
+                      <a:alpha val="30000"/>
+                    </a:srgbClr>
+                  </a:outerShdw>
+                </a:effectLst>
               </a:rPr>
-              <a:t> </a:t>
+              <a:t>What is Inheritance?</a:t>
             </a:r>
+          </a:p>
+        </p:txBody>
+      </p:sp>
+    </p:spTree>
+    <p:extLst>
+      <p:ext uri="{BB962C8B-B14F-4D97-AF65-F5344CB8AC3E}">
+        <p14:creationId xmlns:p14="http://schemas.microsoft.com/office/powerpoint/2010/main" val="1827713235"/>
+      </p:ext>
+    </p:extLst>
+  </p:cSld>
+  <p:clrMapOvr>
+    <a:masterClrMapping/>
+  </p:clrMapOvr>
+  <mc:AlternateContent xmlns:mc="http://schemas.openxmlformats.org/markup-compatibility/2006">
+    <mc:Choice xmlns:p15="http://schemas.microsoft.com/office/powerpoint/2012/main" Requires="p15">
+      <p:transition xmlns:p14="http://schemas.microsoft.com/office/powerpoint/2010/main" spd="slow" p14:dur="1250">
+        <p15:prstTrans prst="pageCurlDouble"/>
+      </p:transition>
+    </mc:Choice>
+    <mc:Fallback>
+      <p:transition spd="slow">
+        <p:fade/>
+      </p:transition>
+    </mc:Fallback>
+  </mc:AlternateContent>
+</p:sld>
+</file>
+
+<file path=ppt/slides/slide4.xml><?xml version="1.0" encoding="utf-8"?>
+<p:sld xmlns:a="http://schemas.openxmlformats.org/drawingml/2006/main" xmlns:r="http://schemas.openxmlformats.org/officeDocument/2006/relationships" xmlns:p="http://schemas.openxmlformats.org/presentationml/2006/main">
+  <p:cSld>
+    <p:spTree>
+      <p:nvGrpSpPr>
+        <p:cNvPr id="1" name=""/>
+        <p:cNvGrpSpPr/>
+        <p:nvPr/>
+      </p:nvGrpSpPr>
+      <p:grpSpPr>
+        <a:xfrm>
+          <a:off x="0" y="0"/>
+          <a:ext cx="0" cy="0"/>
+          <a:chOff x="0" y="0"/>
+          <a:chExt cx="0" cy="0"/>
+        </a:xfrm>
+      </p:grpSpPr>
+      <p:sp>
+        <p:nvSpPr>
+          <p:cNvPr id="2" name="Title 1"/>
+          <p:cNvSpPr>
+            <a:spLocks noGrp="1"/>
+          </p:cNvSpPr>
+          <p:nvPr>
+            <p:ph type="title"/>
+          </p:nvPr>
+        </p:nvSpPr>
+        <p:spPr>
+          <a:xfrm>
+            <a:off x="1290361" y="854399"/>
+            <a:ext cx="8761413" cy="706964"/>
+          </a:xfrm>
+        </p:spPr>
+        <p:txBody>
+          <a:bodyPr/>
+          <a:lstStyle/>
+          <a:p>
+            <a:pPr algn="ctr"/>
             <a:r>
-              <a:rPr lang="en-US" sz="2800" dirty="0">
-                <a:ln w="0"/>
-                <a:latin typeface="Roboto"/>
+              <a:rPr lang="en-US" sz="5400" dirty="0">
+                <a:ln>
+                  <a:solidFill>
+                    <a:schemeClr val="accent2">
+                      <a:lumMod val="20000"/>
+                      <a:lumOff val="80000"/>
+                    </a:schemeClr>
+                  </a:solidFill>
+                </a:ln>
+                <a:solidFill>
+                  <a:schemeClr val="bg1"/>
+                </a:solidFill>
               </a:rPr>
-              <a:t>In below image, the class A serves as a base class for the derived class B, which in turn serves as a base class for the derived class C. </a:t>
+              <a:t>Base and Derived Class</a:t>
             </a:r>
-            <a:endParaRPr lang="en-US" sz="2800" dirty="0" smtClean="0">
-              <a:ln w="0"/>
-              <a:latin typeface="Roboto"/>
-            </a:endParaRPr>
-          </a:p>
-          <a:p>
-            <a:pPr marL="457200" indent="-457200">
-              <a:buFont typeface="Wingdings" panose="05000000000000000000" pitchFamily="2" charset="2"/>
-              <a:buChar char="Ø"/>
-            </a:pPr>
-            <a:r>
-              <a:rPr lang="en-US" sz="2800" dirty="0" smtClean="0">
-                <a:ln w="0"/>
-                <a:latin typeface="Roboto"/>
-              </a:rPr>
-              <a:t>In </a:t>
-            </a:r>
-            <a:r>
-              <a:rPr lang="en-US" sz="2800" dirty="0">
-                <a:ln w="0"/>
-                <a:latin typeface="Roboto"/>
-              </a:rPr>
-              <a:t>Java, a class cannot directly access the grandparent’s members</a:t>
-            </a:r>
-            <a:r>
-              <a:rPr lang="en-US" sz="2800" u="sng" dirty="0">
-                <a:ln w="0"/>
-                <a:latin typeface="Roboto"/>
-              </a:rPr>
-              <a:t>.</a:t>
-            </a:r>
-            <a:endParaRPr lang="en-US" sz="2800" u="sng" dirty="0">
-              <a:ln w="0"/>
-            </a:endParaRPr>
           </a:p>
         </p:txBody>
       </p:sp>
       <p:pic>
         <p:nvPicPr>
-          <p:cNvPr id="3" name="Picture 2" descr="Multilevel_Inheritance"/>
+          <p:cNvPr id="4" name="Content Placeholder 3"/>
           <p:cNvPicPr>
-            <a:picLocks noChangeAspect="1" noChangeArrowheads="1"/>
+            <a:picLocks noGrp="1" noChangeAspect="1"/>
           </p:cNvPicPr>
-          <p:nvPr/>
+          <p:nvPr>
+            <p:ph idx="1"/>
+          </p:nvPr>
         </p:nvPicPr>
         <p:blipFill>
           <a:blip r:embed="rId2">
@@ -15043,42 +14662,362 @@
               </a:ext>
             </a:extLst>
           </a:blip>
-          <a:srcRect/>
           <a:stretch>
             <a:fillRect/>
           </a:stretch>
         </p:blipFill>
-        <p:spPr bwMode="auto">
+        <p:spPr>
           <a:xfrm>
-            <a:off x="7815159" y="1961149"/>
-            <a:ext cx="3641737" cy="4095037"/>
+            <a:off x="3055172" y="3393008"/>
+            <a:ext cx="4856376" cy="2889458"/>
+          </a:xfrm>
+        </p:spPr>
+      </p:pic>
+      <p:sp>
+        <p:nvSpPr>
+          <p:cNvPr id="5" name="Rectangle 4"/>
+          <p:cNvSpPr/>
+          <p:nvPr/>
+        </p:nvSpPr>
+        <p:spPr>
+          <a:xfrm>
+            <a:off x="7911548" y="2243588"/>
+            <a:ext cx="4280452" cy="4401205"/>
           </a:xfrm>
           <a:prstGeom prst="rect">
             <a:avLst/>
           </a:prstGeom>
-          <a:noFill/>
-          <a:extLst>
-            <a:ext uri="{909E8E84-426E-40DD-AFC4-6F175D3DCCD1}">
-              <a14:hiddenFill xmlns:a14="http://schemas.microsoft.com/office/drawing/2010/main">
-                <a:solidFill>
-                  <a:srgbClr val="FFFFFF"/>
-                </a:solidFill>
-              </a14:hiddenFill>
-            </a:ext>
-          </a:extLst>
         </p:spPr>
-      </p:pic>
+        <p:txBody>
+          <a:bodyPr wrap="square">
+            <a:spAutoFit/>
+          </a:bodyPr>
+          <a:lstStyle/>
+          <a:p>
+            <a:r>
+              <a:rPr lang="en-US" sz="2800" dirty="0">
+                <a:ln w="0">
+                  <a:noFill/>
+                </a:ln>
+                <a:effectLst>
+                  <a:outerShdw blurRad="38100" dist="19050" dir="2700000" algn="tl" rotWithShape="0">
+                    <a:schemeClr val="dk1">
+                      <a:alpha val="40000"/>
+                    </a:schemeClr>
+                  </a:outerShdw>
+                </a:effectLst>
+                <a:latin typeface="Roboto"/>
+              </a:rPr>
+              <a:t>Derived class is the class that inherit properties</a:t>
+            </a:r>
+          </a:p>
+          <a:p>
+            <a:r>
+              <a:rPr lang="en-US" sz="2800" dirty="0">
+                <a:ln w="0">
+                  <a:noFill/>
+                </a:ln>
+                <a:effectLst>
+                  <a:outerShdw blurRad="38100" dist="19050" dir="2700000" algn="tl" rotWithShape="0">
+                    <a:schemeClr val="dk1">
+                      <a:alpha val="40000"/>
+                    </a:schemeClr>
+                  </a:outerShdw>
+                </a:effectLst>
+                <a:latin typeface="Roboto"/>
+              </a:rPr>
+              <a:t>from base class(</a:t>
+            </a:r>
+            <a:r>
+              <a:rPr lang="en-US" sz="2800" dirty="0" err="1">
+                <a:ln w="0">
+                  <a:noFill/>
+                </a:ln>
+                <a:effectLst>
+                  <a:outerShdw blurRad="38100" dist="19050" dir="2700000" algn="tl" rotWithShape="0">
+                    <a:schemeClr val="dk1">
+                      <a:alpha val="40000"/>
+                    </a:schemeClr>
+                  </a:outerShdw>
+                </a:effectLst>
+                <a:latin typeface="Roboto"/>
+              </a:rPr>
+              <a:t>es</a:t>
+            </a:r>
+            <a:r>
+              <a:rPr lang="en-US" sz="2800" dirty="0">
+                <a:ln w="0">
+                  <a:noFill/>
+                </a:ln>
+                <a:effectLst>
+                  <a:outerShdw blurRad="38100" dist="19050" dir="2700000" algn="tl" rotWithShape="0">
+                    <a:schemeClr val="dk1">
+                      <a:alpha val="40000"/>
+                    </a:schemeClr>
+                  </a:outerShdw>
+                </a:effectLst>
+                <a:latin typeface="Roboto"/>
+              </a:rPr>
+              <a:t>).</a:t>
+            </a:r>
+          </a:p>
+          <a:p>
+            <a:r>
+              <a:rPr lang="en-US" sz="2800" dirty="0">
+                <a:ln w="0">
+                  <a:noFill/>
+                </a:ln>
+                <a:effectLst>
+                  <a:outerShdw blurRad="38100" dist="19050" dir="2700000" algn="tl" rotWithShape="0">
+                    <a:schemeClr val="dk1">
+                      <a:alpha val="40000"/>
+                    </a:schemeClr>
+                  </a:outerShdw>
+                </a:effectLst>
+                <a:latin typeface="Roboto"/>
+              </a:rPr>
+              <a:t>It is also called Sub Class.</a:t>
+            </a:r>
+          </a:p>
+          <a:p>
+            <a:r>
+              <a:rPr lang="en-US" sz="2800" dirty="0">
+                <a:ln w="0">
+                  <a:noFill/>
+                </a:ln>
+                <a:effectLst>
+                  <a:outerShdw blurRad="38100" dist="19050" dir="2700000" algn="tl" rotWithShape="0">
+                    <a:schemeClr val="dk1">
+                      <a:alpha val="40000"/>
+                    </a:schemeClr>
+                  </a:outerShdw>
+                </a:effectLst>
+                <a:latin typeface="Roboto"/>
+              </a:rPr>
+              <a:t>It inherits all the properties of the base class and can add additional features to the derived class.</a:t>
+            </a:r>
+          </a:p>
+        </p:txBody>
+      </p:sp>
       <p:sp>
         <p:nvSpPr>
-          <p:cNvPr id="4" name="Title 1"/>
+          <p:cNvPr id="6" name="Rectangle 5"/>
+          <p:cNvSpPr/>
+          <p:nvPr/>
+        </p:nvSpPr>
+        <p:spPr>
+          <a:xfrm>
+            <a:off x="315558" y="2743036"/>
+            <a:ext cx="2739614" cy="3539430"/>
+          </a:xfrm>
+          <a:prstGeom prst="rect">
+            <a:avLst/>
+          </a:prstGeom>
+        </p:spPr>
+        <p:txBody>
+          <a:bodyPr wrap="square">
+            <a:spAutoFit/>
+          </a:bodyPr>
+          <a:lstStyle/>
+          <a:p>
+            <a:r>
+              <a:rPr lang="en-US" sz="2800" dirty="0">
+                <a:ln w="0"/>
+                <a:effectLst>
+                  <a:outerShdw blurRad="38100" dist="19050" dir="2700000" algn="tl" rotWithShape="0">
+                    <a:schemeClr val="dk1">
+                      <a:alpha val="40000"/>
+                    </a:schemeClr>
+                  </a:outerShdw>
+                </a:effectLst>
+                <a:latin typeface="Roboto"/>
+              </a:rPr>
+              <a:t>Base class is the class </a:t>
+            </a:r>
+          </a:p>
+          <a:p>
+            <a:r>
+              <a:rPr lang="en-US" sz="2800" dirty="0">
+                <a:ln w="0"/>
+                <a:effectLst>
+                  <a:outerShdw blurRad="38100" dist="19050" dir="2700000" algn="tl" rotWithShape="0">
+                    <a:schemeClr val="dk1">
+                      <a:alpha val="40000"/>
+                    </a:schemeClr>
+                  </a:outerShdw>
+                </a:effectLst>
+                <a:latin typeface="Roboto"/>
+              </a:rPr>
+              <a:t>whose properties are inherited by </a:t>
+            </a:r>
+          </a:p>
+          <a:p>
+            <a:r>
+              <a:rPr lang="en-US" sz="2800" dirty="0">
+                <a:ln w="0"/>
+                <a:effectLst>
+                  <a:outerShdw blurRad="38100" dist="19050" dir="2700000" algn="tl" rotWithShape="0">
+                    <a:schemeClr val="dk1">
+                      <a:alpha val="40000"/>
+                    </a:schemeClr>
+                  </a:outerShdw>
+                </a:effectLst>
+                <a:latin typeface="Roboto"/>
+              </a:rPr>
+              <a:t>another class.</a:t>
+            </a:r>
+          </a:p>
+          <a:p>
+            <a:r>
+              <a:rPr lang="en-US" sz="2800" dirty="0">
+                <a:ln w="0"/>
+                <a:effectLst>
+                  <a:outerShdw blurRad="38100" dist="19050" dir="2700000" algn="tl" rotWithShape="0">
+                    <a:schemeClr val="dk1">
+                      <a:alpha val="40000"/>
+                    </a:schemeClr>
+                  </a:outerShdw>
+                </a:effectLst>
+                <a:latin typeface="Roboto"/>
+              </a:rPr>
+              <a:t>It is also called </a:t>
+            </a:r>
+          </a:p>
+          <a:p>
+            <a:r>
+              <a:rPr lang="en-US" sz="2800" dirty="0">
+                <a:ln w="0"/>
+                <a:effectLst>
+                  <a:outerShdw blurRad="38100" dist="19050" dir="2700000" algn="tl" rotWithShape="0">
+                    <a:schemeClr val="dk1">
+                      <a:alpha val="40000"/>
+                    </a:schemeClr>
+                  </a:outerShdw>
+                </a:effectLst>
+                <a:latin typeface="Roboto"/>
+              </a:rPr>
+              <a:t>Super Class.</a:t>
+            </a:r>
+          </a:p>
+        </p:txBody>
+      </p:sp>
+    </p:spTree>
+    <p:extLst>
+      <p:ext uri="{BB962C8B-B14F-4D97-AF65-F5344CB8AC3E}">
+        <p14:creationId xmlns:p14="http://schemas.microsoft.com/office/powerpoint/2010/main" val="1879720431"/>
+      </p:ext>
+    </p:extLst>
+  </p:cSld>
+  <p:clrMapOvr>
+    <a:masterClrMapping/>
+  </p:clrMapOvr>
+  <mc:AlternateContent xmlns:mc="http://schemas.openxmlformats.org/markup-compatibility/2006">
+    <mc:Choice xmlns:p15="http://schemas.microsoft.com/office/powerpoint/2012/main" Requires="p15">
+      <p:transition xmlns:p14="http://schemas.microsoft.com/office/powerpoint/2010/main" spd="slow" p14:dur="1250">
+        <p15:prstTrans prst="pageCurlDouble"/>
+      </p:transition>
+    </mc:Choice>
+    <mc:Fallback>
+      <p:transition spd="slow">
+        <p:fade/>
+      </p:transition>
+    </mc:Fallback>
+  </mc:AlternateContent>
+</p:sld>
+</file>
+
+<file path=ppt/slides/slide5.xml><?xml version="1.0" encoding="utf-8"?>
+<p:sld xmlns:a="http://schemas.openxmlformats.org/drawingml/2006/main" xmlns:r="http://schemas.openxmlformats.org/officeDocument/2006/relationships" xmlns:p="http://schemas.openxmlformats.org/presentationml/2006/main">
+  <p:cSld>
+    <p:spTree>
+      <p:nvGrpSpPr>
+        <p:cNvPr id="1" name=""/>
+        <p:cNvGrpSpPr/>
+        <p:nvPr/>
+      </p:nvGrpSpPr>
+      <p:grpSpPr>
+        <a:xfrm>
+          <a:off x="0" y="0"/>
+          <a:ext cx="0" cy="0"/>
+          <a:chOff x="0" y="0"/>
+          <a:chExt cx="0" cy="0"/>
+        </a:xfrm>
+      </p:grpSpPr>
+      <p:sp>
+        <p:nvSpPr>
+          <p:cNvPr id="3" name="Content Placeholder 2"/>
+          <p:cNvSpPr>
+            <a:spLocks noGrp="1"/>
+          </p:cNvSpPr>
+          <p:nvPr>
+            <p:ph idx="1"/>
+          </p:nvPr>
+        </p:nvSpPr>
+        <p:spPr/>
+        <p:txBody>
+          <a:bodyPr>
+            <a:normAutofit/>
+          </a:bodyPr>
+          <a:lstStyle/>
+          <a:p>
+            <a:pPr marL="0" indent="0">
+              <a:buNone/>
+            </a:pPr>
+            <a:r>
+              <a:rPr lang="en-US" sz="3200" b="1" dirty="0"/>
+              <a:t>1. SINGLE INHERITANCE</a:t>
+            </a:r>
+          </a:p>
+          <a:p>
+            <a:pPr marL="0" indent="0">
+              <a:buNone/>
+            </a:pPr>
+            <a:r>
+              <a:rPr lang="en-US" sz="3200" b="1" dirty="0"/>
+              <a:t>2. MULTIPLE INHERITANCE</a:t>
+            </a:r>
+          </a:p>
+          <a:p>
+            <a:pPr marL="0" indent="0">
+              <a:buNone/>
+            </a:pPr>
+            <a:r>
+              <a:rPr lang="en-US" sz="3200" b="1" dirty="0"/>
+              <a:t>3. HIERARCHICAL INHERITANCE</a:t>
+            </a:r>
+          </a:p>
+          <a:p>
+            <a:pPr marL="0" indent="0">
+              <a:buNone/>
+            </a:pPr>
+            <a:r>
+              <a:rPr lang="en-US" sz="3200" b="1" dirty="0"/>
+              <a:t>4. MULTILEVEL INHERITANCE</a:t>
+            </a:r>
+          </a:p>
+          <a:p>
+            <a:pPr marL="0" indent="0">
+              <a:buNone/>
+            </a:pPr>
+            <a:r>
+              <a:rPr lang="en-US" sz="3200" b="1" dirty="0"/>
+              <a:t>5. HYBRID INHERITANCE</a:t>
+            </a:r>
+            <a:endParaRPr lang="en-US" sz="3200" dirty="0"/>
+          </a:p>
+        </p:txBody>
+      </p:sp>
+      <p:sp>
+        <p:nvSpPr>
+          <p:cNvPr id="5" name="Title 1"/>
           <p:cNvSpPr txBox="1">
             <a:spLocks/>
           </p:cNvSpPr>
           <p:nvPr/>
         </p:nvSpPr>
-        <p:spPr>
+        <p:spPr bwMode="gray">
           <a:xfrm>
-            <a:off x="1111924" y="468059"/>
+            <a:off x="1328869" y="964704"/>
             <a:ext cx="8761413" cy="706964"/>
           </a:xfrm>
           <a:prstGeom prst="rect">
@@ -15086,7 +15025,9 @@
           </a:prstGeom>
         </p:spPr>
         <p:txBody>
-          <a:bodyPr/>
+          <a:bodyPr vert="horz" lIns="91440" tIns="45720" rIns="91440" bIns="45720" rtlCol="0" anchor="ctr">
+            <a:noAutofit/>
+          </a:bodyPr>
           <a:lstStyle>
             <a:lvl1pPr algn="l" defTabSz="457200" rtl="0" eaLnBrk="1" latinLnBrk="0" hangingPunct="1">
               <a:spcBef>
@@ -15160,6 +15101,248 @@
             </a:lvl9pPr>
           </a:lstStyle>
           <a:p>
+            <a:pPr algn="ctr"/>
+            <a:r>
+              <a:rPr lang="en-US" sz="5400" dirty="0">
+                <a:ln>
+                  <a:solidFill>
+                    <a:schemeClr val="accent2">
+                      <a:lumMod val="20000"/>
+                      <a:lumOff val="80000"/>
+                    </a:schemeClr>
+                  </a:solidFill>
+                </a:ln>
+                <a:solidFill>
+                  <a:schemeClr val="bg1"/>
+                </a:solidFill>
+              </a:rPr>
+              <a:t>Types of Inheritance</a:t>
+            </a:r>
+          </a:p>
+        </p:txBody>
+      </p:sp>
+    </p:spTree>
+    <p:extLst>
+      <p:ext uri="{BB962C8B-B14F-4D97-AF65-F5344CB8AC3E}">
+        <p14:creationId xmlns:p14="http://schemas.microsoft.com/office/powerpoint/2010/main" val="3662003617"/>
+      </p:ext>
+    </p:extLst>
+  </p:cSld>
+  <p:clrMapOvr>
+    <a:masterClrMapping/>
+  </p:clrMapOvr>
+  <mc:AlternateContent xmlns:mc="http://schemas.openxmlformats.org/markup-compatibility/2006">
+    <mc:Choice xmlns:p15="http://schemas.microsoft.com/office/powerpoint/2012/main" Requires="p15">
+      <p:transition xmlns:p14="http://schemas.microsoft.com/office/powerpoint/2010/main" spd="slow" p14:dur="1250">
+        <p15:prstTrans prst="pageCurlDouble"/>
+      </p:transition>
+    </mc:Choice>
+    <mc:Fallback>
+      <p:transition spd="slow">
+        <p:fade/>
+      </p:transition>
+    </mc:Fallback>
+  </mc:AlternateContent>
+</p:sld>
+</file>
+
+<file path=ppt/slides/slide6.xml><?xml version="1.0" encoding="utf-8"?>
+<p:sld xmlns:a="http://schemas.openxmlformats.org/drawingml/2006/main" xmlns:r="http://schemas.openxmlformats.org/officeDocument/2006/relationships" xmlns:p="http://schemas.openxmlformats.org/presentationml/2006/main">
+  <p:cSld>
+    <p:spTree>
+      <p:nvGrpSpPr>
+        <p:cNvPr id="1" name=""/>
+        <p:cNvGrpSpPr/>
+        <p:nvPr/>
+      </p:nvGrpSpPr>
+      <p:grpSpPr>
+        <a:xfrm>
+          <a:off x="0" y="0"/>
+          <a:ext cx="0" cy="0"/>
+          <a:chOff x="0" y="0"/>
+          <a:chExt cx="0" cy="0"/>
+        </a:xfrm>
+      </p:grpSpPr>
+      <p:sp>
+        <p:nvSpPr>
+          <p:cNvPr id="2" name="Rectangle 1"/>
+          <p:cNvSpPr/>
+          <p:nvPr/>
+        </p:nvSpPr>
+        <p:spPr>
+          <a:xfrm>
+            <a:off x="4206240" y="1980688"/>
+            <a:ext cx="6927925" cy="3785652"/>
+          </a:xfrm>
+          <a:prstGeom prst="rect">
+            <a:avLst/>
+          </a:prstGeom>
+        </p:spPr>
+        <p:txBody>
+          <a:bodyPr wrap="square">
+            <a:spAutoFit/>
+          </a:bodyPr>
+          <a:lstStyle/>
+          <a:p>
+            <a:endParaRPr lang="en-US" sz="2400" dirty="0">
+              <a:latin typeface="Roboto"/>
+            </a:endParaRPr>
+          </a:p>
+          <a:p>
+            <a:pPr marL="571500" indent="-571500">
+              <a:buFont typeface="Wingdings" panose="05000000000000000000" pitchFamily="2" charset="2"/>
+              <a:buChar char="Ø"/>
+            </a:pPr>
+            <a:r>
+              <a:rPr lang="en-US" sz="3600" dirty="0">
+                <a:latin typeface="Roboto"/>
+              </a:rPr>
+              <a:t>In Single Inheritance, subclasses inherit the features of one superclass. </a:t>
+            </a:r>
+          </a:p>
+          <a:p>
+            <a:pPr marL="571500" indent="-571500">
+              <a:buFont typeface="Wingdings" panose="05000000000000000000" pitchFamily="2" charset="2"/>
+              <a:buChar char="Ø"/>
+            </a:pPr>
+            <a:r>
+              <a:rPr lang="en-US" sz="3600" dirty="0">
+                <a:latin typeface="Roboto"/>
+              </a:rPr>
+              <a:t>In image below, the class A serves as a base class for the derived class B</a:t>
+            </a:r>
+            <a:r>
+              <a:rPr lang="en-US" sz="2400" dirty="0">
+                <a:latin typeface="Roboto"/>
+              </a:rPr>
+              <a:t>.</a:t>
+            </a:r>
+            <a:endParaRPr lang="en-US" sz="2400" dirty="0"/>
+          </a:p>
+        </p:txBody>
+      </p:sp>
+      <p:pic>
+        <p:nvPicPr>
+          <p:cNvPr id="3" name="Picture 2"/>
+          <p:cNvPicPr>
+            <a:picLocks noChangeAspect="1"/>
+          </p:cNvPicPr>
+          <p:nvPr/>
+        </p:nvPicPr>
+        <p:blipFill>
+          <a:blip r:embed="rId2">
+            <a:extLst>
+              <a:ext uri="{28A0092B-C50C-407E-A947-70E740481C1C}">
+                <a14:useLocalDpi xmlns:a14="http://schemas.microsoft.com/office/drawing/2010/main" val="0"/>
+              </a:ext>
+            </a:extLst>
+          </a:blip>
+          <a:stretch>
+            <a:fillRect/>
+          </a:stretch>
+        </p:blipFill>
+        <p:spPr>
+          <a:xfrm>
+            <a:off x="821225" y="2099200"/>
+            <a:ext cx="3019255" cy="3667140"/>
+          </a:xfrm>
+          <a:prstGeom prst="rect">
+            <a:avLst/>
+          </a:prstGeom>
+        </p:spPr>
+      </p:pic>
+      <p:sp>
+        <p:nvSpPr>
+          <p:cNvPr id="7" name="Title 1"/>
+          <p:cNvSpPr txBox="1">
+            <a:spLocks/>
+          </p:cNvSpPr>
+          <p:nvPr/>
+        </p:nvSpPr>
+        <p:spPr>
+          <a:xfrm>
+            <a:off x="976601" y="516578"/>
+            <a:ext cx="8761413" cy="706964"/>
+          </a:xfrm>
+          <a:prstGeom prst="rect">
+            <a:avLst/>
+          </a:prstGeom>
+        </p:spPr>
+        <p:txBody>
+          <a:bodyPr/>
+          <a:lstStyle>
+            <a:lvl1pPr algn="l" defTabSz="457200" rtl="0" eaLnBrk="1" latinLnBrk="0" hangingPunct="1">
+              <a:spcBef>
+                <a:spcPct val="0"/>
+              </a:spcBef>
+              <a:buNone/>
+              <a:defRPr sz="3600" b="0" i="0" kern="1200">
+                <a:solidFill>
+                  <a:schemeClr val="bg2"/>
+                </a:solidFill>
+                <a:latin typeface="+mj-lt"/>
+                <a:ea typeface="+mj-ea"/>
+                <a:cs typeface="+mj-cs"/>
+              </a:defRPr>
+            </a:lvl1pPr>
+            <a:lvl2pPr eaLnBrk="1" hangingPunct="1">
+              <a:defRPr>
+                <a:solidFill>
+                  <a:schemeClr val="tx2"/>
+                </a:solidFill>
+              </a:defRPr>
+            </a:lvl2pPr>
+            <a:lvl3pPr eaLnBrk="1" hangingPunct="1">
+              <a:defRPr>
+                <a:solidFill>
+                  <a:schemeClr val="tx2"/>
+                </a:solidFill>
+              </a:defRPr>
+            </a:lvl3pPr>
+            <a:lvl4pPr eaLnBrk="1" hangingPunct="1">
+              <a:defRPr>
+                <a:solidFill>
+                  <a:schemeClr val="tx2"/>
+                </a:solidFill>
+              </a:defRPr>
+            </a:lvl4pPr>
+            <a:lvl5pPr eaLnBrk="1" hangingPunct="1">
+              <a:defRPr>
+                <a:solidFill>
+                  <a:schemeClr val="tx2"/>
+                </a:solidFill>
+              </a:defRPr>
+            </a:lvl5pPr>
+            <a:lvl6pPr eaLnBrk="1" hangingPunct="1">
+              <a:defRPr>
+                <a:solidFill>
+                  <a:schemeClr val="tx2"/>
+                </a:solidFill>
+              </a:defRPr>
+            </a:lvl6pPr>
+            <a:lvl7pPr eaLnBrk="1" hangingPunct="1">
+              <a:defRPr>
+                <a:solidFill>
+                  <a:schemeClr val="tx2"/>
+                </a:solidFill>
+              </a:defRPr>
+            </a:lvl7pPr>
+            <a:lvl8pPr eaLnBrk="1" hangingPunct="1">
+              <a:defRPr>
+                <a:solidFill>
+                  <a:schemeClr val="tx2"/>
+                </a:solidFill>
+              </a:defRPr>
+            </a:lvl8pPr>
+            <a:lvl9pPr eaLnBrk="1" hangingPunct="1">
+              <a:defRPr>
+                <a:solidFill>
+                  <a:schemeClr val="tx2"/>
+                </a:solidFill>
+              </a:defRPr>
+            </a:lvl9pPr>
+          </a:lstStyle>
+          <a:p>
             <a:r>
               <a:rPr lang="en-US" sz="5400" dirty="0">
                 <a:ln w="0"/>
@@ -15174,41 +15357,33 @@
                   </a:outerShdw>
                 </a:effectLst>
               </a:rPr>
-              <a:t>2. MULTIPLE INHERITANCE</a:t>
+              <a:t>1. SINGLE INHERITANCE</a:t>
             </a:r>
-            <a:endParaRPr lang="en-US" sz="5400" dirty="0">
-              <a:ln w="0"/>
-              <a:solidFill>
-                <a:schemeClr val="tx1"/>
-              </a:solidFill>
-              <a:effectLst>
-                <a:outerShdw blurRad="38100" dist="19050" dir="2700000" algn="tl" rotWithShape="0">
-                  <a:schemeClr val="dk1">
-                    <a:alpha val="40000"/>
-                  </a:schemeClr>
-                </a:outerShdw>
-              </a:effectLst>
-            </a:endParaRPr>
           </a:p>
         </p:txBody>
       </p:sp>
     </p:spTree>
     <p:extLst>
       <p:ext uri="{BB962C8B-B14F-4D97-AF65-F5344CB8AC3E}">
-        <p14:creationId xmlns:p14="http://schemas.microsoft.com/office/powerpoint/2010/main" val="3933652092"/>
+        <p14:creationId xmlns:p14="http://schemas.microsoft.com/office/powerpoint/2010/main" val="1837765177"/>
       </p:ext>
     </p:extLst>
   </p:cSld>
   <p:clrMapOvr>
     <a:masterClrMapping/>
   </p:clrMapOvr>
-  <p:timing>
-    <p:tnLst>
-      <p:par>
-        <p:cTn id="1" dur="indefinite" restart="never" nodeType="tmRoot"/>
-      </p:par>
-    </p:tnLst>
-  </p:timing>
+  <mc:AlternateContent xmlns:mc="http://schemas.openxmlformats.org/markup-compatibility/2006">
+    <mc:Choice xmlns:p15="http://schemas.microsoft.com/office/powerpoint/2012/main" Requires="p15">
+      <p:transition xmlns:p14="http://schemas.microsoft.com/office/powerpoint/2010/main" spd="slow" p14:dur="1250">
+        <p15:prstTrans prst="pageCurlDouble"/>
+      </p:transition>
+    </mc:Choice>
+    <mc:Fallback>
+      <p:transition spd="slow">
+        <p:fade/>
+      </p:transition>
+    </mc:Fallback>
+  </mc:AlternateContent>
 </p:sld>
 </file>
 
@@ -15229,23 +15404,235 @@
           <a:chExt cx="0" cy="0"/>
         </a:xfrm>
       </p:grpSpPr>
+      <p:sp>
+        <p:nvSpPr>
+          <p:cNvPr id="2" name="Title 1">
+            <a:extLst>
+              <a:ext uri="{FF2B5EF4-FFF2-40B4-BE49-F238E27FC236}">
+                <a16:creationId xmlns:a16="http://schemas.microsoft.com/office/drawing/2014/main" id="{D895AE79-CAEA-48AF-9EED-B18B7948CCDC}"/>
+              </a:ext>
+            </a:extLst>
+          </p:cNvPr>
+          <p:cNvSpPr txBox="1">
+            <a:spLocks/>
+          </p:cNvSpPr>
+          <p:nvPr/>
+        </p:nvSpPr>
+        <p:spPr bwMode="gray">
+          <a:xfrm>
+            <a:off x="649357" y="434617"/>
+            <a:ext cx="9440925" cy="706964"/>
+          </a:xfrm>
+          <a:prstGeom prst="rect">
+            <a:avLst/>
+          </a:prstGeom>
+        </p:spPr>
+        <p:txBody>
+          <a:bodyPr vert="horz" lIns="91440" tIns="45720" rIns="91440" bIns="45720" rtlCol="0" anchor="ctr">
+            <a:noAutofit/>
+          </a:bodyPr>
+          <a:lstStyle>
+            <a:lvl1pPr algn="l" defTabSz="457200" rtl="0" eaLnBrk="1" latinLnBrk="0" hangingPunct="1">
+              <a:spcBef>
+                <a:spcPct val="0"/>
+              </a:spcBef>
+              <a:buNone/>
+              <a:defRPr sz="3600" b="0" i="0" kern="1200">
+                <a:solidFill>
+                  <a:schemeClr val="bg2"/>
+                </a:solidFill>
+                <a:latin typeface="+mj-lt"/>
+                <a:ea typeface="+mj-ea"/>
+                <a:cs typeface="+mj-cs"/>
+              </a:defRPr>
+            </a:lvl1pPr>
+            <a:lvl2pPr eaLnBrk="1" hangingPunct="1">
+              <a:defRPr>
+                <a:solidFill>
+                  <a:schemeClr val="tx2"/>
+                </a:solidFill>
+              </a:defRPr>
+            </a:lvl2pPr>
+            <a:lvl3pPr eaLnBrk="1" hangingPunct="1">
+              <a:defRPr>
+                <a:solidFill>
+                  <a:schemeClr val="tx2"/>
+                </a:solidFill>
+              </a:defRPr>
+            </a:lvl3pPr>
+            <a:lvl4pPr eaLnBrk="1" hangingPunct="1">
+              <a:defRPr>
+                <a:solidFill>
+                  <a:schemeClr val="tx2"/>
+                </a:solidFill>
+              </a:defRPr>
+            </a:lvl4pPr>
+            <a:lvl5pPr eaLnBrk="1" hangingPunct="1">
+              <a:defRPr>
+                <a:solidFill>
+                  <a:schemeClr val="tx2"/>
+                </a:solidFill>
+              </a:defRPr>
+            </a:lvl5pPr>
+            <a:lvl6pPr eaLnBrk="1" hangingPunct="1">
+              <a:defRPr>
+                <a:solidFill>
+                  <a:schemeClr val="tx2"/>
+                </a:solidFill>
+              </a:defRPr>
+            </a:lvl6pPr>
+            <a:lvl7pPr eaLnBrk="1" hangingPunct="1">
+              <a:defRPr>
+                <a:solidFill>
+                  <a:schemeClr val="tx2"/>
+                </a:solidFill>
+              </a:defRPr>
+            </a:lvl7pPr>
+            <a:lvl8pPr eaLnBrk="1" hangingPunct="1">
+              <a:defRPr>
+                <a:solidFill>
+                  <a:schemeClr val="tx2"/>
+                </a:solidFill>
+              </a:defRPr>
+            </a:lvl8pPr>
+            <a:lvl9pPr eaLnBrk="1" hangingPunct="1">
+              <a:defRPr>
+                <a:solidFill>
+                  <a:schemeClr val="tx2"/>
+                </a:solidFill>
+              </a:defRPr>
+            </a:lvl9pPr>
+          </a:lstStyle>
+          <a:p>
+            <a:r>
+              <a:rPr lang="en-US" sz="5400" dirty="0">
+                <a:ln w="0"/>
+                <a:solidFill>
+                  <a:schemeClr val="tx1"/>
+                </a:solidFill>
+                <a:effectLst>
+                  <a:outerShdw blurRad="38100" dist="19050" dir="2700000" algn="tl" rotWithShape="0">
+                    <a:schemeClr val="dk1">
+                      <a:alpha val="40000"/>
+                    </a:schemeClr>
+                  </a:outerShdw>
+                </a:effectLst>
+              </a:rPr>
+              <a:t>2. MULTIPLE INHERITANCE</a:t>
+            </a:r>
+          </a:p>
+        </p:txBody>
+      </p:sp>
+      <p:sp>
+        <p:nvSpPr>
+          <p:cNvPr id="3" name="Rectangle 2">
+            <a:extLst>
+              <a:ext uri="{FF2B5EF4-FFF2-40B4-BE49-F238E27FC236}">
+                <a16:creationId xmlns:a16="http://schemas.microsoft.com/office/drawing/2014/main" id="{63383B95-EC21-44AE-9564-4A4F6407EAED}"/>
+              </a:ext>
+            </a:extLst>
+          </p:cNvPr>
+          <p:cNvSpPr/>
+          <p:nvPr/>
+        </p:nvSpPr>
+        <p:spPr>
+          <a:xfrm>
+            <a:off x="649357" y="1565200"/>
+            <a:ext cx="6096000" cy="5262979"/>
+          </a:xfrm>
+          <a:prstGeom prst="rect">
+            <a:avLst/>
+          </a:prstGeom>
+        </p:spPr>
+        <p:txBody>
+          <a:bodyPr>
+            <a:spAutoFit/>
+          </a:bodyPr>
+          <a:lstStyle/>
+          <a:p>
+            <a:pPr marL="457200" indent="-457200">
+              <a:buFont typeface="Wingdings" panose="05000000000000000000" pitchFamily="2" charset="2"/>
+              <a:buChar char="Ø"/>
+            </a:pPr>
+            <a:r>
+              <a:rPr lang="en-IN" sz="2800" dirty="0"/>
+              <a:t>In Multiple inheritance ,one class can have more than one superclass and inherit features from all parent classes.</a:t>
+            </a:r>
+          </a:p>
+          <a:p>
+            <a:pPr marL="457200" indent="-457200">
+              <a:buFont typeface="Wingdings" panose="05000000000000000000" pitchFamily="2" charset="2"/>
+              <a:buChar char="Ø"/>
+            </a:pPr>
+            <a:r>
+              <a:rPr lang="en-IN" sz="2800" dirty="0"/>
+              <a:t>Please note that Java does not support multiple inheritance with classes. </a:t>
+            </a:r>
+          </a:p>
+          <a:p>
+            <a:pPr marL="457200" indent="-457200">
+              <a:buFont typeface="Wingdings" panose="05000000000000000000" pitchFamily="2" charset="2"/>
+              <a:buChar char="Ø"/>
+            </a:pPr>
+            <a:r>
+              <a:rPr lang="en-IN" sz="2800" dirty="0"/>
+              <a:t>In java, we can achieve multiple inheritance only through Interfaces. In image below, Class C is derived from interface A and B.</a:t>
+            </a:r>
+          </a:p>
+        </p:txBody>
+      </p:sp>
+      <p:pic>
+        <p:nvPicPr>
+          <p:cNvPr id="5" name="Picture 4">
+            <a:extLst>
+              <a:ext uri="{FF2B5EF4-FFF2-40B4-BE49-F238E27FC236}">
+                <a16:creationId xmlns:a16="http://schemas.microsoft.com/office/drawing/2014/main" id="{35EAA025-9BD4-4812-8528-2DEA0DA3C720}"/>
+              </a:ext>
+            </a:extLst>
+          </p:cNvPr>
+          <p:cNvPicPr>
+            <a:picLocks noChangeAspect="1"/>
+          </p:cNvPicPr>
+          <p:nvPr/>
+        </p:nvPicPr>
+        <p:blipFill>
+          <a:blip r:embed="rId2"/>
+          <a:stretch>
+            <a:fillRect/>
+          </a:stretch>
+        </p:blipFill>
+        <p:spPr>
+          <a:xfrm>
+            <a:off x="7712766" y="1685681"/>
+            <a:ext cx="3829878" cy="4397067"/>
+          </a:xfrm>
+          <a:prstGeom prst="rect">
+            <a:avLst/>
+          </a:prstGeom>
+        </p:spPr>
+      </p:pic>
     </p:spTree>
     <p:extLst>
       <p:ext uri="{BB962C8B-B14F-4D97-AF65-F5344CB8AC3E}">
-        <p14:creationId xmlns:p14="http://schemas.microsoft.com/office/powerpoint/2010/main" val="4073968165"/>
+        <p14:creationId xmlns:p14="http://schemas.microsoft.com/office/powerpoint/2010/main" val="3396851054"/>
       </p:ext>
     </p:extLst>
   </p:cSld>
   <p:clrMapOvr>
     <a:masterClrMapping/>
   </p:clrMapOvr>
-  <p:timing>
-    <p:tnLst>
-      <p:par>
-        <p:cTn id="1" dur="indefinite" restart="never" nodeType="tmRoot"/>
-      </p:par>
-    </p:tnLst>
-  </p:timing>
+  <mc:AlternateContent xmlns:mc="http://schemas.openxmlformats.org/markup-compatibility/2006">
+    <mc:Choice xmlns:p15="http://schemas.microsoft.com/office/powerpoint/2012/main" Requires="p15">
+      <p:transition xmlns:p14="http://schemas.microsoft.com/office/powerpoint/2010/main" spd="slow" p14:dur="1250">
+        <p15:prstTrans prst="pageCurlDouble"/>
+      </p:transition>
+    </mc:Choice>
+    <mc:Fallback>
+      <p:transition spd="slow">
+        <p:fade/>
+      </p:transition>
+    </mc:Fallback>
+  </mc:AlternateContent>
 </p:sld>
 </file>
 
@@ -15266,23 +15653,242 @@
           <a:chExt cx="0" cy="0"/>
         </a:xfrm>
       </p:grpSpPr>
+      <p:sp>
+        <p:nvSpPr>
+          <p:cNvPr id="2" name="Title 1">
+            <a:extLst>
+              <a:ext uri="{FF2B5EF4-FFF2-40B4-BE49-F238E27FC236}">
+                <a16:creationId xmlns:a16="http://schemas.microsoft.com/office/drawing/2014/main" id="{14882E4E-1B6E-46AE-BC90-34804F1610E4}"/>
+              </a:ext>
+            </a:extLst>
+          </p:cNvPr>
+          <p:cNvSpPr txBox="1">
+            <a:spLocks/>
+          </p:cNvSpPr>
+          <p:nvPr/>
+        </p:nvSpPr>
+        <p:spPr bwMode="gray">
+          <a:xfrm>
+            <a:off x="92767" y="964704"/>
+            <a:ext cx="10482468" cy="706964"/>
+          </a:xfrm>
+          <a:prstGeom prst="rect">
+            <a:avLst/>
+          </a:prstGeom>
+        </p:spPr>
+        <p:txBody>
+          <a:bodyPr vert="horz" lIns="91440" tIns="45720" rIns="91440" bIns="45720" rtlCol="0" anchor="ctr">
+            <a:noAutofit/>
+          </a:bodyPr>
+          <a:lstStyle>
+            <a:lvl1pPr algn="l" defTabSz="457200" rtl="0" eaLnBrk="1" latinLnBrk="0" hangingPunct="1">
+              <a:spcBef>
+                <a:spcPct val="0"/>
+              </a:spcBef>
+              <a:buNone/>
+              <a:defRPr sz="3600" b="0" i="0" kern="1200">
+                <a:solidFill>
+                  <a:schemeClr val="bg2"/>
+                </a:solidFill>
+                <a:latin typeface="+mj-lt"/>
+                <a:ea typeface="+mj-ea"/>
+                <a:cs typeface="+mj-cs"/>
+              </a:defRPr>
+            </a:lvl1pPr>
+            <a:lvl2pPr eaLnBrk="1" hangingPunct="1">
+              <a:defRPr>
+                <a:solidFill>
+                  <a:schemeClr val="tx2"/>
+                </a:solidFill>
+              </a:defRPr>
+            </a:lvl2pPr>
+            <a:lvl3pPr eaLnBrk="1" hangingPunct="1">
+              <a:defRPr>
+                <a:solidFill>
+                  <a:schemeClr val="tx2"/>
+                </a:solidFill>
+              </a:defRPr>
+            </a:lvl3pPr>
+            <a:lvl4pPr eaLnBrk="1" hangingPunct="1">
+              <a:defRPr>
+                <a:solidFill>
+                  <a:schemeClr val="tx2"/>
+                </a:solidFill>
+              </a:defRPr>
+            </a:lvl4pPr>
+            <a:lvl5pPr eaLnBrk="1" hangingPunct="1">
+              <a:defRPr>
+                <a:solidFill>
+                  <a:schemeClr val="tx2"/>
+                </a:solidFill>
+              </a:defRPr>
+            </a:lvl5pPr>
+            <a:lvl6pPr eaLnBrk="1" hangingPunct="1">
+              <a:defRPr>
+                <a:solidFill>
+                  <a:schemeClr val="tx2"/>
+                </a:solidFill>
+              </a:defRPr>
+            </a:lvl6pPr>
+            <a:lvl7pPr eaLnBrk="1" hangingPunct="1">
+              <a:defRPr>
+                <a:solidFill>
+                  <a:schemeClr val="tx2"/>
+                </a:solidFill>
+              </a:defRPr>
+            </a:lvl7pPr>
+            <a:lvl8pPr eaLnBrk="1" hangingPunct="1">
+              <a:defRPr>
+                <a:solidFill>
+                  <a:schemeClr val="tx2"/>
+                </a:solidFill>
+              </a:defRPr>
+            </a:lvl8pPr>
+            <a:lvl9pPr eaLnBrk="1" hangingPunct="1">
+              <a:defRPr>
+                <a:solidFill>
+                  <a:schemeClr val="tx2"/>
+                </a:solidFill>
+              </a:defRPr>
+            </a:lvl9pPr>
+          </a:lstStyle>
+          <a:p>
+            <a:pPr algn="ctr"/>
+            <a:r>
+              <a:rPr lang="en-US" sz="5400" dirty="0">
+                <a:ln w="0"/>
+                <a:solidFill>
+                  <a:schemeClr val="tx1"/>
+                </a:solidFill>
+                <a:effectLst>
+                  <a:outerShdw blurRad="38100" dist="19050" dir="2700000" algn="tl" rotWithShape="0">
+                    <a:schemeClr val="dk1">
+                      <a:alpha val="40000"/>
+                    </a:schemeClr>
+                  </a:outerShdw>
+                </a:effectLst>
+              </a:rPr>
+              <a:t>3. HIERARCHICAL INHERITANCE</a:t>
+            </a:r>
+          </a:p>
+          <a:p>
+            <a:pPr algn="ctr"/>
+            <a:endParaRPr lang="en-US" sz="5400" dirty="0">
+              <a:ln w="0"/>
+              <a:solidFill>
+                <a:schemeClr val="tx1"/>
+              </a:solidFill>
+              <a:effectLst>
+                <a:outerShdw blurRad="38100" dist="19050" dir="2700000" algn="tl" rotWithShape="0">
+                  <a:schemeClr val="dk1">
+                    <a:alpha val="40000"/>
+                  </a:schemeClr>
+                </a:outerShdw>
+              </a:effectLst>
+            </a:endParaRPr>
+          </a:p>
+        </p:txBody>
+      </p:sp>
+      <p:sp>
+        <p:nvSpPr>
+          <p:cNvPr id="3" name="Rectangle 2">
+            <a:extLst>
+              <a:ext uri="{FF2B5EF4-FFF2-40B4-BE49-F238E27FC236}">
+                <a16:creationId xmlns:a16="http://schemas.microsoft.com/office/drawing/2014/main" id="{60E82550-3626-4B57-AAAC-1248C5E73C44}"/>
+              </a:ext>
+            </a:extLst>
+          </p:cNvPr>
+          <p:cNvSpPr/>
+          <p:nvPr/>
+        </p:nvSpPr>
+        <p:spPr>
+          <a:xfrm>
+            <a:off x="5592418" y="1922978"/>
+            <a:ext cx="4982817" cy="3970318"/>
+          </a:xfrm>
+          <a:prstGeom prst="rect">
+            <a:avLst/>
+          </a:prstGeom>
+        </p:spPr>
+        <p:txBody>
+          <a:bodyPr wrap="square">
+            <a:spAutoFit/>
+          </a:bodyPr>
+          <a:lstStyle/>
+          <a:p>
+            <a:pPr marL="571500" indent="-571500">
+              <a:buFont typeface="Wingdings" panose="05000000000000000000" pitchFamily="2" charset="2"/>
+              <a:buChar char="Ø"/>
+            </a:pPr>
+            <a:r>
+              <a:rPr lang="en-IN" sz="2800" dirty="0"/>
+              <a:t>In Hierarchical Inheritance, one class serves as a superclass (base class) for more than one sub class.</a:t>
+            </a:r>
+          </a:p>
+          <a:p>
+            <a:pPr marL="571500" indent="-571500">
+              <a:buFont typeface="Wingdings" panose="05000000000000000000" pitchFamily="2" charset="2"/>
+              <a:buChar char="Ø"/>
+            </a:pPr>
+            <a:r>
+              <a:rPr lang="en-IN" sz="2800" dirty="0"/>
+              <a:t>In below image, the class A serves as a base class for the derived class B,C and D.</a:t>
+            </a:r>
+          </a:p>
+        </p:txBody>
+      </p:sp>
+      <p:pic>
+        <p:nvPicPr>
+          <p:cNvPr id="5" name="Picture 4">
+            <a:extLst>
+              <a:ext uri="{FF2B5EF4-FFF2-40B4-BE49-F238E27FC236}">
+                <a16:creationId xmlns:a16="http://schemas.microsoft.com/office/drawing/2014/main" id="{98AAF3FC-AD5C-421D-B9F8-5E202776066E}"/>
+              </a:ext>
+            </a:extLst>
+          </p:cNvPr>
+          <p:cNvPicPr>
+            <a:picLocks noChangeAspect="1"/>
+          </p:cNvPicPr>
+          <p:nvPr/>
+        </p:nvPicPr>
+        <p:blipFill>
+          <a:blip r:embed="rId2"/>
+          <a:stretch>
+            <a:fillRect/>
+          </a:stretch>
+        </p:blipFill>
+        <p:spPr>
+          <a:xfrm>
+            <a:off x="780416" y="2095314"/>
+            <a:ext cx="4553585" cy="3523608"/>
+          </a:xfrm>
+          <a:prstGeom prst="rect">
+            <a:avLst/>
+          </a:prstGeom>
+        </p:spPr>
+      </p:pic>
     </p:spTree>
     <p:extLst>
       <p:ext uri="{BB962C8B-B14F-4D97-AF65-F5344CB8AC3E}">
-        <p14:creationId xmlns:p14="http://schemas.microsoft.com/office/powerpoint/2010/main" val="4033905884"/>
+        <p14:creationId xmlns:p14="http://schemas.microsoft.com/office/powerpoint/2010/main" val="4073968165"/>
       </p:ext>
     </p:extLst>
   </p:cSld>
   <p:clrMapOvr>
     <a:masterClrMapping/>
   </p:clrMapOvr>
-  <p:timing>
-    <p:tnLst>
-      <p:par>
-        <p:cTn id="1" dur="indefinite" restart="never" nodeType="tmRoot"/>
-      </p:par>
-    </p:tnLst>
-  </p:timing>
+  <mc:AlternateContent xmlns:mc="http://schemas.openxmlformats.org/markup-compatibility/2006">
+    <mc:Choice xmlns:p15="http://schemas.microsoft.com/office/powerpoint/2012/main" Requires="p15">
+      <p:transition xmlns:p14="http://schemas.microsoft.com/office/powerpoint/2010/main" spd="slow" p14:dur="1250">
+        <p15:prstTrans prst="pageCurlDouble"/>
+      </p:transition>
+    </mc:Choice>
+    <mc:Fallback>
+      <p:transition spd="slow">
+        <p:fade/>
+      </p:transition>
+    </mc:Fallback>
+  </mc:AlternateContent>
 </p:sld>
 </file>
 
@@ -15303,23 +15909,251 @@
           <a:chExt cx="0" cy="0"/>
         </a:xfrm>
       </p:grpSpPr>
+      <p:sp>
+        <p:nvSpPr>
+          <p:cNvPr id="2" name="Rectangle 1"/>
+          <p:cNvSpPr/>
+          <p:nvPr/>
+        </p:nvSpPr>
+        <p:spPr>
+          <a:xfrm>
+            <a:off x="466165" y="1808066"/>
+            <a:ext cx="6870550" cy="4401205"/>
+          </a:xfrm>
+          <a:prstGeom prst="rect">
+            <a:avLst/>
+          </a:prstGeom>
+        </p:spPr>
+        <p:txBody>
+          <a:bodyPr wrap="square">
+            <a:spAutoFit/>
+          </a:bodyPr>
+          <a:lstStyle/>
+          <a:p>
+            <a:pPr marL="457200" indent="-457200">
+              <a:buFont typeface="Wingdings" panose="05000000000000000000" pitchFamily="2" charset="2"/>
+              <a:buChar char="Ø"/>
+            </a:pPr>
+            <a:r>
+              <a:rPr lang="en-US" sz="2800" dirty="0">
+                <a:ln w="0"/>
+                <a:latin typeface="Roboto"/>
+              </a:rPr>
+              <a:t>In Multilevel Inheritance, a derived class will be inheriting a base class and as well as the derived class also act as the base class to other class.</a:t>
+            </a:r>
+          </a:p>
+          <a:p>
+            <a:pPr marL="457200" indent="-457200">
+              <a:buFont typeface="Wingdings" panose="05000000000000000000" pitchFamily="2" charset="2"/>
+              <a:buChar char="Ø"/>
+            </a:pPr>
+            <a:r>
+              <a:rPr lang="en-US" sz="2800" dirty="0">
+                <a:ln w="0"/>
+                <a:latin typeface="Roboto"/>
+              </a:rPr>
+              <a:t> In below image, the class A serves as a base class for the derived class B, which in turn serves as a base class for the derived class C. </a:t>
+            </a:r>
+          </a:p>
+          <a:p>
+            <a:pPr marL="457200" indent="-457200">
+              <a:buFont typeface="Wingdings" panose="05000000000000000000" pitchFamily="2" charset="2"/>
+              <a:buChar char="Ø"/>
+            </a:pPr>
+            <a:r>
+              <a:rPr lang="en-US" sz="2800" dirty="0">
+                <a:ln w="0"/>
+                <a:latin typeface="Roboto"/>
+              </a:rPr>
+              <a:t>In Java, a class cannot directly access the grandparent’s members</a:t>
+            </a:r>
+            <a:r>
+              <a:rPr lang="en-US" sz="2800" u="sng" dirty="0">
+                <a:ln w="0"/>
+                <a:latin typeface="Roboto"/>
+              </a:rPr>
+              <a:t>.</a:t>
+            </a:r>
+            <a:endParaRPr lang="en-US" sz="2800" u="sng" dirty="0">
+              <a:ln w="0"/>
+            </a:endParaRPr>
+          </a:p>
+        </p:txBody>
+      </p:sp>
+      <p:pic>
+        <p:nvPicPr>
+          <p:cNvPr id="3" name="Picture 2" descr="Multilevel_Inheritance"/>
+          <p:cNvPicPr>
+            <a:picLocks noChangeAspect="1" noChangeArrowheads="1"/>
+          </p:cNvPicPr>
+          <p:nvPr/>
+        </p:nvPicPr>
+        <p:blipFill>
+          <a:blip r:embed="rId2">
+            <a:extLst>
+              <a:ext uri="{28A0092B-C50C-407E-A947-70E740481C1C}">
+                <a14:useLocalDpi xmlns:a14="http://schemas.microsoft.com/office/drawing/2010/main" val="0"/>
+              </a:ext>
+            </a:extLst>
+          </a:blip>
+          <a:srcRect/>
+          <a:stretch>
+            <a:fillRect/>
+          </a:stretch>
+        </p:blipFill>
+        <p:spPr bwMode="auto">
+          <a:xfrm>
+            <a:off x="7815159" y="1961149"/>
+            <a:ext cx="3641737" cy="4095037"/>
+          </a:xfrm>
+          <a:prstGeom prst="rect">
+            <a:avLst/>
+          </a:prstGeom>
+          <a:noFill/>
+          <a:extLst>
+            <a:ext uri="{909E8E84-426E-40DD-AFC4-6F175D3DCCD1}">
+              <a14:hiddenFill xmlns:a14="http://schemas.microsoft.com/office/drawing/2010/main">
+                <a:solidFill>
+                  <a:srgbClr val="FFFFFF"/>
+                </a:solidFill>
+              </a14:hiddenFill>
+            </a:ext>
+          </a:extLst>
+        </p:spPr>
+      </p:pic>
+      <p:sp>
+        <p:nvSpPr>
+          <p:cNvPr id="4" name="Title 1"/>
+          <p:cNvSpPr txBox="1">
+            <a:spLocks/>
+          </p:cNvSpPr>
+          <p:nvPr/>
+        </p:nvSpPr>
+        <p:spPr>
+          <a:xfrm>
+            <a:off x="636104" y="468059"/>
+            <a:ext cx="9237233" cy="706964"/>
+          </a:xfrm>
+          <a:prstGeom prst="rect">
+            <a:avLst/>
+          </a:prstGeom>
+        </p:spPr>
+        <p:txBody>
+          <a:bodyPr/>
+          <a:lstStyle>
+            <a:lvl1pPr algn="l" defTabSz="457200" rtl="0" eaLnBrk="1" latinLnBrk="0" hangingPunct="1">
+              <a:spcBef>
+                <a:spcPct val="0"/>
+              </a:spcBef>
+              <a:buNone/>
+              <a:defRPr sz="3600" b="0" i="0" kern="1200">
+                <a:solidFill>
+                  <a:schemeClr val="bg2"/>
+                </a:solidFill>
+                <a:latin typeface="+mj-lt"/>
+                <a:ea typeface="+mj-ea"/>
+                <a:cs typeface="+mj-cs"/>
+              </a:defRPr>
+            </a:lvl1pPr>
+            <a:lvl2pPr eaLnBrk="1" hangingPunct="1">
+              <a:defRPr>
+                <a:solidFill>
+                  <a:schemeClr val="tx2"/>
+                </a:solidFill>
+              </a:defRPr>
+            </a:lvl2pPr>
+            <a:lvl3pPr eaLnBrk="1" hangingPunct="1">
+              <a:defRPr>
+                <a:solidFill>
+                  <a:schemeClr val="tx2"/>
+                </a:solidFill>
+              </a:defRPr>
+            </a:lvl3pPr>
+            <a:lvl4pPr eaLnBrk="1" hangingPunct="1">
+              <a:defRPr>
+                <a:solidFill>
+                  <a:schemeClr val="tx2"/>
+                </a:solidFill>
+              </a:defRPr>
+            </a:lvl4pPr>
+            <a:lvl5pPr eaLnBrk="1" hangingPunct="1">
+              <a:defRPr>
+                <a:solidFill>
+                  <a:schemeClr val="tx2"/>
+                </a:solidFill>
+              </a:defRPr>
+            </a:lvl5pPr>
+            <a:lvl6pPr eaLnBrk="1" hangingPunct="1">
+              <a:defRPr>
+                <a:solidFill>
+                  <a:schemeClr val="tx2"/>
+                </a:solidFill>
+              </a:defRPr>
+            </a:lvl6pPr>
+            <a:lvl7pPr eaLnBrk="1" hangingPunct="1">
+              <a:defRPr>
+                <a:solidFill>
+                  <a:schemeClr val="tx2"/>
+                </a:solidFill>
+              </a:defRPr>
+            </a:lvl7pPr>
+            <a:lvl8pPr eaLnBrk="1" hangingPunct="1">
+              <a:defRPr>
+                <a:solidFill>
+                  <a:schemeClr val="tx2"/>
+                </a:solidFill>
+              </a:defRPr>
+            </a:lvl8pPr>
+            <a:lvl9pPr eaLnBrk="1" hangingPunct="1">
+              <a:defRPr>
+                <a:solidFill>
+                  <a:schemeClr val="tx2"/>
+                </a:solidFill>
+              </a:defRPr>
+            </a:lvl9pPr>
+          </a:lstStyle>
+          <a:p>
+            <a:r>
+              <a:rPr lang="en-US" sz="5400" dirty="0">
+                <a:ln w="0"/>
+                <a:solidFill>
+                  <a:schemeClr val="tx1"/>
+                </a:solidFill>
+                <a:effectLst>
+                  <a:outerShdw blurRad="38100" dist="19050" dir="2700000" algn="tl" rotWithShape="0">
+                    <a:schemeClr val="dk1">
+                      <a:alpha val="40000"/>
+                    </a:schemeClr>
+                  </a:outerShdw>
+                </a:effectLst>
+              </a:rPr>
+              <a:t>4. MULTILEVEL INHERITANCE</a:t>
+            </a:r>
+          </a:p>
+        </p:txBody>
+      </p:sp>
     </p:spTree>
     <p:extLst>
       <p:ext uri="{BB962C8B-B14F-4D97-AF65-F5344CB8AC3E}">
-        <p14:creationId xmlns:p14="http://schemas.microsoft.com/office/powerpoint/2010/main" val="2969237624"/>
+        <p14:creationId xmlns:p14="http://schemas.microsoft.com/office/powerpoint/2010/main" val="1197756956"/>
       </p:ext>
     </p:extLst>
   </p:cSld>
   <p:clrMapOvr>
     <a:masterClrMapping/>
   </p:clrMapOvr>
-  <p:timing>
-    <p:tnLst>
-      <p:par>
-        <p:cTn id="1" dur="indefinite" restart="never" nodeType="tmRoot"/>
-      </p:par>
-    </p:tnLst>
-  </p:timing>
+  <mc:AlternateContent xmlns:mc="http://schemas.openxmlformats.org/markup-compatibility/2006">
+    <mc:Choice xmlns:p15="http://schemas.microsoft.com/office/powerpoint/2012/main" Requires="p15">
+      <p:transition xmlns:p14="http://schemas.microsoft.com/office/powerpoint/2010/main" spd="slow" p14:dur="1250">
+        <p15:prstTrans prst="pageCurlDouble"/>
+      </p:transition>
+    </mc:Choice>
+    <mc:Fallback>
+      <p:transition spd="slow">
+        <p:fade/>
+      </p:transition>
+    </mc:Fallback>
+  </mc:AlternateContent>
 </p:sld>
 </file>
 

--- a/Inheritance.pptx
+++ b/Inheritance.pptx
@@ -6,16 +6,15 @@
   </p:sldMasterIdLst>
   <p:sldIdLst>
     <p:sldId id="256" r:id="rId2"/>
-    <p:sldId id="268" r:id="rId3"/>
-    <p:sldId id="258" r:id="rId4"/>
-    <p:sldId id="259" r:id="rId5"/>
-    <p:sldId id="260" r:id="rId6"/>
-    <p:sldId id="262" r:id="rId7"/>
-    <p:sldId id="265" r:id="rId8"/>
-    <p:sldId id="264" r:id="rId9"/>
-    <p:sldId id="263" r:id="rId10"/>
-    <p:sldId id="266" r:id="rId11"/>
-    <p:sldId id="267" r:id="rId12"/>
+    <p:sldId id="258" r:id="rId3"/>
+    <p:sldId id="259" r:id="rId4"/>
+    <p:sldId id="260" r:id="rId5"/>
+    <p:sldId id="262" r:id="rId6"/>
+    <p:sldId id="263" r:id="rId7"/>
+    <p:sldId id="264" r:id="rId8"/>
+    <p:sldId id="265" r:id="rId9"/>
+    <p:sldId id="266" r:id="rId10"/>
+    <p:sldId id="267" r:id="rId11"/>
   </p:sldIdLst>
   <p:sldSz cx="12192000" cy="6858000"/>
   <p:notesSz cx="6858000" cy="9144000"/>
@@ -114,11 +113,6 @@
       </a:defRPr>
     </a:lvl9pPr>
   </p:defaultTextStyle>
-  <p:extLst>
-    <p:ext uri="{EFAFB233-063F-42B5-8137-9DF3F51BA10A}">
-      <p15:sldGuideLst xmlns:p15="http://schemas.microsoft.com/office/powerpoint/2012/main"/>
-    </p:ext>
-  </p:extLst>
 </p:presentation>
 </file>
 
@@ -298,7 +292,7 @@
           </a:lstStyle>
           <a:p>
             <a:r>
-              <a:rPr lang="en-US"/>
+              <a:rPr lang="en-US" smtClean="0"/>
               <a:t>Click to edit Master title style</a:t>
             </a:r>
             <a:endParaRPr lang="en-US" dirty="0"/>
@@ -418,7 +412,7 @@
           </a:lstStyle>
           <a:p>
             <a:r>
-              <a:rPr lang="en-US"/>
+              <a:rPr lang="en-US" smtClean="0"/>
               <a:t>Click to edit Master subtitle style</a:t>
             </a:r>
             <a:endParaRPr lang="en-US" dirty="0"/>
@@ -572,18 +566,6 @@
   <p:clrMapOvr>
     <a:masterClrMapping/>
   </p:clrMapOvr>
-  <mc:AlternateContent xmlns:mc="http://schemas.openxmlformats.org/markup-compatibility/2006">
-    <mc:Choice xmlns:p15="http://schemas.microsoft.com/office/powerpoint/2012/main" Requires="p15">
-      <p:transition xmlns:p14="http://schemas.microsoft.com/office/powerpoint/2010/main" spd="slow" p14:dur="1250">
-        <p15:prstTrans prst="pageCurlDouble"/>
-      </p:transition>
-    </mc:Choice>
-    <mc:Fallback>
-      <p:transition spd="slow">
-        <p:fade/>
-      </p:transition>
-    </mc:Fallback>
-  </mc:AlternateContent>
 </p:sldLayout>
 </file>
 
@@ -1381,7 +1363,7 @@
           </a:lstStyle>
           <a:p>
             <a:r>
-              <a:rPr lang="en-US"/>
+              <a:rPr lang="en-US" smtClean="0"/>
               <a:t>Click to edit Master title style</a:t>
             </a:r>
             <a:endParaRPr lang="en-US" dirty="0"/>
@@ -1460,7 +1442,7 @@
           </a:lstStyle>
           <a:p>
             <a:r>
-              <a:rPr lang="en-US"/>
+              <a:rPr lang="en-US" smtClean="0"/>
               <a:t>Click icon to add picture</a:t>
             </a:r>
             <a:endParaRPr lang="en-US" dirty="0"/>
@@ -1535,7 +1517,7 @@
           <a:p>
             <a:pPr lvl="0"/>
             <a:r>
-              <a:rPr lang="en-US"/>
+              <a:rPr lang="en-US" smtClean="0"/>
               <a:t>Click to edit Master text styles</a:t>
             </a:r>
           </a:p>
@@ -1652,18 +1634,6 @@
   <p:clrMapOvr>
     <a:masterClrMapping/>
   </p:clrMapOvr>
-  <mc:AlternateContent xmlns:mc="http://schemas.openxmlformats.org/markup-compatibility/2006">
-    <mc:Choice xmlns:p15="http://schemas.microsoft.com/office/powerpoint/2012/main" Requires="p15">
-      <p:transition xmlns:p14="http://schemas.microsoft.com/office/powerpoint/2010/main" spd="slow" p14:dur="1250">
-        <p15:prstTrans prst="pageCurlDouble"/>
-      </p:transition>
-    </mc:Choice>
-    <mc:Fallback>
-      <p:transition spd="slow">
-        <p:fade/>
-      </p:transition>
-    </mc:Fallback>
-  </mc:AlternateContent>
 </p:sldLayout>
 </file>
 
@@ -2459,7 +2429,7 @@
           </a:lstStyle>
           <a:p>
             <a:r>
-              <a:rPr lang="en-US"/>
+              <a:rPr lang="en-US" smtClean="0"/>
               <a:t>Click to edit Master title style</a:t>
             </a:r>
             <a:endParaRPr lang="en-US" dirty="0"/>
@@ -2527,7 +2497,7 @@
           <a:p>
             <a:pPr lvl="0"/>
             <a:r>
-              <a:rPr lang="en-US"/>
+              <a:rPr lang="en-US" smtClean="0"/>
               <a:t>Click to edit Master text styles</a:t>
             </a:r>
           </a:p>
@@ -2644,18 +2614,6 @@
   <p:clrMapOvr>
     <a:masterClrMapping/>
   </p:clrMapOvr>
-  <mc:AlternateContent xmlns:mc="http://schemas.openxmlformats.org/markup-compatibility/2006">
-    <mc:Choice xmlns:p15="http://schemas.microsoft.com/office/powerpoint/2012/main" Requires="p15">
-      <p:transition xmlns:p14="http://schemas.microsoft.com/office/powerpoint/2010/main" spd="slow" p14:dur="1250">
-        <p15:prstTrans prst="pageCurlDouble"/>
-      </p:transition>
-    </mc:Choice>
-    <mc:Fallback>
-      <p:transition spd="slow">
-        <p:fade/>
-      </p:transition>
-    </mc:Fallback>
-  </mc:AlternateContent>
 </p:sldLayout>
 </file>
 
@@ -3529,7 +3487,7 @@
           </a:lstStyle>
           <a:p>
             <a:r>
-              <a:rPr lang="en-US"/>
+              <a:rPr lang="en-US" smtClean="0"/>
               <a:t>Click to edit Master title style</a:t>
             </a:r>
             <a:endParaRPr lang="en-US" dirty="0"/>
@@ -3606,7 +3564,7 @@
           <a:p>
             <a:pPr lvl="0"/>
             <a:r>
-              <a:rPr lang="en-US"/>
+              <a:rPr lang="en-US" smtClean="0"/>
               <a:t>Click to edit Master text styles</a:t>
             </a:r>
           </a:p>
@@ -3673,7 +3631,7 @@
           <a:p>
             <a:pPr lvl="0"/>
             <a:r>
-              <a:rPr lang="en-US"/>
+              <a:rPr lang="en-US" smtClean="0"/>
               <a:t>Click to edit Master text styles</a:t>
             </a:r>
           </a:p>
@@ -3790,18 +3748,6 @@
   <p:clrMapOvr>
     <a:masterClrMapping/>
   </p:clrMapOvr>
-  <mc:AlternateContent xmlns:mc="http://schemas.openxmlformats.org/markup-compatibility/2006">
-    <mc:Choice xmlns:p15="http://schemas.microsoft.com/office/powerpoint/2012/main" Requires="p15">
-      <p:transition xmlns:p14="http://schemas.microsoft.com/office/powerpoint/2010/main" spd="slow" p14:dur="1250">
-        <p15:prstTrans prst="pageCurlDouble"/>
-      </p:transition>
-    </mc:Choice>
-    <mc:Fallback>
-      <p:transition spd="slow">
-        <p:fade/>
-      </p:transition>
-    </mc:Fallback>
-  </mc:AlternateContent>
 </p:sldLayout>
 </file>
 
@@ -4597,7 +4543,7 @@
           </a:lstStyle>
           <a:p>
             <a:r>
-              <a:rPr lang="en-US"/>
+              <a:rPr lang="en-US" smtClean="0"/>
               <a:t>Click to edit Master title style</a:t>
             </a:r>
             <a:endParaRPr lang="en-US" dirty="0"/>
@@ -4718,7 +4664,7 @@
           <a:p>
             <a:pPr lvl="0"/>
             <a:r>
-              <a:rPr lang="en-US"/>
+              <a:rPr lang="en-US" smtClean="0"/>
               <a:t>Click to edit Master text styles</a:t>
             </a:r>
           </a:p>
@@ -4835,18 +4781,6 @@
   <p:clrMapOvr>
     <a:masterClrMapping/>
   </p:clrMapOvr>
-  <mc:AlternateContent xmlns:mc="http://schemas.openxmlformats.org/markup-compatibility/2006">
-    <mc:Choice xmlns:p15="http://schemas.microsoft.com/office/powerpoint/2012/main" Requires="p15">
-      <p:transition xmlns:p14="http://schemas.microsoft.com/office/powerpoint/2010/main" spd="slow" p14:dur="1250">
-        <p15:prstTrans prst="pageCurlDouble"/>
-      </p:transition>
-    </mc:Choice>
-    <mc:Fallback>
-      <p:transition spd="slow">
-        <p:fade/>
-      </p:transition>
-    </mc:Fallback>
-  </mc:AlternateContent>
 </p:sldLayout>
 </file>
 
@@ -4892,7 +4826,7 @@
           </a:lstStyle>
           <a:p>
             <a:r>
-              <a:rPr lang="en-US"/>
+              <a:rPr lang="en-US" smtClean="0"/>
               <a:t>Click to edit Master title style</a:t>
             </a:r>
             <a:endParaRPr lang="en-US" dirty="0"/>
@@ -4967,7 +4901,7 @@
           <a:p>
             <a:pPr lvl="0"/>
             <a:r>
-              <a:rPr lang="en-US"/>
+              <a:rPr lang="en-US" smtClean="0"/>
               <a:t>Click to edit Master text styles</a:t>
             </a:r>
           </a:p>
@@ -5034,7 +4968,7 @@
           <a:p>
             <a:pPr lvl="0"/>
             <a:r>
-              <a:rPr lang="en-US"/>
+              <a:rPr lang="en-US" smtClean="0"/>
               <a:t>Click to edit Master text styles</a:t>
             </a:r>
           </a:p>
@@ -5108,7 +5042,7 @@
           <a:p>
             <a:pPr lvl="0"/>
             <a:r>
-              <a:rPr lang="en-US"/>
+              <a:rPr lang="en-US" smtClean="0"/>
               <a:t>Click to edit Master text styles</a:t>
             </a:r>
           </a:p>
@@ -5175,7 +5109,7 @@
           <a:p>
             <a:pPr lvl="0"/>
             <a:r>
-              <a:rPr lang="en-US"/>
+              <a:rPr lang="en-US" smtClean="0"/>
               <a:t>Click to edit Master text styles</a:t>
             </a:r>
           </a:p>
@@ -5249,7 +5183,7 @@
           <a:p>
             <a:pPr lvl="0"/>
             <a:r>
-              <a:rPr lang="en-US"/>
+              <a:rPr lang="en-US" smtClean="0"/>
               <a:t>Click to edit Master text styles</a:t>
             </a:r>
           </a:p>
@@ -5316,7 +5250,7 @@
           <a:p>
             <a:pPr lvl="0"/>
             <a:r>
-              <a:rPr lang="en-US"/>
+              <a:rPr lang="en-US" smtClean="0"/>
               <a:t>Click to edit Master text styles</a:t>
             </a:r>
           </a:p>
@@ -5471,18 +5405,6 @@
   <p:clrMapOvr>
     <a:masterClrMapping/>
   </p:clrMapOvr>
-  <mc:AlternateContent xmlns:mc="http://schemas.openxmlformats.org/markup-compatibility/2006">
-    <mc:Choice xmlns:p15="http://schemas.microsoft.com/office/powerpoint/2012/main" Requires="p15">
-      <p:transition xmlns:p14="http://schemas.microsoft.com/office/powerpoint/2010/main" spd="slow" p14:dur="1250">
-        <p15:prstTrans prst="pageCurlDouble"/>
-      </p:transition>
-    </mc:Choice>
-    <mc:Fallback>
-      <p:transition spd="slow">
-        <p:fade/>
-      </p:transition>
-    </mc:Fallback>
-  </mc:AlternateContent>
 </p:sldLayout>
 </file>
 
@@ -5528,7 +5450,7 @@
           </a:lstStyle>
           <a:p>
             <a:r>
-              <a:rPr lang="en-US"/>
+              <a:rPr lang="en-US" smtClean="0"/>
               <a:t>Click to edit Master title style</a:t>
             </a:r>
             <a:endParaRPr lang="en-US" dirty="0"/>
@@ -5603,7 +5525,7 @@
           <a:p>
             <a:pPr lvl="0"/>
             <a:r>
-              <a:rPr lang="en-US"/>
+              <a:rPr lang="en-US" smtClean="0"/>
               <a:t>Click to edit Master text styles</a:t>
             </a:r>
           </a:p>
@@ -5681,7 +5603,7 @@
           </a:lstStyle>
           <a:p>
             <a:r>
-              <a:rPr lang="en-US"/>
+              <a:rPr lang="en-US" smtClean="0"/>
               <a:t>Click icon to add picture</a:t>
             </a:r>
             <a:endParaRPr lang="en-US" dirty="0"/>
@@ -5749,7 +5671,7 @@
           <a:p>
             <a:pPr lvl="0"/>
             <a:r>
-              <a:rPr lang="en-US"/>
+              <a:rPr lang="en-US" smtClean="0"/>
               <a:t>Click to edit Master text styles</a:t>
             </a:r>
           </a:p>
@@ -5823,7 +5745,7 @@
           <a:p>
             <a:pPr lvl="0"/>
             <a:r>
-              <a:rPr lang="en-US"/>
+              <a:rPr lang="en-US" smtClean="0"/>
               <a:t>Click to edit Master text styles</a:t>
             </a:r>
           </a:p>
@@ -5901,7 +5823,7 @@
           </a:lstStyle>
           <a:p>
             <a:r>
-              <a:rPr lang="en-US"/>
+              <a:rPr lang="en-US" smtClean="0"/>
               <a:t>Click icon to add picture</a:t>
             </a:r>
             <a:endParaRPr lang="en-US" dirty="0"/>
@@ -5969,7 +5891,7 @@
           <a:p>
             <a:pPr lvl="0"/>
             <a:r>
-              <a:rPr lang="en-US"/>
+              <a:rPr lang="en-US" smtClean="0"/>
               <a:t>Click to edit Master text styles</a:t>
             </a:r>
           </a:p>
@@ -6043,7 +5965,7 @@
           <a:p>
             <a:pPr lvl="0"/>
             <a:r>
-              <a:rPr lang="en-US"/>
+              <a:rPr lang="en-US" smtClean="0"/>
               <a:t>Click to edit Master text styles</a:t>
             </a:r>
           </a:p>
@@ -6121,7 +6043,7 @@
           </a:lstStyle>
           <a:p>
             <a:r>
-              <a:rPr lang="en-US"/>
+              <a:rPr lang="en-US" smtClean="0"/>
               <a:t>Click icon to add picture</a:t>
             </a:r>
             <a:endParaRPr lang="en-US" dirty="0"/>
@@ -6189,7 +6111,7 @@
           <a:p>
             <a:pPr lvl="0"/>
             <a:r>
-              <a:rPr lang="en-US"/>
+              <a:rPr lang="en-US" smtClean="0"/>
               <a:t>Click to edit Master text styles</a:t>
             </a:r>
           </a:p>
@@ -6349,18 +6271,6 @@
   <p:clrMapOvr>
     <a:masterClrMapping/>
   </p:clrMapOvr>
-  <mc:AlternateContent xmlns:mc="http://schemas.openxmlformats.org/markup-compatibility/2006">
-    <mc:Choice xmlns:p15="http://schemas.microsoft.com/office/powerpoint/2012/main" Requires="p15">
-      <p:transition xmlns:p14="http://schemas.microsoft.com/office/powerpoint/2010/main" spd="slow" p14:dur="1250">
-        <p15:prstTrans prst="pageCurlDouble"/>
-      </p:transition>
-    </mc:Choice>
-    <mc:Fallback>
-      <p:transition spd="slow">
-        <p:fade/>
-      </p:transition>
-    </mc:Fallback>
-  </mc:AlternateContent>
 </p:sldLayout>
 </file>
 
@@ -6402,7 +6312,7 @@
           <a:lstStyle/>
           <a:p>
             <a:r>
-              <a:rPr lang="en-US"/>
+              <a:rPr lang="en-US" smtClean="0"/>
               <a:t>Click to edit Master title style</a:t>
             </a:r>
             <a:endParaRPr lang="en-US" dirty="0"/>
@@ -6431,35 +6341,35 @@
           <a:p>
             <a:pPr lvl="0"/>
             <a:r>
-              <a:rPr lang="en-US"/>
+              <a:rPr lang="en-US" smtClean="0"/>
               <a:t>Click to edit Master text styles</a:t>
             </a:r>
           </a:p>
           <a:p>
             <a:pPr lvl="1"/>
             <a:r>
-              <a:rPr lang="en-US"/>
+              <a:rPr lang="en-US" smtClean="0"/>
               <a:t>Second level</a:t>
             </a:r>
           </a:p>
           <a:p>
             <a:pPr lvl="2"/>
             <a:r>
-              <a:rPr lang="en-US"/>
+              <a:rPr lang="en-US" smtClean="0"/>
               <a:t>Third level</a:t>
             </a:r>
           </a:p>
           <a:p>
             <a:pPr lvl="3"/>
             <a:r>
-              <a:rPr lang="en-US"/>
+              <a:rPr lang="en-US" smtClean="0"/>
               <a:t>Fourth level</a:t>
             </a:r>
           </a:p>
           <a:p>
             <a:pPr lvl="4"/>
             <a:r>
-              <a:rPr lang="en-US"/>
+              <a:rPr lang="en-US" smtClean="0"/>
               <a:t>Fifth level</a:t>
             </a:r>
             <a:endParaRPr lang="en-US" dirty="0"/>
@@ -6546,18 +6456,6 @@
   <p:clrMapOvr>
     <a:masterClrMapping/>
   </p:clrMapOvr>
-  <mc:AlternateContent xmlns:mc="http://schemas.openxmlformats.org/markup-compatibility/2006">
-    <mc:Choice xmlns:p15="http://schemas.microsoft.com/office/powerpoint/2012/main" Requires="p15">
-      <p:transition xmlns:p14="http://schemas.microsoft.com/office/powerpoint/2010/main" spd="slow" p14:dur="1250">
-        <p15:prstTrans prst="pageCurlDouble"/>
-      </p:transition>
-    </mc:Choice>
-    <mc:Fallback>
-      <p:transition spd="slow">
-        <p:fade/>
-      </p:transition>
-    </mc:Fallback>
-  </mc:AlternateContent>
 </p:sldLayout>
 </file>
 
@@ -7386,7 +7284,7 @@
           <a:lstStyle/>
           <a:p>
             <a:r>
-              <a:rPr lang="en-US"/>
+              <a:rPr lang="en-US" smtClean="0"/>
               <a:t>Click to edit Master title style</a:t>
             </a:r>
             <a:endParaRPr lang="en-US" dirty="0"/>
@@ -7415,35 +7313,35 @@
           <a:p>
             <a:pPr lvl="0"/>
             <a:r>
-              <a:rPr lang="en-US"/>
+              <a:rPr lang="en-US" smtClean="0"/>
               <a:t>Click to edit Master text styles</a:t>
             </a:r>
           </a:p>
           <a:p>
             <a:pPr lvl="1"/>
             <a:r>
-              <a:rPr lang="en-US"/>
+              <a:rPr lang="en-US" smtClean="0"/>
               <a:t>Second level</a:t>
             </a:r>
           </a:p>
           <a:p>
             <a:pPr lvl="2"/>
             <a:r>
-              <a:rPr lang="en-US"/>
+              <a:rPr lang="en-US" smtClean="0"/>
               <a:t>Third level</a:t>
             </a:r>
           </a:p>
           <a:p>
             <a:pPr lvl="3"/>
             <a:r>
-              <a:rPr lang="en-US"/>
+              <a:rPr lang="en-US" smtClean="0"/>
               <a:t>Fourth level</a:t>
             </a:r>
           </a:p>
           <a:p>
             <a:pPr lvl="4"/>
             <a:r>
-              <a:rPr lang="en-US"/>
+              <a:rPr lang="en-US" smtClean="0"/>
               <a:t>Fifth level</a:t>
             </a:r>
             <a:endParaRPr lang="en-US" dirty="0"/>
@@ -7566,18 +7464,6 @@
   <p:clrMapOvr>
     <a:masterClrMapping/>
   </p:clrMapOvr>
-  <mc:AlternateContent xmlns:mc="http://schemas.openxmlformats.org/markup-compatibility/2006">
-    <mc:Choice xmlns:p15="http://schemas.microsoft.com/office/powerpoint/2012/main" Requires="p15">
-      <p:transition xmlns:p14="http://schemas.microsoft.com/office/powerpoint/2010/main" spd="slow" p14:dur="1250">
-        <p15:prstTrans prst="pageCurlDouble"/>
-      </p:transition>
-    </mc:Choice>
-    <mc:Fallback>
-      <p:transition spd="slow">
-        <p:fade/>
-      </p:transition>
-    </mc:Fallback>
-  </mc:AlternateContent>
 </p:sldLayout>
 </file>
 
@@ -7614,7 +7500,7 @@
           <a:lstStyle/>
           <a:p>
             <a:r>
-              <a:rPr lang="en-US"/>
+              <a:rPr lang="en-US" smtClean="0"/>
               <a:t>Click to edit Master title style</a:t>
             </a:r>
             <a:endParaRPr lang="en-US" dirty="0"/>
@@ -7643,35 +7529,35 @@
           <a:p>
             <a:pPr lvl="0"/>
             <a:r>
-              <a:rPr lang="en-US"/>
+              <a:rPr lang="en-US" smtClean="0"/>
               <a:t>Click to edit Master text styles</a:t>
             </a:r>
           </a:p>
           <a:p>
             <a:pPr lvl="1"/>
             <a:r>
-              <a:rPr lang="en-US"/>
+              <a:rPr lang="en-US" smtClean="0"/>
               <a:t>Second level</a:t>
             </a:r>
           </a:p>
           <a:p>
             <a:pPr lvl="2"/>
             <a:r>
-              <a:rPr lang="en-US"/>
+              <a:rPr lang="en-US" smtClean="0"/>
               <a:t>Third level</a:t>
             </a:r>
           </a:p>
           <a:p>
             <a:pPr lvl="3"/>
             <a:r>
-              <a:rPr lang="en-US"/>
+              <a:rPr lang="en-US" smtClean="0"/>
               <a:t>Fourth level</a:t>
             </a:r>
           </a:p>
           <a:p>
             <a:pPr lvl="4"/>
             <a:r>
-              <a:rPr lang="en-US"/>
+              <a:rPr lang="en-US" smtClean="0"/>
               <a:t>Fifth level</a:t>
             </a:r>
             <a:endParaRPr lang="en-US" dirty="0"/>
@@ -7753,18 +7639,6 @@
   <p:clrMapOvr>
     <a:masterClrMapping/>
   </p:clrMapOvr>
-  <mc:AlternateContent xmlns:mc="http://schemas.openxmlformats.org/markup-compatibility/2006">
-    <mc:Choice xmlns:p15="http://schemas.microsoft.com/office/powerpoint/2012/main" Requires="p15">
-      <p:transition xmlns:p14="http://schemas.microsoft.com/office/powerpoint/2010/main" spd="slow" p14:dur="1250">
-        <p15:prstTrans prst="pageCurlDouble"/>
-      </p:transition>
-    </mc:Choice>
-    <mc:Fallback>
-      <p:transition spd="slow">
-        <p:fade/>
-      </p:transition>
-    </mc:Fallback>
-  </mc:AlternateContent>
 </p:sldLayout>
 </file>
 
@@ -8597,7 +8471,7 @@
           </a:lstStyle>
           <a:p>
             <a:r>
-              <a:rPr lang="en-US"/>
+              <a:rPr lang="en-US" smtClean="0"/>
               <a:t>Click to edit Master title style</a:t>
             </a:r>
             <a:endParaRPr lang="en-US" dirty="0"/>
@@ -8718,7 +8592,7 @@
           <a:p>
             <a:pPr lvl="0"/>
             <a:r>
-              <a:rPr lang="en-US"/>
+              <a:rPr lang="en-US" smtClean="0"/>
               <a:t>Click to edit Master text styles</a:t>
             </a:r>
           </a:p>
@@ -8835,18 +8709,6 @@
   <p:clrMapOvr>
     <a:masterClrMapping/>
   </p:clrMapOvr>
-  <mc:AlternateContent xmlns:mc="http://schemas.openxmlformats.org/markup-compatibility/2006">
-    <mc:Choice xmlns:p15="http://schemas.microsoft.com/office/powerpoint/2012/main" Requires="p15">
-      <p:transition xmlns:p14="http://schemas.microsoft.com/office/powerpoint/2010/main" spd="slow" p14:dur="1250">
-        <p15:prstTrans prst="pageCurlDouble"/>
-      </p:transition>
-    </mc:Choice>
-    <mc:Fallback>
-      <p:transition spd="slow">
-        <p:fade/>
-      </p:transition>
-    </mc:Fallback>
-  </mc:AlternateContent>
 </p:sldLayout>
 </file>
 
@@ -8883,7 +8745,7 @@
           <a:lstStyle/>
           <a:p>
             <a:r>
-              <a:rPr lang="en-US"/>
+              <a:rPr lang="en-US" smtClean="0"/>
               <a:t>Click to edit Master title style</a:t>
             </a:r>
             <a:endParaRPr lang="en-US" dirty="0"/>
@@ -8914,35 +8776,35 @@
           <a:p>
             <a:pPr lvl="0"/>
             <a:r>
-              <a:rPr lang="en-US"/>
+              <a:rPr lang="en-US" smtClean="0"/>
               <a:t>Click to edit Master text styles</a:t>
             </a:r>
           </a:p>
           <a:p>
             <a:pPr lvl="1"/>
             <a:r>
-              <a:rPr lang="en-US"/>
+              <a:rPr lang="en-US" smtClean="0"/>
               <a:t>Second level</a:t>
             </a:r>
           </a:p>
           <a:p>
             <a:pPr lvl="2"/>
             <a:r>
-              <a:rPr lang="en-US"/>
+              <a:rPr lang="en-US" smtClean="0"/>
               <a:t>Third level</a:t>
             </a:r>
           </a:p>
           <a:p>
             <a:pPr lvl="3"/>
             <a:r>
-              <a:rPr lang="en-US"/>
+              <a:rPr lang="en-US" smtClean="0"/>
               <a:t>Fourth level</a:t>
             </a:r>
           </a:p>
           <a:p>
             <a:pPr lvl="4"/>
             <a:r>
-              <a:rPr lang="en-US"/>
+              <a:rPr lang="en-US" smtClean="0"/>
               <a:t>Fifth level</a:t>
             </a:r>
             <a:endParaRPr lang="en-US" dirty="0"/>
@@ -8973,35 +8835,35 @@
           <a:p>
             <a:pPr lvl="0"/>
             <a:r>
-              <a:rPr lang="en-US"/>
+              <a:rPr lang="en-US" smtClean="0"/>
               <a:t>Click to edit Master text styles</a:t>
             </a:r>
           </a:p>
           <a:p>
             <a:pPr lvl="1"/>
             <a:r>
-              <a:rPr lang="en-US"/>
+              <a:rPr lang="en-US" smtClean="0"/>
               <a:t>Second level</a:t>
             </a:r>
           </a:p>
           <a:p>
             <a:pPr lvl="2"/>
             <a:r>
-              <a:rPr lang="en-US"/>
+              <a:rPr lang="en-US" smtClean="0"/>
               <a:t>Third level</a:t>
             </a:r>
           </a:p>
           <a:p>
             <a:pPr lvl="3"/>
             <a:r>
-              <a:rPr lang="en-US"/>
+              <a:rPr lang="en-US" smtClean="0"/>
               <a:t>Fourth level</a:t>
             </a:r>
           </a:p>
           <a:p>
             <a:pPr lvl="4"/>
             <a:r>
-              <a:rPr lang="en-US"/>
+              <a:rPr lang="en-US" smtClean="0"/>
               <a:t>Fifth level</a:t>
             </a:r>
             <a:endParaRPr lang="en-US" dirty="0"/>
@@ -9083,18 +8945,6 @@
   <p:clrMapOvr>
     <a:masterClrMapping/>
   </p:clrMapOvr>
-  <mc:AlternateContent xmlns:mc="http://schemas.openxmlformats.org/markup-compatibility/2006">
-    <mc:Choice xmlns:p15="http://schemas.microsoft.com/office/powerpoint/2012/main" Requires="p15">
-      <p:transition xmlns:p14="http://schemas.microsoft.com/office/powerpoint/2010/main" spd="slow" p14:dur="1250">
-        <p15:prstTrans prst="pageCurlDouble"/>
-      </p:transition>
-    </mc:Choice>
-    <mc:Fallback>
-      <p:transition spd="slow">
-        <p:fade/>
-      </p:transition>
-    </mc:Fallback>
-  </mc:AlternateContent>
 </p:sldLayout>
 </file>
 
@@ -9135,7 +8985,7 @@
           </a:lstStyle>
           <a:p>
             <a:r>
-              <a:rPr lang="en-US"/>
+              <a:rPr lang="en-US" smtClean="0"/>
               <a:t>Click to edit Master title style</a:t>
             </a:r>
             <a:endParaRPr lang="en-US" dirty="0"/>
@@ -9207,7 +9057,7 @@
           <a:p>
             <a:pPr lvl="0"/>
             <a:r>
-              <a:rPr lang="en-US"/>
+              <a:rPr lang="en-US" smtClean="0"/>
               <a:t>Click to edit Master text styles</a:t>
             </a:r>
           </a:p>
@@ -9237,35 +9087,35 @@
           <a:p>
             <a:pPr lvl="0"/>
             <a:r>
-              <a:rPr lang="en-US"/>
+              <a:rPr lang="en-US" smtClean="0"/>
               <a:t>Click to edit Master text styles</a:t>
             </a:r>
           </a:p>
           <a:p>
             <a:pPr lvl="1"/>
             <a:r>
-              <a:rPr lang="en-US"/>
+              <a:rPr lang="en-US" smtClean="0"/>
               <a:t>Second level</a:t>
             </a:r>
           </a:p>
           <a:p>
             <a:pPr lvl="2"/>
             <a:r>
-              <a:rPr lang="en-US"/>
+              <a:rPr lang="en-US" smtClean="0"/>
               <a:t>Third level</a:t>
             </a:r>
           </a:p>
           <a:p>
             <a:pPr lvl="3"/>
             <a:r>
-              <a:rPr lang="en-US"/>
+              <a:rPr lang="en-US" smtClean="0"/>
               <a:t>Fourth level</a:t>
             </a:r>
           </a:p>
           <a:p>
             <a:pPr lvl="4"/>
             <a:r>
-              <a:rPr lang="en-US"/>
+              <a:rPr lang="en-US" smtClean="0"/>
               <a:t>Fifth level</a:t>
             </a:r>
             <a:endParaRPr lang="en-US" dirty="0"/>
@@ -9337,7 +9187,7 @@
           <a:p>
             <a:pPr lvl="0"/>
             <a:r>
-              <a:rPr lang="en-US"/>
+              <a:rPr lang="en-US" smtClean="0"/>
               <a:t>Click to edit Master text styles</a:t>
             </a:r>
           </a:p>
@@ -9395,35 +9245,35 @@
           <a:p>
             <a:pPr lvl="0"/>
             <a:r>
-              <a:rPr lang="en-US"/>
+              <a:rPr lang="en-US" smtClean="0"/>
               <a:t>Click to edit Master text styles</a:t>
             </a:r>
           </a:p>
           <a:p>
             <a:pPr lvl="1"/>
             <a:r>
-              <a:rPr lang="en-US"/>
+              <a:rPr lang="en-US" smtClean="0"/>
               <a:t>Second level</a:t>
             </a:r>
           </a:p>
           <a:p>
             <a:pPr lvl="2"/>
             <a:r>
-              <a:rPr lang="en-US"/>
+              <a:rPr lang="en-US" smtClean="0"/>
               <a:t>Third level</a:t>
             </a:r>
           </a:p>
           <a:p>
             <a:pPr lvl="3"/>
             <a:r>
-              <a:rPr lang="en-US"/>
+              <a:rPr lang="en-US" smtClean="0"/>
               <a:t>Fourth level</a:t>
             </a:r>
           </a:p>
           <a:p>
             <a:pPr lvl="4"/>
             <a:r>
-              <a:rPr lang="en-US"/>
+              <a:rPr lang="en-US" smtClean="0"/>
               <a:t>Fifth level</a:t>
             </a:r>
             <a:endParaRPr lang="en-US" dirty="0"/>
@@ -9505,18 +9355,6 @@
   <p:clrMapOvr>
     <a:masterClrMapping/>
   </p:clrMapOvr>
-  <mc:AlternateContent xmlns:mc="http://schemas.openxmlformats.org/markup-compatibility/2006">
-    <mc:Choice xmlns:p15="http://schemas.microsoft.com/office/powerpoint/2012/main" Requires="p15">
-      <p:transition xmlns:p14="http://schemas.microsoft.com/office/powerpoint/2010/main" spd="slow" p14:dur="1250">
-        <p15:prstTrans prst="pageCurlDouble"/>
-      </p:transition>
-    </mc:Choice>
-    <mc:Fallback>
-      <p:transition spd="slow">
-        <p:fade/>
-      </p:transition>
-    </mc:Fallback>
-  </mc:AlternateContent>
 </p:sldLayout>
 </file>
 
@@ -9562,7 +9400,7 @@
           </a:lstStyle>
           <a:p>
             <a:r>
-              <a:rPr lang="en-US"/>
+              <a:rPr lang="en-US" smtClean="0"/>
               <a:t>Click to edit Master title style</a:t>
             </a:r>
             <a:endParaRPr lang="en-US" dirty="0"/>
@@ -9644,18 +9482,6 @@
   <p:clrMapOvr>
     <a:masterClrMapping/>
   </p:clrMapOvr>
-  <mc:AlternateContent xmlns:mc="http://schemas.openxmlformats.org/markup-compatibility/2006">
-    <mc:Choice xmlns:p15="http://schemas.microsoft.com/office/powerpoint/2012/main" Requires="p15">
-      <p:transition xmlns:p14="http://schemas.microsoft.com/office/powerpoint/2010/main" spd="slow" p14:dur="1250">
-        <p15:prstTrans prst="pageCurlDouble"/>
-      </p:transition>
-    </mc:Choice>
-    <mc:Fallback>
-      <p:transition spd="slow">
-        <p:fade/>
-      </p:transition>
-    </mc:Fallback>
-  </mc:AlternateContent>
 </p:sldLayout>
 </file>
 
@@ -9787,18 +9613,6 @@
   <p:clrMapOvr>
     <a:masterClrMapping/>
   </p:clrMapOvr>
-  <mc:AlternateContent xmlns:mc="http://schemas.openxmlformats.org/markup-compatibility/2006">
-    <mc:Choice xmlns:p15="http://schemas.microsoft.com/office/powerpoint/2012/main" Requires="p15">
-      <p:transition xmlns:p14="http://schemas.microsoft.com/office/powerpoint/2010/main" spd="slow" p14:dur="1250">
-        <p15:prstTrans prst="pageCurlDouble"/>
-      </p:transition>
-    </mc:Choice>
-    <mc:Fallback>
-      <p:transition spd="slow">
-        <p:fade/>
-      </p:transition>
-    </mc:Fallback>
-  </mc:AlternateContent>
 </p:sldLayout>
 </file>
 
@@ -10631,7 +10445,7 @@
           </a:lstStyle>
           <a:p>
             <a:r>
-              <a:rPr lang="en-US"/>
+              <a:rPr lang="en-US" smtClean="0"/>
               <a:t>Click to edit Master title style</a:t>
             </a:r>
             <a:endParaRPr lang="en-US" dirty="0"/>
@@ -10662,35 +10476,35 @@
           <a:p>
             <a:pPr lvl="0"/>
             <a:r>
-              <a:rPr lang="en-US"/>
+              <a:rPr lang="en-US" smtClean="0"/>
               <a:t>Click to edit Master text styles</a:t>
             </a:r>
           </a:p>
           <a:p>
             <a:pPr lvl="1"/>
             <a:r>
-              <a:rPr lang="en-US"/>
+              <a:rPr lang="en-US" smtClean="0"/>
               <a:t>Second level</a:t>
             </a:r>
           </a:p>
           <a:p>
             <a:pPr lvl="2"/>
             <a:r>
-              <a:rPr lang="en-US"/>
+              <a:rPr lang="en-US" smtClean="0"/>
               <a:t>Third level</a:t>
             </a:r>
           </a:p>
           <a:p>
             <a:pPr lvl="3"/>
             <a:r>
-              <a:rPr lang="en-US"/>
+              <a:rPr lang="en-US" smtClean="0"/>
               <a:t>Fourth level</a:t>
             </a:r>
           </a:p>
           <a:p>
             <a:pPr lvl="4"/>
             <a:r>
-              <a:rPr lang="en-US"/>
+              <a:rPr lang="en-US" smtClean="0"/>
               <a:t>Fifth level</a:t>
             </a:r>
             <a:endParaRPr lang="en-US" dirty="0"/>
@@ -10763,7 +10577,7 @@
           <a:p>
             <a:pPr lvl="0"/>
             <a:r>
-              <a:rPr lang="en-US"/>
+              <a:rPr lang="en-US" smtClean="0"/>
               <a:t>Click to edit Master text styles</a:t>
             </a:r>
           </a:p>
@@ -10880,18 +10694,6 @@
   <p:clrMapOvr>
     <a:masterClrMapping/>
   </p:clrMapOvr>
-  <mc:AlternateContent xmlns:mc="http://schemas.openxmlformats.org/markup-compatibility/2006">
-    <mc:Choice xmlns:p15="http://schemas.microsoft.com/office/powerpoint/2012/main" Requires="p15">
-      <p:transition xmlns:p14="http://schemas.microsoft.com/office/powerpoint/2010/main" spd="slow" p14:dur="1250">
-        <p15:prstTrans prst="pageCurlDouble"/>
-      </p:transition>
-    </mc:Choice>
-    <mc:Fallback>
-      <p:transition spd="slow">
-        <p:fade/>
-      </p:transition>
-    </mc:Fallback>
-  </mc:AlternateContent>
 </p:sldLayout>
 </file>
 
@@ -11726,7 +11528,7 @@
           </a:lstStyle>
           <a:p>
             <a:r>
-              <a:rPr lang="en-US"/>
+              <a:rPr lang="en-US" smtClean="0"/>
               <a:t>Click to edit Master title style</a:t>
             </a:r>
             <a:endParaRPr lang="en-US" dirty="0"/>
@@ -11808,7 +11610,7 @@
               <a:buNone/>
             </a:pPr>
             <a:r>
-              <a:rPr lang="en-US"/>
+              <a:rPr lang="en-US" smtClean="0"/>
               <a:t>Click icon to add picture</a:t>
             </a:r>
             <a:endParaRPr lang="en-US" dirty="0"/>
@@ -11883,7 +11685,7 @@
           <a:p>
             <a:pPr lvl="0"/>
             <a:r>
-              <a:rPr lang="en-US"/>
+              <a:rPr lang="en-US" smtClean="0"/>
               <a:t>Click to edit Master text styles</a:t>
             </a:r>
           </a:p>
@@ -12000,18 +11802,6 @@
   <p:clrMapOvr>
     <a:masterClrMapping/>
   </p:clrMapOvr>
-  <mc:AlternateContent xmlns:mc="http://schemas.openxmlformats.org/markup-compatibility/2006">
-    <mc:Choice xmlns:p15="http://schemas.microsoft.com/office/powerpoint/2012/main" Requires="p15">
-      <p:transition xmlns:p14="http://schemas.microsoft.com/office/powerpoint/2010/main" spd="slow" p14:dur="1250">
-        <p15:prstTrans prst="pageCurlDouble"/>
-      </p:transition>
-    </mc:Choice>
-    <mc:Fallback>
-      <p:transition spd="slow">
-        <p:fade/>
-      </p:transition>
-    </mc:Fallback>
-  </mc:AlternateContent>
 </p:sldLayout>
 </file>
 
@@ -12813,7 +12603,7 @@
           <a:lstStyle/>
           <a:p>
             <a:r>
-              <a:rPr lang="en-US"/>
+              <a:rPr lang="en-US" smtClean="0"/>
               <a:t>Click to edit Master title style</a:t>
             </a:r>
             <a:endParaRPr lang="en-US" dirty="0"/>
@@ -12847,35 +12637,35 @@
           <a:p>
             <a:pPr lvl="0"/>
             <a:r>
-              <a:rPr lang="en-US"/>
+              <a:rPr lang="en-US" smtClean="0"/>
               <a:t>Click to edit Master text styles</a:t>
             </a:r>
           </a:p>
           <a:p>
             <a:pPr lvl="1"/>
             <a:r>
-              <a:rPr lang="en-US"/>
+              <a:rPr lang="en-US" smtClean="0"/>
               <a:t>Second level</a:t>
             </a:r>
           </a:p>
           <a:p>
             <a:pPr lvl="2"/>
             <a:r>
-              <a:rPr lang="en-US"/>
+              <a:rPr lang="en-US" smtClean="0"/>
               <a:t>Third level</a:t>
             </a:r>
           </a:p>
           <a:p>
             <a:pPr lvl="3"/>
             <a:r>
-              <a:rPr lang="en-US"/>
+              <a:rPr lang="en-US" smtClean="0"/>
               <a:t>Fourth level</a:t>
             </a:r>
           </a:p>
           <a:p>
             <a:pPr lvl="4"/>
             <a:r>
-              <a:rPr lang="en-US"/>
+              <a:rPr lang="en-US" smtClean="0"/>
               <a:t>Fifth level</a:t>
             </a:r>
             <a:endParaRPr lang="en-US" dirty="0"/>
@@ -13058,18 +12848,6 @@
     <p:sldLayoutId id="2147483658" r:id="rId16"/>
     <p:sldLayoutId id="2147483659" r:id="rId17"/>
   </p:sldLayoutIdLst>
-  <mc:AlternateContent xmlns:mc="http://schemas.openxmlformats.org/markup-compatibility/2006">
-    <mc:Choice xmlns:p15="http://schemas.microsoft.com/office/powerpoint/2012/main" Requires="p15">
-      <p:transition xmlns:p14="http://schemas.microsoft.com/office/powerpoint/2010/main" spd="slow" p14:dur="1250">
-        <p15:prstTrans prst="pageCurlDouble"/>
-      </p:transition>
-    </mc:Choice>
-    <mc:Fallback>
-      <p:transition spd="slow">
-        <p:fade/>
-      </p:transition>
-    </mc:Fallback>
-  </mc:AlternateContent>
   <p:hf sldNum="0" hdr="0" ftr="0" dt="0"/>
   <p:txStyles>
     <p:titleStyle>
@@ -13508,7 +13286,7 @@
           <a:lstStyle/>
           <a:p>
             <a:r>
-              <a:rPr lang="en-US" sz="9600" b="1" dirty="0">
+              <a:rPr lang="en-US" sz="9600" b="1" dirty="0" smtClean="0">
                 <a:ln w="10160">
                   <a:solidFill>
                     <a:schemeClr val="tx1"/>
@@ -13528,6 +13306,24 @@
               </a:rPr>
               <a:t>		   		INHERITANCE</a:t>
             </a:r>
+            <a:endParaRPr lang="en-US" sz="9600" b="1" dirty="0">
+              <a:ln w="10160">
+                <a:solidFill>
+                  <a:schemeClr val="tx1"/>
+                </a:solidFill>
+                <a:prstDash val="solid"/>
+              </a:ln>
+              <a:solidFill>
+                <a:schemeClr val="bg1"/>
+              </a:solidFill>
+              <a:effectLst>
+                <a:outerShdw blurRad="38100" dist="22860" dir="5400000" algn="tl" rotWithShape="0">
+                  <a:srgbClr val="000000">
+                    <a:alpha val="30000"/>
+                  </a:srgbClr>
+                </a:outerShdw>
+              </a:effectLst>
+            </a:endParaRPr>
           </a:p>
         </p:txBody>
       </p:sp>
@@ -13547,11 +13343,11 @@
           <a:lstStyle/>
           <a:p>
             <a:r>
-              <a:rPr lang="en-US" dirty="0"/>
+              <a:rPr lang="en-US" dirty="0" smtClean="0"/>
               <a:t>														By: Ashish </a:t>
             </a:r>
             <a:r>
-              <a:rPr lang="en-US" dirty="0" err="1"/>
+              <a:rPr lang="en-US" dirty="0" err="1" smtClean="0"/>
               <a:t>Verma</a:t>
             </a:r>
             <a:endParaRPr lang="en-US" dirty="0"/>
@@ -13568,18 +13364,13 @@
   <p:clrMapOvr>
     <a:masterClrMapping/>
   </p:clrMapOvr>
-  <mc:AlternateContent xmlns:mc="http://schemas.openxmlformats.org/markup-compatibility/2006">
-    <mc:Choice xmlns:p15="http://schemas.microsoft.com/office/powerpoint/2012/main" Requires="p15">
-      <p:transition xmlns:p14="http://schemas.microsoft.com/office/powerpoint/2010/main" spd="slow" p14:dur="1250">
-        <p15:prstTrans prst="pageCurlDouble"/>
-      </p:transition>
-    </mc:Choice>
-    <mc:Fallback>
-      <p:transition spd="slow">
-        <p:fade/>
-      </p:transition>
-    </mc:Fallback>
-  </mc:AlternateContent>
+  <p:timing>
+    <p:tnLst>
+      <p:par>
+        <p:cTn id="1" dur="indefinite" restart="never" nodeType="tmRoot"/>
+      </p:par>
+    </p:tnLst>
+  </p:timing>
 </p:sld>
 </file>
 
@@ -13600,15 +13391,1088 @@
           <a:chExt cx="0" cy="0"/>
         </a:xfrm>
       </p:grpSpPr>
+    </p:spTree>
+    <p:extLst>
+      <p:ext uri="{BB962C8B-B14F-4D97-AF65-F5344CB8AC3E}">
+        <p14:creationId xmlns:p14="http://schemas.microsoft.com/office/powerpoint/2010/main" val="3560609159"/>
+      </p:ext>
+    </p:extLst>
+  </p:cSld>
+  <p:clrMapOvr>
+    <a:masterClrMapping/>
+  </p:clrMapOvr>
+  <p:timing>
+    <p:tnLst>
+      <p:par>
+        <p:cTn id="1" dur="indefinite" restart="never" nodeType="tmRoot"/>
+      </p:par>
+    </p:tnLst>
+  </p:timing>
+</p:sld>
+</file>
+
+<file path=ppt/slides/slide2.xml><?xml version="1.0" encoding="utf-8"?>
+<p:sld xmlns:a="http://schemas.openxmlformats.org/drawingml/2006/main" xmlns:r="http://schemas.openxmlformats.org/officeDocument/2006/relationships" xmlns:p="http://schemas.openxmlformats.org/presentationml/2006/main">
+  <p:cSld>
+    <p:spTree>
+      <p:nvGrpSpPr>
+        <p:cNvPr id="1" name=""/>
+        <p:cNvGrpSpPr/>
+        <p:nvPr/>
+      </p:nvGrpSpPr>
+      <p:grpSpPr>
+        <a:xfrm>
+          <a:off x="0" y="0"/>
+          <a:ext cx="0" cy="0"/>
+          <a:chOff x="0" y="0"/>
+          <a:chExt cx="0" cy="0"/>
+        </a:xfrm>
+      </p:grpSpPr>
       <p:sp>
         <p:nvSpPr>
-          <p:cNvPr id="2" name="Title 1">
+          <p:cNvPr id="5" name="Rectangle 4"/>
+          <p:cNvSpPr/>
+          <p:nvPr/>
+        </p:nvSpPr>
+        <p:spPr>
+          <a:xfrm>
+            <a:off x="860612" y="2499244"/>
+            <a:ext cx="10854466" cy="3785652"/>
+          </a:xfrm>
+          <a:prstGeom prst="rect">
+            <a:avLst/>
+          </a:prstGeom>
+        </p:spPr>
+        <p:txBody>
+          <a:bodyPr wrap="square">
+            <a:spAutoFit/>
+          </a:bodyPr>
+          <a:lstStyle/>
+          <a:p>
+            <a:r>
+              <a:rPr lang="en-US" sz="4000" dirty="0">
+                <a:ln w="0"/>
+                <a:effectLst>
+                  <a:outerShdw blurRad="38100" dist="19050" dir="2700000" algn="tl" rotWithShape="0">
+                    <a:schemeClr val="dk1">
+                      <a:alpha val="40000"/>
+                    </a:schemeClr>
+                  </a:outerShdw>
+                </a:effectLst>
+                <a:latin typeface="Arial Black" panose="020B0A04020102020204" pitchFamily="34" charset="0"/>
+              </a:rPr>
+              <a:t>It is the capability of </a:t>
+            </a:r>
+            <a:r>
+              <a:rPr lang="en-US" sz="4000" dirty="0" smtClean="0">
+                <a:ln w="0"/>
+                <a:effectLst>
+                  <a:outerShdw blurRad="38100" dist="19050" dir="2700000" algn="tl" rotWithShape="0">
+                    <a:schemeClr val="dk1">
+                      <a:alpha val="40000"/>
+                    </a:schemeClr>
+                  </a:outerShdw>
+                </a:effectLst>
+                <a:latin typeface="Arial Black" panose="020B0A04020102020204" pitchFamily="34" charset="0"/>
+              </a:rPr>
+              <a:t>one class </a:t>
+            </a:r>
+            <a:r>
+              <a:rPr lang="en-US" sz="4000" dirty="0">
+                <a:ln w="0"/>
+                <a:effectLst>
+                  <a:outerShdw blurRad="38100" dist="19050" dir="2700000" algn="tl" rotWithShape="0">
+                    <a:schemeClr val="dk1">
+                      <a:alpha val="40000"/>
+                    </a:schemeClr>
+                  </a:outerShdw>
+                </a:effectLst>
+                <a:latin typeface="Arial Black" panose="020B0A04020102020204" pitchFamily="34" charset="0"/>
+              </a:rPr>
+              <a:t>to inherit </a:t>
+            </a:r>
+            <a:r>
+              <a:rPr lang="en-US" sz="4000" dirty="0" smtClean="0">
+                <a:ln w="0"/>
+                <a:effectLst>
+                  <a:outerShdw blurRad="38100" dist="19050" dir="2700000" algn="tl" rotWithShape="0">
+                    <a:schemeClr val="dk1">
+                      <a:alpha val="40000"/>
+                    </a:schemeClr>
+                  </a:outerShdw>
+                </a:effectLst>
+                <a:latin typeface="Arial Black" panose="020B0A04020102020204" pitchFamily="34" charset="0"/>
+              </a:rPr>
+              <a:t>properties from </a:t>
+            </a:r>
+            <a:r>
+              <a:rPr lang="en-US" sz="4000" dirty="0">
+                <a:ln w="0"/>
+                <a:effectLst>
+                  <a:outerShdw blurRad="38100" dist="19050" dir="2700000" algn="tl" rotWithShape="0">
+                    <a:schemeClr val="dk1">
+                      <a:alpha val="40000"/>
+                    </a:schemeClr>
+                  </a:outerShdw>
+                </a:effectLst>
+                <a:latin typeface="Arial Black" panose="020B0A04020102020204" pitchFamily="34" charset="0"/>
+              </a:rPr>
+              <a:t>another class.</a:t>
+            </a:r>
+          </a:p>
+          <a:p>
+            <a:endParaRPr lang="en-US" sz="4000" dirty="0" smtClean="0">
+              <a:ln w="0"/>
+              <a:effectLst>
+                <a:outerShdw blurRad="38100" dist="19050" dir="2700000" algn="tl" rotWithShape="0">
+                  <a:schemeClr val="dk1">
+                    <a:alpha val="40000"/>
+                  </a:schemeClr>
+                </a:outerShdw>
+              </a:effectLst>
+              <a:latin typeface="Arial Black" panose="020B0A04020102020204" pitchFamily="34" charset="0"/>
+            </a:endParaRPr>
+          </a:p>
+          <a:p>
+            <a:r>
+              <a:rPr lang="en-US" sz="4000" dirty="0" smtClean="0">
+                <a:ln w="0"/>
+                <a:effectLst>
+                  <a:outerShdw blurRad="38100" dist="19050" dir="2700000" algn="tl" rotWithShape="0">
+                    <a:schemeClr val="dk1">
+                      <a:alpha val="40000"/>
+                    </a:schemeClr>
+                  </a:outerShdw>
+                </a:effectLst>
+                <a:latin typeface="Arial Black" panose="020B0A04020102020204" pitchFamily="34" charset="0"/>
+              </a:rPr>
+              <a:t>The </a:t>
+            </a:r>
+            <a:r>
+              <a:rPr lang="en-US" sz="4000" dirty="0">
+                <a:ln w="0"/>
+                <a:effectLst>
+                  <a:outerShdw blurRad="38100" dist="19050" dir="2700000" algn="tl" rotWithShape="0">
+                    <a:schemeClr val="dk1">
+                      <a:alpha val="40000"/>
+                    </a:schemeClr>
+                  </a:outerShdw>
+                </a:effectLst>
+                <a:latin typeface="Arial Black" panose="020B0A04020102020204" pitchFamily="34" charset="0"/>
+              </a:rPr>
+              <a:t>technique of </a:t>
+            </a:r>
+            <a:r>
+              <a:rPr lang="en-US" sz="4000" dirty="0" smtClean="0">
+                <a:ln w="0"/>
+                <a:effectLst>
+                  <a:outerShdw blurRad="38100" dist="19050" dir="2700000" algn="tl" rotWithShape="0">
+                    <a:schemeClr val="dk1">
+                      <a:alpha val="40000"/>
+                    </a:schemeClr>
+                  </a:outerShdw>
+                </a:effectLst>
+                <a:latin typeface="Arial Black" panose="020B0A04020102020204" pitchFamily="34" charset="0"/>
+              </a:rPr>
+              <a:t>building new </a:t>
+            </a:r>
+            <a:r>
+              <a:rPr lang="en-US" sz="4000" dirty="0">
+                <a:ln w="0"/>
+                <a:effectLst>
+                  <a:outerShdw blurRad="38100" dist="19050" dir="2700000" algn="tl" rotWithShape="0">
+                    <a:schemeClr val="dk1">
+                      <a:alpha val="40000"/>
+                    </a:schemeClr>
+                  </a:outerShdw>
+                </a:effectLst>
+                <a:latin typeface="Arial Black" panose="020B0A04020102020204" pitchFamily="34" charset="0"/>
+              </a:rPr>
+              <a:t>classes from </a:t>
+            </a:r>
+            <a:r>
+              <a:rPr lang="en-US" sz="4000" dirty="0" smtClean="0">
+                <a:ln w="0"/>
+                <a:effectLst>
+                  <a:outerShdw blurRad="38100" dist="19050" dir="2700000" algn="tl" rotWithShape="0">
+                    <a:schemeClr val="dk1">
+                      <a:alpha val="40000"/>
+                    </a:schemeClr>
+                  </a:outerShdw>
+                </a:effectLst>
+                <a:latin typeface="Arial Black" panose="020B0A04020102020204" pitchFamily="34" charset="0"/>
+              </a:rPr>
+              <a:t>the existing </a:t>
+            </a:r>
+            <a:r>
+              <a:rPr lang="en-US" sz="4000" dirty="0">
+                <a:ln w="0"/>
+                <a:effectLst>
+                  <a:outerShdw blurRad="38100" dist="19050" dir="2700000" algn="tl" rotWithShape="0">
+                    <a:schemeClr val="dk1">
+                      <a:alpha val="40000"/>
+                    </a:schemeClr>
+                  </a:outerShdw>
+                </a:effectLst>
+                <a:latin typeface="Arial Black" panose="020B0A04020102020204" pitchFamily="34" charset="0"/>
+              </a:rPr>
+              <a:t>classes is </a:t>
+            </a:r>
+            <a:r>
+              <a:rPr lang="en-US" sz="4000" dirty="0" smtClean="0">
+                <a:ln w="0"/>
+                <a:effectLst>
+                  <a:outerShdw blurRad="38100" dist="19050" dir="2700000" algn="tl" rotWithShape="0">
+                    <a:schemeClr val="dk1">
+                      <a:alpha val="40000"/>
+                    </a:schemeClr>
+                  </a:outerShdw>
+                </a:effectLst>
+                <a:latin typeface="Arial Black" panose="020B0A04020102020204" pitchFamily="34" charset="0"/>
+              </a:rPr>
+              <a:t>called inheritance</a:t>
+            </a:r>
+            <a:r>
+              <a:rPr lang="en-US" sz="4000" dirty="0">
+                <a:ln w="0"/>
+                <a:effectLst>
+                  <a:outerShdw blurRad="38100" dist="19050" dir="2700000" algn="tl" rotWithShape="0">
+                    <a:schemeClr val="dk1">
+                      <a:alpha val="40000"/>
+                    </a:schemeClr>
+                  </a:outerShdw>
+                </a:effectLst>
+                <a:latin typeface="Arial Black" panose="020B0A04020102020204" pitchFamily="34" charset="0"/>
+              </a:rPr>
+              <a:t>.</a:t>
+            </a:r>
+            <a:endParaRPr lang="en-US" sz="4000" dirty="0">
+              <a:ln w="0"/>
+              <a:effectLst>
+                <a:outerShdw blurRad="38100" dist="19050" dir="2700000" algn="tl" rotWithShape="0">
+                  <a:schemeClr val="dk1">
+                    <a:alpha val="40000"/>
+                  </a:schemeClr>
+                </a:outerShdw>
+              </a:effectLst>
+            </a:endParaRPr>
+          </a:p>
+        </p:txBody>
+      </p:sp>
+      <p:sp>
+        <p:nvSpPr>
+          <p:cNvPr id="7" name="Rectangle 6"/>
+          <p:cNvSpPr/>
+          <p:nvPr/>
+        </p:nvSpPr>
+        <p:spPr>
+          <a:xfrm>
+            <a:off x="1387736" y="803698"/>
+            <a:ext cx="8885816" cy="1107996"/>
+          </a:xfrm>
+          <a:prstGeom prst="rect">
+            <a:avLst/>
+          </a:prstGeom>
+        </p:spPr>
+        <p:txBody>
+          <a:bodyPr wrap="square">
+            <a:spAutoFit/>
+          </a:bodyPr>
+          <a:lstStyle/>
+          <a:p>
+            <a:r>
+              <a:rPr lang="en-US" sz="6600" b="1" dirty="0">
+                <a:ln w="10160">
+                  <a:solidFill>
+                    <a:schemeClr val="accent5"/>
+                  </a:solidFill>
+                  <a:prstDash val="solid"/>
+                </a:ln>
+                <a:solidFill>
+                  <a:srgbClr val="FFFFFF"/>
+                </a:solidFill>
+                <a:effectLst>
+                  <a:outerShdw blurRad="38100" dist="22860" dir="5400000" algn="tl" rotWithShape="0">
+                    <a:srgbClr val="000000">
+                      <a:alpha val="30000"/>
+                    </a:srgbClr>
+                  </a:outerShdw>
+                </a:effectLst>
+              </a:rPr>
+              <a:t>What </a:t>
+            </a:r>
+            <a:r>
+              <a:rPr lang="en-US" sz="6600" b="1" dirty="0" smtClean="0">
+                <a:ln w="10160">
+                  <a:solidFill>
+                    <a:schemeClr val="accent5"/>
+                  </a:solidFill>
+                  <a:prstDash val="solid"/>
+                </a:ln>
+                <a:solidFill>
+                  <a:srgbClr val="FFFFFF"/>
+                </a:solidFill>
+                <a:effectLst>
+                  <a:outerShdw blurRad="38100" dist="22860" dir="5400000" algn="tl" rotWithShape="0">
+                    <a:srgbClr val="000000">
+                      <a:alpha val="30000"/>
+                    </a:srgbClr>
+                  </a:outerShdw>
+                </a:effectLst>
+              </a:rPr>
+              <a:t>is Inheritance</a:t>
+            </a:r>
+            <a:r>
+              <a:rPr lang="en-US" sz="6600" b="1" dirty="0">
+                <a:ln w="10160">
+                  <a:solidFill>
+                    <a:schemeClr val="accent5"/>
+                  </a:solidFill>
+                  <a:prstDash val="solid"/>
+                </a:ln>
+                <a:solidFill>
+                  <a:srgbClr val="FFFFFF"/>
+                </a:solidFill>
+                <a:effectLst>
+                  <a:outerShdw blurRad="38100" dist="22860" dir="5400000" algn="tl" rotWithShape="0">
+                    <a:srgbClr val="000000">
+                      <a:alpha val="30000"/>
+                    </a:srgbClr>
+                  </a:outerShdw>
+                </a:effectLst>
+              </a:rPr>
+              <a:t>?</a:t>
+            </a:r>
+          </a:p>
+        </p:txBody>
+      </p:sp>
+    </p:spTree>
+    <p:extLst>
+      <p:ext uri="{BB962C8B-B14F-4D97-AF65-F5344CB8AC3E}">
+        <p14:creationId xmlns:p14="http://schemas.microsoft.com/office/powerpoint/2010/main" val="1827713235"/>
+      </p:ext>
+    </p:extLst>
+  </p:cSld>
+  <p:clrMapOvr>
+    <a:masterClrMapping/>
+  </p:clrMapOvr>
+  <p:timing>
+    <p:tnLst>
+      <p:par>
+        <p:cTn id="1" dur="indefinite" restart="never" nodeType="tmRoot"/>
+      </p:par>
+    </p:tnLst>
+  </p:timing>
+</p:sld>
+</file>
+
+<file path=ppt/slides/slide3.xml><?xml version="1.0" encoding="utf-8"?>
+<p:sld xmlns:a="http://schemas.openxmlformats.org/drawingml/2006/main" xmlns:r="http://schemas.openxmlformats.org/officeDocument/2006/relationships" xmlns:p="http://schemas.openxmlformats.org/presentationml/2006/main">
+  <p:cSld>
+    <p:spTree>
+      <p:nvGrpSpPr>
+        <p:cNvPr id="1" name=""/>
+        <p:cNvGrpSpPr/>
+        <p:nvPr/>
+      </p:nvGrpSpPr>
+      <p:grpSpPr>
+        <a:xfrm>
+          <a:off x="0" y="0"/>
+          <a:ext cx="0" cy="0"/>
+          <a:chOff x="0" y="0"/>
+          <a:chExt cx="0" cy="0"/>
+        </a:xfrm>
+      </p:grpSpPr>
+      <p:sp>
+        <p:nvSpPr>
+          <p:cNvPr id="2" name="Title 1"/>
+          <p:cNvSpPr>
+            <a:spLocks noGrp="1"/>
+          </p:cNvSpPr>
+          <p:nvPr>
+            <p:ph type="title"/>
+          </p:nvPr>
+        </p:nvSpPr>
+        <p:spPr/>
+        <p:txBody>
+          <a:bodyPr/>
+          <a:lstStyle/>
+          <a:p>
+            <a:pPr algn="ctr"/>
+            <a:r>
+              <a:rPr lang="en-US" sz="5400" dirty="0" smtClean="0">
+                <a:ln>
+                  <a:solidFill>
+                    <a:schemeClr val="accent2">
+                      <a:lumMod val="20000"/>
+                      <a:lumOff val="80000"/>
+                    </a:schemeClr>
+                  </a:solidFill>
+                </a:ln>
+                <a:solidFill>
+                  <a:schemeClr val="bg1"/>
+                </a:solidFill>
+              </a:rPr>
+              <a:t>Base and Derived Class</a:t>
+            </a:r>
+            <a:endParaRPr lang="en-US" sz="5400" dirty="0">
+              <a:ln>
+                <a:solidFill>
+                  <a:schemeClr val="accent2">
+                    <a:lumMod val="20000"/>
+                    <a:lumOff val="80000"/>
+                  </a:schemeClr>
+                </a:solidFill>
+              </a:ln>
+              <a:solidFill>
+                <a:schemeClr val="bg1"/>
+              </a:solidFill>
+            </a:endParaRPr>
+          </a:p>
+        </p:txBody>
+      </p:sp>
+      <p:pic>
+        <p:nvPicPr>
+          <p:cNvPr id="4" name="Content Placeholder 3"/>
+          <p:cNvPicPr>
+            <a:picLocks noGrp="1" noChangeAspect="1"/>
+          </p:cNvPicPr>
+          <p:nvPr>
+            <p:ph idx="1"/>
+          </p:nvPr>
+        </p:nvPicPr>
+        <p:blipFill>
+          <a:blip r:embed="rId2">
             <a:extLst>
-              <a:ext uri="{FF2B5EF4-FFF2-40B4-BE49-F238E27FC236}">
-                <a16:creationId xmlns:a16="http://schemas.microsoft.com/office/drawing/2014/main" id="{30099911-772E-4F3E-92A5-E22BB25CE91E}"/>
+              <a:ext uri="{28A0092B-C50C-407E-A947-70E740481C1C}">
+                <a14:useLocalDpi xmlns:a14="http://schemas.microsoft.com/office/drawing/2010/main" val="0"/>
               </a:ext>
             </a:extLst>
-          </p:cNvPr>
+          </a:blip>
+          <a:stretch>
+            <a:fillRect/>
+          </a:stretch>
+        </p:blipFill>
+        <p:spPr>
+          <a:xfrm>
+            <a:off x="3055172" y="3393008"/>
+            <a:ext cx="5122202" cy="2889458"/>
+          </a:xfrm>
+        </p:spPr>
+      </p:pic>
+      <p:sp>
+        <p:nvSpPr>
+          <p:cNvPr id="5" name="Rectangle 4"/>
+          <p:cNvSpPr/>
+          <p:nvPr/>
+        </p:nvSpPr>
+        <p:spPr>
+          <a:xfrm>
+            <a:off x="8459098" y="3393008"/>
+            <a:ext cx="3535680" cy="2585323"/>
+          </a:xfrm>
+          <a:prstGeom prst="rect">
+            <a:avLst/>
+          </a:prstGeom>
+        </p:spPr>
+        <p:txBody>
+          <a:bodyPr wrap="square">
+            <a:spAutoFit/>
+          </a:bodyPr>
+          <a:lstStyle/>
+          <a:p>
+            <a:r>
+              <a:rPr lang="en-US" dirty="0" smtClean="0">
+                <a:ln w="0"/>
+                <a:effectLst>
+                  <a:outerShdw blurRad="38100" dist="19050" dir="2700000" algn="tl" rotWithShape="0">
+                    <a:schemeClr val="dk1">
+                      <a:alpha val="40000"/>
+                    </a:schemeClr>
+                  </a:outerShdw>
+                </a:effectLst>
+                <a:latin typeface="Arial Black" panose="020B0A04020102020204" pitchFamily="34" charset="0"/>
+              </a:rPr>
+              <a:t>It </a:t>
+            </a:r>
+            <a:r>
+              <a:rPr lang="en-US" dirty="0">
+                <a:ln w="0"/>
+                <a:effectLst>
+                  <a:outerShdw blurRad="38100" dist="19050" dir="2700000" algn="tl" rotWithShape="0">
+                    <a:schemeClr val="dk1">
+                      <a:alpha val="40000"/>
+                    </a:schemeClr>
+                  </a:outerShdw>
+                </a:effectLst>
+                <a:latin typeface="Arial Black" panose="020B0A04020102020204" pitchFamily="34" charset="0"/>
+              </a:rPr>
+              <a:t>is the class that </a:t>
+            </a:r>
+            <a:endParaRPr lang="en-US" dirty="0" smtClean="0">
+              <a:ln w="0"/>
+              <a:effectLst>
+                <a:outerShdw blurRad="38100" dist="19050" dir="2700000" algn="tl" rotWithShape="0">
+                  <a:schemeClr val="dk1">
+                    <a:alpha val="40000"/>
+                  </a:schemeClr>
+                </a:outerShdw>
+              </a:effectLst>
+              <a:latin typeface="Arial Black" panose="020B0A04020102020204" pitchFamily="34" charset="0"/>
+            </a:endParaRPr>
+          </a:p>
+          <a:p>
+            <a:r>
+              <a:rPr lang="en-US" dirty="0" smtClean="0">
+                <a:ln w="0"/>
+                <a:effectLst>
+                  <a:outerShdw blurRad="38100" dist="19050" dir="2700000" algn="tl" rotWithShape="0">
+                    <a:schemeClr val="dk1">
+                      <a:alpha val="40000"/>
+                    </a:schemeClr>
+                  </a:outerShdw>
+                </a:effectLst>
+                <a:latin typeface="Arial Black" panose="020B0A04020102020204" pitchFamily="34" charset="0"/>
+              </a:rPr>
+              <a:t>inherit properties</a:t>
+            </a:r>
+          </a:p>
+          <a:p>
+            <a:r>
+              <a:rPr lang="en-US" dirty="0" smtClean="0">
+                <a:ln w="0"/>
+                <a:effectLst>
+                  <a:outerShdw blurRad="38100" dist="19050" dir="2700000" algn="tl" rotWithShape="0">
+                    <a:schemeClr val="dk1">
+                      <a:alpha val="40000"/>
+                    </a:schemeClr>
+                  </a:outerShdw>
+                </a:effectLst>
+                <a:latin typeface="Arial Black" panose="020B0A04020102020204" pitchFamily="34" charset="0"/>
+              </a:rPr>
+              <a:t>from </a:t>
+            </a:r>
+            <a:r>
+              <a:rPr lang="en-US" dirty="0">
+                <a:ln w="0"/>
+                <a:effectLst>
+                  <a:outerShdw blurRad="38100" dist="19050" dir="2700000" algn="tl" rotWithShape="0">
+                    <a:schemeClr val="dk1">
+                      <a:alpha val="40000"/>
+                    </a:schemeClr>
+                  </a:outerShdw>
+                </a:effectLst>
+                <a:latin typeface="Arial Black" panose="020B0A04020102020204" pitchFamily="34" charset="0"/>
+              </a:rPr>
+              <a:t>base class(</a:t>
+            </a:r>
+            <a:r>
+              <a:rPr lang="en-US" dirty="0" err="1">
+                <a:ln w="0"/>
+                <a:effectLst>
+                  <a:outerShdw blurRad="38100" dist="19050" dir="2700000" algn="tl" rotWithShape="0">
+                    <a:schemeClr val="dk1">
+                      <a:alpha val="40000"/>
+                    </a:schemeClr>
+                  </a:outerShdw>
+                </a:effectLst>
+                <a:latin typeface="Arial Black" panose="020B0A04020102020204" pitchFamily="34" charset="0"/>
+              </a:rPr>
+              <a:t>es</a:t>
+            </a:r>
+            <a:r>
+              <a:rPr lang="en-US" dirty="0">
+                <a:ln w="0"/>
+                <a:effectLst>
+                  <a:outerShdw blurRad="38100" dist="19050" dir="2700000" algn="tl" rotWithShape="0">
+                    <a:schemeClr val="dk1">
+                      <a:alpha val="40000"/>
+                    </a:schemeClr>
+                  </a:outerShdw>
+                </a:effectLst>
+                <a:latin typeface="Arial Black" panose="020B0A04020102020204" pitchFamily="34" charset="0"/>
+              </a:rPr>
+              <a:t>).</a:t>
+            </a:r>
+          </a:p>
+          <a:p>
+            <a:r>
+              <a:rPr lang="en-US" dirty="0" smtClean="0">
+                <a:ln w="0"/>
+                <a:effectLst>
+                  <a:outerShdw blurRad="38100" dist="19050" dir="2700000" algn="tl" rotWithShape="0">
+                    <a:schemeClr val="dk1">
+                      <a:alpha val="40000"/>
+                    </a:schemeClr>
+                  </a:outerShdw>
+                </a:effectLst>
+                <a:latin typeface="Arial Black" panose="020B0A04020102020204" pitchFamily="34" charset="0"/>
+              </a:rPr>
+              <a:t>It </a:t>
+            </a:r>
+            <a:r>
+              <a:rPr lang="en-US" dirty="0">
+                <a:ln w="0"/>
+                <a:effectLst>
+                  <a:outerShdw blurRad="38100" dist="19050" dir="2700000" algn="tl" rotWithShape="0">
+                    <a:schemeClr val="dk1">
+                      <a:alpha val="40000"/>
+                    </a:schemeClr>
+                  </a:outerShdw>
+                </a:effectLst>
+                <a:latin typeface="Arial Black" panose="020B0A04020102020204" pitchFamily="34" charset="0"/>
+              </a:rPr>
+              <a:t>is also called Sub Class.</a:t>
+            </a:r>
+          </a:p>
+          <a:p>
+            <a:r>
+              <a:rPr lang="en-US" dirty="0" smtClean="0">
+                <a:ln w="0"/>
+                <a:effectLst>
+                  <a:outerShdw blurRad="38100" dist="19050" dir="2700000" algn="tl" rotWithShape="0">
+                    <a:schemeClr val="dk1">
+                      <a:alpha val="40000"/>
+                    </a:schemeClr>
+                  </a:outerShdw>
+                </a:effectLst>
+                <a:latin typeface="Arial Black" panose="020B0A04020102020204" pitchFamily="34" charset="0"/>
+              </a:rPr>
+              <a:t>It </a:t>
+            </a:r>
+            <a:r>
+              <a:rPr lang="en-US" dirty="0">
+                <a:ln w="0"/>
+                <a:effectLst>
+                  <a:outerShdw blurRad="38100" dist="19050" dir="2700000" algn="tl" rotWithShape="0">
+                    <a:schemeClr val="dk1">
+                      <a:alpha val="40000"/>
+                    </a:schemeClr>
+                  </a:outerShdw>
+                </a:effectLst>
+                <a:latin typeface="Arial Black" panose="020B0A04020102020204" pitchFamily="34" charset="0"/>
+              </a:rPr>
+              <a:t>inherits all the properties </a:t>
+            </a:r>
+            <a:r>
+              <a:rPr lang="en-US" dirty="0" smtClean="0">
+                <a:ln w="0"/>
+                <a:effectLst>
+                  <a:outerShdw blurRad="38100" dist="19050" dir="2700000" algn="tl" rotWithShape="0">
+                    <a:schemeClr val="dk1">
+                      <a:alpha val="40000"/>
+                    </a:schemeClr>
+                  </a:outerShdw>
+                </a:effectLst>
+                <a:latin typeface="Arial Black" panose="020B0A04020102020204" pitchFamily="34" charset="0"/>
+              </a:rPr>
+              <a:t>of the </a:t>
+            </a:r>
+            <a:r>
+              <a:rPr lang="en-US" dirty="0">
+                <a:ln w="0"/>
+                <a:effectLst>
+                  <a:outerShdw blurRad="38100" dist="19050" dir="2700000" algn="tl" rotWithShape="0">
+                    <a:schemeClr val="dk1">
+                      <a:alpha val="40000"/>
+                    </a:schemeClr>
+                  </a:outerShdw>
+                </a:effectLst>
+                <a:latin typeface="Arial Black" panose="020B0A04020102020204" pitchFamily="34" charset="0"/>
+              </a:rPr>
+              <a:t>base class and can </a:t>
+            </a:r>
+            <a:r>
+              <a:rPr lang="en-US" dirty="0" smtClean="0">
+                <a:ln w="0"/>
+                <a:effectLst>
+                  <a:outerShdw blurRad="38100" dist="19050" dir="2700000" algn="tl" rotWithShape="0">
+                    <a:schemeClr val="dk1">
+                      <a:alpha val="40000"/>
+                    </a:schemeClr>
+                  </a:outerShdw>
+                </a:effectLst>
+                <a:latin typeface="Arial Black" panose="020B0A04020102020204" pitchFamily="34" charset="0"/>
+              </a:rPr>
+              <a:t>add additional </a:t>
+            </a:r>
+            <a:r>
+              <a:rPr lang="en-US" dirty="0">
+                <a:ln w="0"/>
+                <a:effectLst>
+                  <a:outerShdw blurRad="38100" dist="19050" dir="2700000" algn="tl" rotWithShape="0">
+                    <a:schemeClr val="dk1">
+                      <a:alpha val="40000"/>
+                    </a:schemeClr>
+                  </a:outerShdw>
+                </a:effectLst>
+                <a:latin typeface="Arial Black" panose="020B0A04020102020204" pitchFamily="34" charset="0"/>
+              </a:rPr>
+              <a:t>features to </a:t>
+            </a:r>
+            <a:r>
+              <a:rPr lang="en-US" dirty="0" smtClean="0">
+                <a:ln w="0"/>
+                <a:effectLst>
+                  <a:outerShdw blurRad="38100" dist="19050" dir="2700000" algn="tl" rotWithShape="0">
+                    <a:schemeClr val="dk1">
+                      <a:alpha val="40000"/>
+                    </a:schemeClr>
+                  </a:outerShdw>
+                </a:effectLst>
+                <a:latin typeface="Arial Black" panose="020B0A04020102020204" pitchFamily="34" charset="0"/>
+              </a:rPr>
+              <a:t>the derived </a:t>
+            </a:r>
+            <a:r>
+              <a:rPr lang="en-US" dirty="0">
+                <a:ln w="0"/>
+                <a:effectLst>
+                  <a:outerShdw blurRad="38100" dist="19050" dir="2700000" algn="tl" rotWithShape="0">
+                    <a:schemeClr val="dk1">
+                      <a:alpha val="40000"/>
+                    </a:schemeClr>
+                  </a:outerShdw>
+                </a:effectLst>
+                <a:latin typeface="Arial Black" panose="020B0A04020102020204" pitchFamily="34" charset="0"/>
+              </a:rPr>
+              <a:t>class.</a:t>
+            </a:r>
+            <a:endParaRPr lang="en-US" dirty="0">
+              <a:ln w="0"/>
+              <a:effectLst>
+                <a:outerShdw blurRad="38100" dist="19050" dir="2700000" algn="tl" rotWithShape="0">
+                  <a:schemeClr val="dk1">
+                    <a:alpha val="40000"/>
+                  </a:schemeClr>
+                </a:outerShdw>
+              </a:effectLst>
+            </a:endParaRPr>
+          </a:p>
+        </p:txBody>
+      </p:sp>
+      <p:sp>
+        <p:nvSpPr>
+          <p:cNvPr id="6" name="Rectangle 5"/>
+          <p:cNvSpPr/>
+          <p:nvPr/>
+        </p:nvSpPr>
+        <p:spPr>
+          <a:xfrm>
+            <a:off x="498439" y="3393008"/>
+            <a:ext cx="2739614" cy="1754326"/>
+          </a:xfrm>
+          <a:prstGeom prst="rect">
+            <a:avLst/>
+          </a:prstGeom>
+        </p:spPr>
+        <p:txBody>
+          <a:bodyPr wrap="square">
+            <a:spAutoFit/>
+          </a:bodyPr>
+          <a:lstStyle/>
+          <a:p>
+            <a:r>
+              <a:rPr lang="en-US" dirty="0" smtClean="0">
+                <a:ln w="0"/>
+                <a:effectLst>
+                  <a:outerShdw blurRad="38100" dist="19050" dir="2700000" algn="tl" rotWithShape="0">
+                    <a:schemeClr val="dk1">
+                      <a:alpha val="40000"/>
+                    </a:schemeClr>
+                  </a:outerShdw>
+                </a:effectLst>
+                <a:latin typeface="Arial Black" panose="020B0A04020102020204" pitchFamily="34" charset="0"/>
+              </a:rPr>
+              <a:t>It </a:t>
+            </a:r>
+            <a:r>
+              <a:rPr lang="en-US" dirty="0">
+                <a:ln w="0"/>
+                <a:effectLst>
+                  <a:outerShdw blurRad="38100" dist="19050" dir="2700000" algn="tl" rotWithShape="0">
+                    <a:schemeClr val="dk1">
+                      <a:alpha val="40000"/>
+                    </a:schemeClr>
+                  </a:outerShdw>
+                </a:effectLst>
+                <a:latin typeface="Arial Black" panose="020B0A04020102020204" pitchFamily="34" charset="0"/>
+              </a:rPr>
+              <a:t>is the class </a:t>
+            </a:r>
+            <a:endParaRPr lang="en-US" dirty="0" smtClean="0">
+              <a:ln w="0"/>
+              <a:effectLst>
+                <a:outerShdw blurRad="38100" dist="19050" dir="2700000" algn="tl" rotWithShape="0">
+                  <a:schemeClr val="dk1">
+                    <a:alpha val="40000"/>
+                  </a:schemeClr>
+                </a:outerShdw>
+              </a:effectLst>
+              <a:latin typeface="Arial Black" panose="020B0A04020102020204" pitchFamily="34" charset="0"/>
+            </a:endParaRPr>
+          </a:p>
+          <a:p>
+            <a:r>
+              <a:rPr lang="en-US" dirty="0" smtClean="0">
+                <a:ln w="0"/>
+                <a:effectLst>
+                  <a:outerShdw blurRad="38100" dist="19050" dir="2700000" algn="tl" rotWithShape="0">
+                    <a:schemeClr val="dk1">
+                      <a:alpha val="40000"/>
+                    </a:schemeClr>
+                  </a:outerShdw>
+                </a:effectLst>
+                <a:latin typeface="Arial Black" panose="020B0A04020102020204" pitchFamily="34" charset="0"/>
+              </a:rPr>
+              <a:t>whose properties </a:t>
+            </a:r>
+            <a:r>
+              <a:rPr lang="en-US" dirty="0">
+                <a:ln w="0"/>
+                <a:effectLst>
+                  <a:outerShdw blurRad="38100" dist="19050" dir="2700000" algn="tl" rotWithShape="0">
+                    <a:schemeClr val="dk1">
+                      <a:alpha val="40000"/>
+                    </a:schemeClr>
+                  </a:outerShdw>
+                </a:effectLst>
+                <a:latin typeface="Arial Black" panose="020B0A04020102020204" pitchFamily="34" charset="0"/>
+              </a:rPr>
+              <a:t>are </a:t>
+            </a:r>
+            <a:r>
+              <a:rPr lang="en-US" dirty="0" smtClean="0">
+                <a:ln w="0"/>
+                <a:effectLst>
+                  <a:outerShdw blurRad="38100" dist="19050" dir="2700000" algn="tl" rotWithShape="0">
+                    <a:schemeClr val="dk1">
+                      <a:alpha val="40000"/>
+                    </a:schemeClr>
+                  </a:outerShdw>
+                </a:effectLst>
+                <a:latin typeface="Arial Black" panose="020B0A04020102020204" pitchFamily="34" charset="0"/>
+              </a:rPr>
+              <a:t>inherited by </a:t>
+            </a:r>
+          </a:p>
+          <a:p>
+            <a:r>
+              <a:rPr lang="en-US" dirty="0" smtClean="0">
+                <a:ln w="0"/>
+                <a:effectLst>
+                  <a:outerShdw blurRad="38100" dist="19050" dir="2700000" algn="tl" rotWithShape="0">
+                    <a:schemeClr val="dk1">
+                      <a:alpha val="40000"/>
+                    </a:schemeClr>
+                  </a:outerShdw>
+                </a:effectLst>
+                <a:latin typeface="Arial Black" panose="020B0A04020102020204" pitchFamily="34" charset="0"/>
+              </a:rPr>
+              <a:t>another </a:t>
+            </a:r>
+            <a:r>
+              <a:rPr lang="en-US" dirty="0">
+                <a:ln w="0"/>
+                <a:effectLst>
+                  <a:outerShdw blurRad="38100" dist="19050" dir="2700000" algn="tl" rotWithShape="0">
+                    <a:schemeClr val="dk1">
+                      <a:alpha val="40000"/>
+                    </a:schemeClr>
+                  </a:outerShdw>
+                </a:effectLst>
+                <a:latin typeface="Arial Black" panose="020B0A04020102020204" pitchFamily="34" charset="0"/>
+              </a:rPr>
+              <a:t>class.</a:t>
+            </a:r>
+          </a:p>
+          <a:p>
+            <a:r>
+              <a:rPr lang="en-US" dirty="0" smtClean="0">
+                <a:ln w="0"/>
+                <a:effectLst>
+                  <a:outerShdw blurRad="38100" dist="19050" dir="2700000" algn="tl" rotWithShape="0">
+                    <a:schemeClr val="dk1">
+                      <a:alpha val="40000"/>
+                    </a:schemeClr>
+                  </a:outerShdw>
+                </a:effectLst>
+                <a:latin typeface="Arial Black" panose="020B0A04020102020204" pitchFamily="34" charset="0"/>
+              </a:rPr>
+              <a:t>It </a:t>
+            </a:r>
+            <a:r>
+              <a:rPr lang="en-US" dirty="0">
+                <a:ln w="0"/>
+                <a:effectLst>
+                  <a:outerShdw blurRad="38100" dist="19050" dir="2700000" algn="tl" rotWithShape="0">
+                    <a:schemeClr val="dk1">
+                      <a:alpha val="40000"/>
+                    </a:schemeClr>
+                  </a:outerShdw>
+                </a:effectLst>
+                <a:latin typeface="Arial Black" panose="020B0A04020102020204" pitchFamily="34" charset="0"/>
+              </a:rPr>
+              <a:t>is also called </a:t>
+            </a:r>
+            <a:endParaRPr lang="en-US" dirty="0" smtClean="0">
+              <a:ln w="0"/>
+              <a:effectLst>
+                <a:outerShdw blurRad="38100" dist="19050" dir="2700000" algn="tl" rotWithShape="0">
+                  <a:schemeClr val="dk1">
+                    <a:alpha val="40000"/>
+                  </a:schemeClr>
+                </a:outerShdw>
+              </a:effectLst>
+              <a:latin typeface="Arial Black" panose="020B0A04020102020204" pitchFamily="34" charset="0"/>
+            </a:endParaRPr>
+          </a:p>
+          <a:p>
+            <a:r>
+              <a:rPr lang="en-US" dirty="0" smtClean="0">
+                <a:ln w="0"/>
+                <a:effectLst>
+                  <a:outerShdw blurRad="38100" dist="19050" dir="2700000" algn="tl" rotWithShape="0">
+                    <a:schemeClr val="dk1">
+                      <a:alpha val="40000"/>
+                    </a:schemeClr>
+                  </a:outerShdw>
+                </a:effectLst>
+                <a:latin typeface="Arial Black" panose="020B0A04020102020204" pitchFamily="34" charset="0"/>
+              </a:rPr>
+              <a:t>Super Class</a:t>
+            </a:r>
+            <a:r>
+              <a:rPr lang="en-US" dirty="0">
+                <a:ln w="0"/>
+                <a:effectLst>
+                  <a:outerShdw blurRad="38100" dist="19050" dir="2700000" algn="tl" rotWithShape="0">
+                    <a:schemeClr val="dk1">
+                      <a:alpha val="40000"/>
+                    </a:schemeClr>
+                  </a:outerShdw>
+                </a:effectLst>
+                <a:latin typeface="Arial Black" panose="020B0A04020102020204" pitchFamily="34" charset="0"/>
+              </a:rPr>
+              <a:t>.</a:t>
+            </a:r>
+            <a:endParaRPr lang="en-US" dirty="0">
+              <a:ln w="0"/>
+              <a:effectLst>
+                <a:outerShdw blurRad="38100" dist="19050" dir="2700000" algn="tl" rotWithShape="0">
+                  <a:schemeClr val="dk1">
+                    <a:alpha val="40000"/>
+                  </a:schemeClr>
+                </a:outerShdw>
+              </a:effectLst>
+            </a:endParaRPr>
+          </a:p>
+        </p:txBody>
+      </p:sp>
+    </p:spTree>
+    <p:extLst>
+      <p:ext uri="{BB962C8B-B14F-4D97-AF65-F5344CB8AC3E}">
+        <p14:creationId xmlns:p14="http://schemas.microsoft.com/office/powerpoint/2010/main" val="1879720431"/>
+      </p:ext>
+    </p:extLst>
+  </p:cSld>
+  <p:clrMapOvr>
+    <a:masterClrMapping/>
+  </p:clrMapOvr>
+  <p:timing>
+    <p:tnLst>
+      <p:par>
+        <p:cTn id="1" dur="indefinite" restart="never" nodeType="tmRoot"/>
+      </p:par>
+    </p:tnLst>
+  </p:timing>
+</p:sld>
+</file>
+
+<file path=ppt/slides/slide4.xml><?xml version="1.0" encoding="utf-8"?>
+<p:sld xmlns:a="http://schemas.openxmlformats.org/drawingml/2006/main" xmlns:r="http://schemas.openxmlformats.org/officeDocument/2006/relationships" xmlns:p="http://schemas.openxmlformats.org/presentationml/2006/main">
+  <p:cSld>
+    <p:spTree>
+      <p:nvGrpSpPr>
+        <p:cNvPr id="1" name=""/>
+        <p:cNvGrpSpPr/>
+        <p:nvPr/>
+      </p:nvGrpSpPr>
+      <p:grpSpPr>
+        <a:xfrm>
+          <a:off x="0" y="0"/>
+          <a:ext cx="0" cy="0"/>
+          <a:chOff x="0" y="0"/>
+          <a:chExt cx="0" cy="0"/>
+        </a:xfrm>
+      </p:grpSpPr>
+      <p:sp>
+        <p:nvSpPr>
+          <p:cNvPr id="3" name="Content Placeholder 2"/>
+          <p:cNvSpPr>
+            <a:spLocks noGrp="1"/>
+          </p:cNvSpPr>
+          <p:nvPr>
+            <p:ph idx="1"/>
+          </p:nvPr>
+        </p:nvSpPr>
+        <p:spPr/>
+        <p:txBody>
+          <a:bodyPr>
+            <a:normAutofit/>
+          </a:bodyPr>
+          <a:lstStyle/>
+          <a:p>
+            <a:pPr marL="0" indent="0">
+              <a:buNone/>
+            </a:pPr>
+            <a:r>
+              <a:rPr lang="en-US" sz="3200" b="1" dirty="0"/>
+              <a:t>1. SINGLE INHERITANCE</a:t>
+            </a:r>
+          </a:p>
+          <a:p>
+            <a:pPr marL="0" indent="0">
+              <a:buNone/>
+            </a:pPr>
+            <a:r>
+              <a:rPr lang="en-US" sz="3200" b="1" dirty="0"/>
+              <a:t>2. MULTIPLE INHERITANCE</a:t>
+            </a:r>
+          </a:p>
+          <a:p>
+            <a:pPr marL="0" indent="0">
+              <a:buNone/>
+            </a:pPr>
+            <a:r>
+              <a:rPr lang="en-US" sz="3200" b="1" dirty="0"/>
+              <a:t>3. HIERARCHICAL INHERITANCE</a:t>
+            </a:r>
+          </a:p>
+          <a:p>
+            <a:pPr marL="0" indent="0">
+              <a:buNone/>
+            </a:pPr>
+            <a:r>
+              <a:rPr lang="en-US" sz="3200" b="1" dirty="0"/>
+              <a:t>4. MULTILEVEL INHERITANCE</a:t>
+            </a:r>
+          </a:p>
+          <a:p>
+            <a:pPr marL="0" indent="0">
+              <a:buNone/>
+            </a:pPr>
+            <a:r>
+              <a:rPr lang="en-US" sz="3200" b="1" dirty="0"/>
+              <a:t>5. HYBRID INHERITANCE</a:t>
+            </a:r>
+            <a:endParaRPr lang="en-US" sz="3200" dirty="0"/>
+          </a:p>
+        </p:txBody>
+      </p:sp>
+      <p:sp>
+        <p:nvSpPr>
+          <p:cNvPr id="5" name="Title 1"/>
           <p:cNvSpPr txBox="1">
             <a:spLocks/>
           </p:cNvSpPr>
@@ -13616,7 +14480,7 @@
         </p:nvSpPr>
         <p:spPr bwMode="gray">
           <a:xfrm>
-            <a:off x="1024069" y="461121"/>
+            <a:off x="1328869" y="964704"/>
             <a:ext cx="8761413" cy="706964"/>
           </a:xfrm>
           <a:prstGeom prst="rect">
@@ -13700,129 +14564,60 @@
             </a:lvl9pPr>
           </a:lstStyle>
           <a:p>
-            <a:r>
-              <a:rPr lang="en-US" sz="5400" dirty="0">
-                <a:ln w="0"/>
+            <a:pPr algn="ctr"/>
+            <a:r>
+              <a:rPr lang="en-US" sz="5400" dirty="0" smtClean="0">
+                <a:ln>
+                  <a:solidFill>
+                    <a:schemeClr val="accent2">
+                      <a:lumMod val="20000"/>
+                      <a:lumOff val="80000"/>
+                    </a:schemeClr>
+                  </a:solidFill>
+                </a:ln>
                 <a:solidFill>
-                  <a:schemeClr val="tx1"/>
+                  <a:schemeClr val="bg1"/>
                 </a:solidFill>
-                <a:effectLst>
-                  <a:outerShdw blurRad="38100" dist="19050" dir="2700000" algn="tl" rotWithShape="0">
-                    <a:schemeClr val="dk1">
-                      <a:alpha val="40000"/>
-                    </a:schemeClr>
-                  </a:outerShdw>
-                </a:effectLst>
               </a:rPr>
-              <a:t>5. HYBRID INHERITANCE</a:t>
-            </a:r>
+              <a:t>Types of Inheritance</a:t>
+            </a:r>
+            <a:endParaRPr lang="en-US" sz="5400" dirty="0">
+              <a:ln>
+                <a:solidFill>
+                  <a:schemeClr val="accent2">
+                    <a:lumMod val="20000"/>
+                    <a:lumOff val="80000"/>
+                  </a:schemeClr>
+                </a:solidFill>
+              </a:ln>
+              <a:solidFill>
+                <a:schemeClr val="bg1"/>
+              </a:solidFill>
+            </a:endParaRPr>
           </a:p>
         </p:txBody>
       </p:sp>
-      <p:sp>
-        <p:nvSpPr>
-          <p:cNvPr id="3" name="Rectangle 2">
-            <a:extLst>
-              <a:ext uri="{FF2B5EF4-FFF2-40B4-BE49-F238E27FC236}">
-                <a16:creationId xmlns:a16="http://schemas.microsoft.com/office/drawing/2014/main" id="{44ED3F58-8C95-489D-ABE1-DF8CE3FB904B}"/>
-              </a:ext>
-            </a:extLst>
-          </p:cNvPr>
-          <p:cNvSpPr/>
-          <p:nvPr/>
-        </p:nvSpPr>
-        <p:spPr>
-          <a:xfrm>
-            <a:off x="5497541" y="1669919"/>
-            <a:ext cx="6096000" cy="3970318"/>
-          </a:xfrm>
-          <a:prstGeom prst="rect">
-            <a:avLst/>
-          </a:prstGeom>
-        </p:spPr>
-        <p:txBody>
-          <a:bodyPr>
-            <a:spAutoFit/>
-          </a:bodyPr>
-          <a:lstStyle/>
-          <a:p>
-            <a:pPr marL="457200" indent="-457200">
-              <a:buFont typeface="Wingdings" panose="05000000000000000000" pitchFamily="2" charset="2"/>
-              <a:buChar char="Ø"/>
-            </a:pPr>
-            <a:r>
-              <a:rPr lang="en-IN" sz="2800" dirty="0"/>
-              <a:t>It is a mix of two or more of the above types of inheritance. Since java doesn’t support multiple inheritance with classes, the hybrid inheritance is also not possible with classes. </a:t>
-            </a:r>
-          </a:p>
-          <a:p>
-            <a:pPr marL="457200" indent="-457200">
-              <a:buFont typeface="Wingdings" panose="05000000000000000000" pitchFamily="2" charset="2"/>
-              <a:buChar char="Ø"/>
-            </a:pPr>
-            <a:r>
-              <a:rPr lang="en-IN" sz="2800" dirty="0"/>
-              <a:t>In java, we can achieve hybrid inheritance only through Interfaces.</a:t>
-            </a:r>
-          </a:p>
-        </p:txBody>
-      </p:sp>
-      <p:pic>
-        <p:nvPicPr>
-          <p:cNvPr id="5" name="Picture 4">
-            <a:extLst>
-              <a:ext uri="{FF2B5EF4-FFF2-40B4-BE49-F238E27FC236}">
-                <a16:creationId xmlns:a16="http://schemas.microsoft.com/office/drawing/2014/main" id="{F56C38EE-44FD-44F8-AA3B-88171E5AC90A}"/>
-              </a:ext>
-            </a:extLst>
-          </p:cNvPr>
-          <p:cNvPicPr>
-            <a:picLocks noChangeAspect="1"/>
-          </p:cNvPicPr>
-          <p:nvPr/>
-        </p:nvPicPr>
-        <p:blipFill>
-          <a:blip r:embed="rId2"/>
-          <a:stretch>
-            <a:fillRect/>
-          </a:stretch>
-        </p:blipFill>
-        <p:spPr>
-          <a:xfrm>
-            <a:off x="1024069" y="1669919"/>
-            <a:ext cx="3715268" cy="4240551"/>
-          </a:xfrm>
-          <a:prstGeom prst="rect">
-            <a:avLst/>
-          </a:prstGeom>
-        </p:spPr>
-      </p:pic>
     </p:spTree>
     <p:extLst>
       <p:ext uri="{BB962C8B-B14F-4D97-AF65-F5344CB8AC3E}">
-        <p14:creationId xmlns:p14="http://schemas.microsoft.com/office/powerpoint/2010/main" val="2969237624"/>
+        <p14:creationId xmlns:p14="http://schemas.microsoft.com/office/powerpoint/2010/main" val="3662003617"/>
       </p:ext>
     </p:extLst>
   </p:cSld>
   <p:clrMapOvr>
     <a:masterClrMapping/>
   </p:clrMapOvr>
-  <mc:AlternateContent xmlns:mc="http://schemas.openxmlformats.org/markup-compatibility/2006">
-    <mc:Choice xmlns:p15="http://schemas.microsoft.com/office/powerpoint/2012/main" Requires="p15">
-      <p:transition xmlns:p14="http://schemas.microsoft.com/office/powerpoint/2010/main" spd="slow" p14:dur="1250">
-        <p15:prstTrans prst="pageCurlDouble"/>
-      </p:transition>
-    </mc:Choice>
-    <mc:Fallback>
-      <p:transition spd="slow">
-        <p:fade/>
-      </p:transition>
-    </mc:Fallback>
-  </mc:AlternateContent>
+  <p:timing>
+    <p:tnLst>
+      <p:par>
+        <p:cTn id="1" dur="indefinite" restart="never" nodeType="tmRoot"/>
+      </p:par>
+    </p:tnLst>
+  </p:timing>
 </p:sld>
 </file>
 
-<file path=ppt/slides/slide11.xml><?xml version="1.0" encoding="utf-8"?>
+<file path=ppt/slides/slide5.xml><?xml version="1.0" encoding="utf-8"?>
 <p:sld xmlns:a="http://schemas.openxmlformats.org/drawingml/2006/main" xmlns:r="http://schemas.openxmlformats.org/officeDocument/2006/relationships" xmlns:p="http://schemas.openxmlformats.org/presentationml/2006/main">
   <p:cSld>
     <p:spTree>
@@ -13841,21 +14636,151 @@
       </p:grpSpPr>
       <p:sp>
         <p:nvSpPr>
-          <p:cNvPr id="3" name="Title 1">
+          <p:cNvPr id="2" name="Rectangle 1"/>
+          <p:cNvSpPr/>
+          <p:nvPr/>
+        </p:nvSpPr>
+        <p:spPr>
+          <a:xfrm>
+            <a:off x="4206240" y="1980688"/>
+            <a:ext cx="6927925" cy="3785652"/>
+          </a:xfrm>
+          <a:prstGeom prst="rect">
+            <a:avLst/>
+          </a:prstGeom>
+        </p:spPr>
+        <p:txBody>
+          <a:bodyPr wrap="square">
+            <a:spAutoFit/>
+          </a:bodyPr>
+          <a:lstStyle/>
+          <a:p>
+            <a:endParaRPr lang="en-US" sz="2400" dirty="0" smtClean="0">
+              <a:latin typeface="Roboto"/>
+            </a:endParaRPr>
+          </a:p>
+          <a:p>
+            <a:pPr marL="571500" indent="-571500">
+              <a:buFont typeface="Wingdings" panose="05000000000000000000" pitchFamily="2" charset="2"/>
+              <a:buChar char="Ø"/>
+            </a:pPr>
+            <a:r>
+              <a:rPr lang="en-US" sz="3600" dirty="0" smtClean="0">
+                <a:latin typeface="Roboto"/>
+              </a:rPr>
+              <a:t>In Single Inheritance</a:t>
+            </a:r>
+            <a:r>
+              <a:rPr lang="en-US" sz="3600" dirty="0">
+                <a:latin typeface="Roboto"/>
+              </a:rPr>
+              <a:t>, subclasses inherit </a:t>
+            </a:r>
+            <a:r>
+              <a:rPr lang="en-US" sz="3600" dirty="0" smtClean="0">
+                <a:latin typeface="Roboto"/>
+              </a:rPr>
+              <a:t>the </a:t>
+            </a:r>
+            <a:r>
+              <a:rPr lang="en-US" sz="3600" dirty="0">
+                <a:latin typeface="Roboto"/>
+              </a:rPr>
+              <a:t>features of </a:t>
+            </a:r>
+            <a:r>
+              <a:rPr lang="en-US" sz="3600" dirty="0" smtClean="0">
+                <a:latin typeface="Roboto"/>
+              </a:rPr>
+              <a:t>one superclass</a:t>
+            </a:r>
+            <a:r>
+              <a:rPr lang="en-US" sz="3600" dirty="0">
+                <a:latin typeface="Roboto"/>
+              </a:rPr>
+              <a:t>. </a:t>
+            </a:r>
+          </a:p>
+          <a:p>
+            <a:pPr marL="571500" indent="-571500">
+              <a:buFont typeface="Wingdings" panose="05000000000000000000" pitchFamily="2" charset="2"/>
+              <a:buChar char="Ø"/>
+            </a:pPr>
+            <a:r>
+              <a:rPr lang="en-US" sz="3600" dirty="0" smtClean="0">
+                <a:latin typeface="Roboto"/>
+              </a:rPr>
+              <a:t>In </a:t>
+            </a:r>
+            <a:r>
+              <a:rPr lang="en-US" sz="3600" dirty="0">
+                <a:latin typeface="Roboto"/>
+              </a:rPr>
+              <a:t>image below, the class A </a:t>
+            </a:r>
+            <a:r>
+              <a:rPr lang="en-US" sz="3600" dirty="0" smtClean="0">
+                <a:latin typeface="Roboto"/>
+              </a:rPr>
+              <a:t>serves as </a:t>
+            </a:r>
+            <a:r>
+              <a:rPr lang="en-US" sz="3600" dirty="0">
+                <a:latin typeface="Roboto"/>
+              </a:rPr>
+              <a:t>a base class for the derived class B</a:t>
+            </a:r>
+            <a:r>
+              <a:rPr lang="en-US" sz="2400" dirty="0">
+                <a:latin typeface="Roboto"/>
+              </a:rPr>
+              <a:t>.</a:t>
+            </a:r>
+            <a:endParaRPr lang="en-US" sz="2400" dirty="0"/>
+          </a:p>
+        </p:txBody>
+      </p:sp>
+      <p:pic>
+        <p:nvPicPr>
+          <p:cNvPr id="3" name="Picture 2"/>
+          <p:cNvPicPr>
+            <a:picLocks noChangeAspect="1"/>
+          </p:cNvPicPr>
+          <p:nvPr/>
+        </p:nvPicPr>
+        <p:blipFill>
+          <a:blip r:embed="rId2">
             <a:extLst>
-              <a:ext uri="{FF2B5EF4-FFF2-40B4-BE49-F238E27FC236}">
-                <a16:creationId xmlns:a16="http://schemas.microsoft.com/office/drawing/2014/main" id="{150B6D54-69EC-4D9E-B6DB-86317B134131}"/>
+              <a:ext uri="{28A0092B-C50C-407E-A947-70E740481C1C}">
+                <a14:useLocalDpi xmlns:a14="http://schemas.microsoft.com/office/drawing/2010/main" val="0"/>
               </a:ext>
             </a:extLst>
-          </p:cNvPr>
+          </a:blip>
+          <a:stretch>
+            <a:fillRect/>
+          </a:stretch>
+        </p:blipFill>
+        <p:spPr>
+          <a:xfrm>
+            <a:off x="821225" y="2099200"/>
+            <a:ext cx="3019255" cy="3667140"/>
+          </a:xfrm>
+          <a:prstGeom prst="rect">
+            <a:avLst/>
+          </a:prstGeom>
+        </p:spPr>
+      </p:pic>
+      <p:sp>
+        <p:nvSpPr>
+          <p:cNvPr id="7" name="Title 1"/>
           <p:cNvSpPr txBox="1">
             <a:spLocks/>
           </p:cNvSpPr>
           <p:nvPr/>
         </p:nvSpPr>
-        <p:spPr bwMode="gray">
+        <p:spPr>
           <a:xfrm>
-            <a:off x="1024069" y="461121"/>
+            <a:off x="976601" y="516578"/>
             <a:ext cx="8761413" cy="706964"/>
           </a:xfrm>
           <a:prstGeom prst="rect">
@@ -13863,9 +14788,7 @@
           </a:prstGeom>
         </p:spPr>
         <p:txBody>
-          <a:bodyPr vert="horz" lIns="91440" tIns="45720" rIns="91440" bIns="45720" rtlCol="0" anchor="ctr">
-            <a:noAutofit/>
-          </a:bodyPr>
+          <a:bodyPr/>
           <a:lstStyle>
             <a:lvl1pPr algn="l" defTabSz="457200" rtl="0" eaLnBrk="1" latinLnBrk="0" hangingPunct="1">
               <a:spcBef>
@@ -13953,180 +14876,13 @@
                   </a:outerShdw>
                 </a:effectLst>
               </a:rPr>
-              <a:t>Lets Recall..</a:t>
-            </a:r>
-          </a:p>
-        </p:txBody>
-      </p:sp>
-      <p:sp>
-        <p:nvSpPr>
-          <p:cNvPr id="5" name="Rectangle 4">
-            <a:extLst>
-              <a:ext uri="{FF2B5EF4-FFF2-40B4-BE49-F238E27FC236}">
-                <a16:creationId xmlns:a16="http://schemas.microsoft.com/office/drawing/2014/main" id="{CA807AE0-6F8E-4FFB-AA98-5EE27DA06CBC}"/>
-              </a:ext>
-            </a:extLst>
-          </p:cNvPr>
-          <p:cNvSpPr/>
-          <p:nvPr/>
-        </p:nvSpPr>
-        <p:spPr>
-          <a:xfrm>
-            <a:off x="732521" y="1793871"/>
-            <a:ext cx="8229600" cy="3970318"/>
-          </a:xfrm>
-          <a:prstGeom prst="rect">
-            <a:avLst/>
-          </a:prstGeom>
-        </p:spPr>
-        <p:txBody>
-          <a:bodyPr wrap="square">
-            <a:spAutoFit/>
-          </a:bodyPr>
-          <a:lstStyle/>
-          <a:p>
-            <a:pPr marL="457200" indent="-457200">
-              <a:buFont typeface="Wingdings" panose="05000000000000000000" pitchFamily="2" charset="2"/>
-              <a:buChar char="q"/>
-            </a:pPr>
-            <a:r>
-              <a:rPr lang="en-US" sz="2800" dirty="0">
-                <a:ln w="0"/>
-                <a:effectLst>
-                  <a:outerShdw blurRad="38100" dist="19050" dir="2700000" algn="tl" rotWithShape="0">
-                    <a:schemeClr val="dk1">
-                      <a:alpha val="40000"/>
-                    </a:schemeClr>
-                  </a:outerShdw>
-                </a:effectLst>
-                <a:latin typeface="Roboto"/>
-              </a:rPr>
-              <a:t>Inheritance is the capability of one class to inherit properties from another class.</a:t>
-            </a:r>
-          </a:p>
-          <a:p>
-            <a:pPr marL="457200" indent="-457200">
-              <a:buFont typeface="Wingdings" panose="05000000000000000000" pitchFamily="2" charset="2"/>
-              <a:buChar char="q"/>
-            </a:pPr>
-            <a:r>
-              <a:rPr lang="en-US" sz="2800" dirty="0">
-                <a:ln w="0"/>
-                <a:effectLst>
-                  <a:outerShdw blurRad="38100" dist="19050" dir="2700000" algn="tl" rotWithShape="0">
-                    <a:schemeClr val="dk1">
-                      <a:alpha val="40000"/>
-                    </a:schemeClr>
-                  </a:outerShdw>
-                </a:effectLst>
-                <a:latin typeface="Roboto"/>
-              </a:rPr>
-              <a:t>Types of Inheritance</a:t>
-            </a:r>
-          </a:p>
-          <a:p>
-            <a:pPr marL="2286000" lvl="4" indent="-457200">
-              <a:buFont typeface="Courier New" panose="02070309020205020404" pitchFamily="49" charset="0"/>
-              <a:buChar char="o"/>
-            </a:pPr>
-            <a:r>
-              <a:rPr lang="en-US" sz="2800" dirty="0">
-                <a:ln w="0"/>
-                <a:effectLst>
-                  <a:outerShdw blurRad="38100" dist="19050" dir="2700000" algn="tl" rotWithShape="0">
-                    <a:schemeClr val="dk1">
-                      <a:alpha val="40000"/>
-                    </a:schemeClr>
-                  </a:outerShdw>
-                </a:effectLst>
-                <a:latin typeface="Roboto"/>
-              </a:rPr>
-              <a:t>Single Inheritance</a:t>
-            </a:r>
-          </a:p>
-          <a:p>
-            <a:pPr marL="2286000" lvl="4" indent="-457200">
-              <a:buFont typeface="Courier New" panose="02070309020205020404" pitchFamily="49" charset="0"/>
-              <a:buChar char="o"/>
-            </a:pPr>
-            <a:r>
-              <a:rPr lang="en-US" sz="2800" dirty="0">
-                <a:ln w="0"/>
-                <a:effectLst>
-                  <a:outerShdw blurRad="38100" dist="19050" dir="2700000" algn="tl" rotWithShape="0">
-                    <a:schemeClr val="dk1">
-                      <a:alpha val="40000"/>
-                    </a:schemeClr>
-                  </a:outerShdw>
-                </a:effectLst>
-                <a:latin typeface="Roboto"/>
-              </a:rPr>
-              <a:t>Multiple Inheritance</a:t>
-            </a:r>
-          </a:p>
-          <a:p>
-            <a:pPr marL="2286000" lvl="4" indent="-457200">
-              <a:buFont typeface="Courier New" panose="02070309020205020404" pitchFamily="49" charset="0"/>
-              <a:buChar char="o"/>
-            </a:pPr>
-            <a:r>
-              <a:rPr lang="en-US" sz="2800" dirty="0">
-                <a:ln w="0"/>
-                <a:effectLst>
-                  <a:outerShdw blurRad="38100" dist="19050" dir="2700000" algn="tl" rotWithShape="0">
-                    <a:schemeClr val="dk1">
-                      <a:alpha val="40000"/>
-                    </a:schemeClr>
-                  </a:outerShdw>
-                </a:effectLst>
-                <a:latin typeface="Roboto"/>
-              </a:rPr>
-              <a:t>Multilevel Inheritance</a:t>
-            </a:r>
-          </a:p>
-          <a:p>
-            <a:pPr marL="2286000" lvl="4" indent="-457200">
-              <a:buFont typeface="Courier New" panose="02070309020205020404" pitchFamily="49" charset="0"/>
-              <a:buChar char="o"/>
-            </a:pPr>
-            <a:r>
-              <a:rPr lang="en-US" sz="2800" dirty="0">
-                <a:ln w="0"/>
-                <a:effectLst>
-                  <a:outerShdw blurRad="38100" dist="19050" dir="2700000" algn="tl" rotWithShape="0">
-                    <a:schemeClr val="dk1">
-                      <a:alpha val="40000"/>
-                    </a:schemeClr>
-                  </a:outerShdw>
-                </a:effectLst>
-                <a:latin typeface="Roboto"/>
-              </a:rPr>
-              <a:t>Hierarchal Inheritance</a:t>
-            </a:r>
-          </a:p>
-          <a:p>
-            <a:pPr marL="2286000" lvl="4" indent="-457200">
-              <a:buFont typeface="Courier New" panose="02070309020205020404" pitchFamily="49" charset="0"/>
-              <a:buChar char="o"/>
-            </a:pPr>
-            <a:r>
-              <a:rPr lang="en-US" sz="2800" dirty="0">
-                <a:ln w="0"/>
-                <a:effectLst>
-                  <a:outerShdw blurRad="38100" dist="19050" dir="2700000" algn="tl" rotWithShape="0">
-                    <a:schemeClr val="dk1">
-                      <a:alpha val="40000"/>
-                    </a:schemeClr>
-                  </a:outerShdw>
-                </a:effectLst>
-                <a:latin typeface="Roboto"/>
-              </a:rPr>
-              <a:t>Hybrid Inheritance</a:t>
-            </a:r>
-          </a:p>
-          <a:p>
-            <a:endParaRPr lang="en-US" sz="2800" dirty="0">
+              <a:t>1. SINGLE INHERITANCE</a:t>
+            </a:r>
+            <a:endParaRPr lang="en-US" sz="5400" dirty="0">
               <a:ln w="0"/>
+              <a:solidFill>
+                <a:schemeClr val="tx1"/>
+              </a:solidFill>
               <a:effectLst>
                 <a:outerShdw blurRad="38100" dist="19050" dir="2700000" algn="tl" rotWithShape="0">
                   <a:schemeClr val="dk1">
@@ -14134,66 +14890,31 @@
                   </a:schemeClr>
                 </a:outerShdw>
               </a:effectLst>
-              <a:latin typeface="Roboto"/>
             </a:endParaRPr>
           </a:p>
         </p:txBody>
       </p:sp>
-      <p:pic>
-        <p:nvPicPr>
-          <p:cNvPr id="7" name="Picture 6">
-            <a:extLst>
-              <a:ext uri="{FF2B5EF4-FFF2-40B4-BE49-F238E27FC236}">
-                <a16:creationId xmlns:a16="http://schemas.microsoft.com/office/drawing/2014/main" id="{B503F32D-5D15-4E4C-9923-D9545DC1D1EA}"/>
-              </a:ext>
-            </a:extLst>
-          </p:cNvPr>
-          <p:cNvPicPr>
-            <a:picLocks noChangeAspect="1"/>
-          </p:cNvPicPr>
-          <p:nvPr/>
-        </p:nvPicPr>
-        <p:blipFill rotWithShape="1">
-          <a:blip r:embed="rId2"/>
-          <a:srcRect b="11731"/>
-          <a:stretch/>
-        </p:blipFill>
-        <p:spPr>
-          <a:xfrm>
-            <a:off x="7680895" y="2485444"/>
-            <a:ext cx="3676219" cy="3504539"/>
-          </a:xfrm>
-          <a:prstGeom prst="rect">
-            <a:avLst/>
-          </a:prstGeom>
-        </p:spPr>
-      </p:pic>
     </p:spTree>
     <p:extLst>
       <p:ext uri="{BB962C8B-B14F-4D97-AF65-F5344CB8AC3E}">
-        <p14:creationId xmlns:p14="http://schemas.microsoft.com/office/powerpoint/2010/main" val="3560609159"/>
+        <p14:creationId xmlns:p14="http://schemas.microsoft.com/office/powerpoint/2010/main" val="1837765177"/>
       </p:ext>
     </p:extLst>
   </p:cSld>
   <p:clrMapOvr>
     <a:masterClrMapping/>
   </p:clrMapOvr>
-  <mc:AlternateContent xmlns:mc="http://schemas.openxmlformats.org/markup-compatibility/2006">
-    <mc:Choice xmlns:p15="http://schemas.microsoft.com/office/powerpoint/2012/main" Requires="p15">
-      <p:transition xmlns:p14="http://schemas.microsoft.com/office/powerpoint/2010/main" spd="slow" p14:dur="1250">
-        <p15:prstTrans prst="pageCurlDouble"/>
-      </p:transition>
-    </mc:Choice>
-    <mc:Fallback>
-      <p:transition spd="slow">
-        <p:fade/>
-      </p:transition>
-    </mc:Fallback>
-  </mc:AlternateContent>
+  <p:timing>
+    <p:tnLst>
+      <p:par>
+        <p:cTn id="1" dur="indefinite" restart="never" nodeType="tmRoot"/>
+      </p:par>
+    </p:tnLst>
+  </p:timing>
 </p:sld>
 </file>
 
-<file path=ppt/slides/slide2.xml><?xml version="1.0" encoding="utf-8"?>
+<file path=ppt/slides/slide6.xml><?xml version="1.0" encoding="utf-8"?>
 <p:sld xmlns:a="http://schemas.openxmlformats.org/drawingml/2006/main" xmlns:r="http://schemas.openxmlformats.org/officeDocument/2006/relationships" xmlns:p="http://schemas.openxmlformats.org/presentationml/2006/main">
   <p:cSld>
     <p:spTree>
@@ -14212,244 +14933,14 @@
       </p:grpSpPr>
       <p:sp>
         <p:nvSpPr>
-          <p:cNvPr id="3" name="Rectangle 2">
-            <a:extLst>
-              <a:ext uri="{FF2B5EF4-FFF2-40B4-BE49-F238E27FC236}">
-                <a16:creationId xmlns:a16="http://schemas.microsoft.com/office/drawing/2014/main" id="{D409F4F7-0F44-46F1-AEED-12E567D669DD}"/>
-              </a:ext>
-            </a:extLst>
-          </p:cNvPr>
+          <p:cNvPr id="2" name="Rectangle 1"/>
           <p:cNvSpPr/>
           <p:nvPr/>
         </p:nvSpPr>
         <p:spPr>
           <a:xfrm>
-            <a:off x="4105694" y="303648"/>
-            <a:ext cx="3185488" cy="923330"/>
-          </a:xfrm>
-          <a:prstGeom prst="rect">
-            <a:avLst/>
-          </a:prstGeom>
-          <a:noFill/>
-        </p:spPr>
-        <p:txBody>
-          <a:bodyPr wrap="none" lIns="91440" tIns="45720" rIns="91440" bIns="45720">
-            <a:spAutoFit/>
-          </a:bodyPr>
-          <a:lstStyle/>
-          <a:p>
-            <a:pPr algn="ctr"/>
-            <a:r>
-              <a:rPr lang="en-US" sz="5400" b="1" dirty="0">
-                <a:ln w="12700">
-                  <a:solidFill>
-                    <a:schemeClr val="accent1"/>
-                  </a:solidFill>
-                  <a:prstDash val="solid"/>
-                </a:ln>
-                <a:pattFill prst="pct50">
-                  <a:fgClr>
-                    <a:schemeClr val="accent1"/>
-                  </a:fgClr>
-                  <a:bgClr>
-                    <a:schemeClr val="accent1">
-                      <a:lumMod val="20000"/>
-                      <a:lumOff val="80000"/>
-                    </a:schemeClr>
-                  </a:bgClr>
-                </a:pattFill>
-                <a:effectLst>
-                  <a:outerShdw dist="38100" dir="2640000" algn="bl" rotWithShape="0">
-                    <a:schemeClr val="accent1"/>
-                  </a:outerShdw>
-                </a:effectLst>
-                <a:latin typeface="Roboto"/>
-              </a:rPr>
-              <a:t>Contents</a:t>
-            </a:r>
-            <a:endParaRPr lang="en-IN" sz="5400" b="1" dirty="0">
-              <a:ln w="12700">
-                <a:solidFill>
-                  <a:schemeClr val="accent1"/>
-                </a:solidFill>
-                <a:prstDash val="solid"/>
-              </a:ln>
-              <a:pattFill prst="pct50">
-                <a:fgClr>
-                  <a:schemeClr val="accent1"/>
-                </a:fgClr>
-                <a:bgClr>
-                  <a:schemeClr val="accent1">
-                    <a:lumMod val="20000"/>
-                    <a:lumOff val="80000"/>
-                  </a:schemeClr>
-                </a:bgClr>
-              </a:pattFill>
-              <a:effectLst>
-                <a:outerShdw dist="38100" dir="2640000" algn="bl" rotWithShape="0">
-                  <a:schemeClr val="accent1"/>
-                </a:outerShdw>
-              </a:effectLst>
-              <a:latin typeface="Roboto"/>
-            </a:endParaRPr>
-          </a:p>
-        </p:txBody>
-      </p:sp>
-      <p:sp>
-        <p:nvSpPr>
-          <p:cNvPr id="4" name="TextBox 3">
-            <a:extLst>
-              <a:ext uri="{FF2B5EF4-FFF2-40B4-BE49-F238E27FC236}">
-                <a16:creationId xmlns:a16="http://schemas.microsoft.com/office/drawing/2014/main" id="{8155FF83-7614-46BD-AB14-F33F854818E4}"/>
-              </a:ext>
-            </a:extLst>
-          </p:cNvPr>
-          <p:cNvSpPr txBox="1"/>
-          <p:nvPr/>
-        </p:nvSpPr>
-        <p:spPr>
-          <a:xfrm>
-            <a:off x="1444487" y="1905506"/>
-            <a:ext cx="7169427" cy="3046988"/>
-          </a:xfrm>
-          <a:prstGeom prst="rect">
-            <a:avLst/>
-          </a:prstGeom>
-          <a:noFill/>
-        </p:spPr>
-        <p:txBody>
-          <a:bodyPr wrap="square" rtlCol="0">
-            <a:spAutoFit/>
-          </a:bodyPr>
-          <a:lstStyle/>
-          <a:p>
-            <a:pPr marL="285750" indent="-285750">
-              <a:buFont typeface="Wingdings" panose="05000000000000000000" pitchFamily="2" charset="2"/>
-              <a:buChar char="Ø"/>
-            </a:pPr>
-            <a:r>
-              <a:rPr lang="en-IN" sz="3200" dirty="0"/>
-              <a:t>What is Inheritance?</a:t>
-            </a:r>
-          </a:p>
-          <a:p>
-            <a:pPr marL="285750" indent="-285750">
-              <a:buFont typeface="Wingdings" panose="05000000000000000000" pitchFamily="2" charset="2"/>
-              <a:buChar char="Ø"/>
-            </a:pPr>
-            <a:endParaRPr lang="en-IN" sz="3200" dirty="0"/>
-          </a:p>
-          <a:p>
-            <a:pPr marL="285750" indent="-285750">
-              <a:buFont typeface="Wingdings" panose="05000000000000000000" pitchFamily="2" charset="2"/>
-              <a:buChar char="Ø"/>
-            </a:pPr>
-            <a:r>
-              <a:rPr lang="en-IN" sz="3200" dirty="0"/>
-              <a:t>Concept of Derived and Base class</a:t>
-            </a:r>
-          </a:p>
-          <a:p>
-            <a:pPr marL="285750" indent="-285750">
-              <a:buFont typeface="Wingdings" panose="05000000000000000000" pitchFamily="2" charset="2"/>
-              <a:buChar char="Ø"/>
-            </a:pPr>
-            <a:endParaRPr lang="en-IN" sz="3200" dirty="0"/>
-          </a:p>
-          <a:p>
-            <a:pPr marL="285750" indent="-285750">
-              <a:buFont typeface="Wingdings" panose="05000000000000000000" pitchFamily="2" charset="2"/>
-              <a:buChar char="Ø"/>
-            </a:pPr>
-            <a:r>
-              <a:rPr lang="en-IN" sz="3200" dirty="0"/>
-              <a:t>Types of Inheritance</a:t>
-            </a:r>
-          </a:p>
-        </p:txBody>
-      </p:sp>
-      <p:pic>
-        <p:nvPicPr>
-          <p:cNvPr id="6" name="Picture 5">
-            <a:extLst>
-              <a:ext uri="{FF2B5EF4-FFF2-40B4-BE49-F238E27FC236}">
-                <a16:creationId xmlns:a16="http://schemas.microsoft.com/office/drawing/2014/main" id="{8125D483-D23D-4327-8D1E-18CF8B27F92E}"/>
-              </a:ext>
-            </a:extLst>
-          </p:cNvPr>
-          <p:cNvPicPr>
-            <a:picLocks noChangeAspect="1"/>
-          </p:cNvPicPr>
-          <p:nvPr/>
-        </p:nvPicPr>
-        <p:blipFill>
-          <a:blip r:embed="rId2"/>
-          <a:stretch>
-            <a:fillRect/>
-          </a:stretch>
-        </p:blipFill>
-        <p:spPr>
-          <a:xfrm>
-            <a:off x="8454886" y="2077278"/>
-            <a:ext cx="3021496" cy="3021496"/>
-          </a:xfrm>
-          <a:prstGeom prst="rect">
-            <a:avLst/>
-          </a:prstGeom>
-        </p:spPr>
-      </p:pic>
-    </p:spTree>
-    <p:extLst>
-      <p:ext uri="{BB962C8B-B14F-4D97-AF65-F5344CB8AC3E}">
-        <p14:creationId xmlns:p14="http://schemas.microsoft.com/office/powerpoint/2010/main" val="1165751705"/>
-      </p:ext>
-    </p:extLst>
-  </p:cSld>
-  <p:clrMapOvr>
-    <a:masterClrMapping/>
-  </p:clrMapOvr>
-  <mc:AlternateContent xmlns:mc="http://schemas.openxmlformats.org/markup-compatibility/2006">
-    <mc:Choice xmlns:p15="http://schemas.microsoft.com/office/powerpoint/2012/main" Requires="p15">
-      <p:transition xmlns:p14="http://schemas.microsoft.com/office/powerpoint/2010/main" spd="slow" p14:dur="1250">
-        <p15:prstTrans prst="pageCurlDouble"/>
-      </p:transition>
-    </mc:Choice>
-    <mc:Fallback>
-      <p:transition spd="slow">
-        <p:fade/>
-      </p:transition>
-    </mc:Fallback>
-  </mc:AlternateContent>
-</p:sld>
-</file>
-
-<file path=ppt/slides/slide3.xml><?xml version="1.0" encoding="utf-8"?>
-<p:sld xmlns:a="http://schemas.openxmlformats.org/drawingml/2006/main" xmlns:r="http://schemas.openxmlformats.org/officeDocument/2006/relationships" xmlns:p="http://schemas.openxmlformats.org/presentationml/2006/main">
-  <p:cSld>
-    <p:spTree>
-      <p:nvGrpSpPr>
-        <p:cNvPr id="1" name=""/>
-        <p:cNvGrpSpPr/>
-        <p:nvPr/>
-      </p:nvGrpSpPr>
-      <p:grpSpPr>
-        <a:xfrm>
-          <a:off x="0" y="0"/>
-          <a:ext cx="0" cy="0"/>
-          <a:chOff x="0" y="0"/>
-          <a:chExt cx="0" cy="0"/>
-        </a:xfrm>
-      </p:grpSpPr>
-      <p:sp>
-        <p:nvSpPr>
-          <p:cNvPr id="5" name="Rectangle 4"/>
-          <p:cNvSpPr/>
-          <p:nvPr/>
-        </p:nvSpPr>
-        <p:spPr>
-          <a:xfrm>
-            <a:off x="860612" y="2499244"/>
-            <a:ext cx="10854466" cy="3785652"/>
+            <a:off x="466165" y="1808066"/>
+            <a:ext cx="6870550" cy="4401205"/>
           </a:xfrm>
           <a:prstGeom prst="rect">
             <a:avLst/>
@@ -14461,198 +14952,88 @@
           </a:bodyPr>
           <a:lstStyle/>
           <a:p>
-            <a:r>
-              <a:rPr lang="en-US" sz="4000" dirty="0">
+            <a:pPr marL="457200" indent="-457200">
+              <a:buFont typeface="Wingdings" panose="05000000000000000000" pitchFamily="2" charset="2"/>
+              <a:buChar char="Ø"/>
+            </a:pPr>
+            <a:r>
+              <a:rPr lang="en-US" sz="2800" dirty="0">
                 <a:ln w="0"/>
-                <a:effectLst>
-                  <a:outerShdw blurRad="38100" dist="19050" dir="2700000" algn="tl" rotWithShape="0">
-                    <a:schemeClr val="dk1">
-                      <a:alpha val="40000"/>
-                    </a:schemeClr>
-                  </a:outerShdw>
-                </a:effectLst>
-                <a:latin typeface="Arial Black" panose="020B0A04020102020204" pitchFamily="34" charset="0"/>
+                <a:latin typeface="Roboto"/>
               </a:rPr>
-              <a:t>It is the capability of one class to inherit properties from another class.</a:t>
-            </a:r>
-          </a:p>
-          <a:p>
-            <a:endParaRPr lang="en-US" sz="4000" dirty="0">
+              <a:t>In Multilevel Inheritance, a derived class will be inheriting a base class and as well as the derived class also act as the base class to other class</a:t>
+            </a:r>
+            <a:r>
+              <a:rPr lang="en-US" sz="2800" dirty="0" smtClean="0">
+                <a:ln w="0"/>
+                <a:latin typeface="Roboto"/>
+              </a:rPr>
+              <a:t>.</a:t>
+            </a:r>
+          </a:p>
+          <a:p>
+            <a:pPr marL="457200" indent="-457200">
+              <a:buFont typeface="Wingdings" panose="05000000000000000000" pitchFamily="2" charset="2"/>
+              <a:buChar char="Ø"/>
+            </a:pPr>
+            <a:r>
+              <a:rPr lang="en-US" sz="2800" dirty="0" smtClean="0">
+                <a:ln w="0"/>
+                <a:latin typeface="Roboto"/>
+              </a:rPr>
+              <a:t> </a:t>
+            </a:r>
+            <a:r>
+              <a:rPr lang="en-US" sz="2800" dirty="0">
+                <a:ln w="0"/>
+                <a:latin typeface="Roboto"/>
+              </a:rPr>
+              <a:t>In below image, the class A serves as a base class for the derived class B, which in turn serves as a base class for the derived class C. </a:t>
+            </a:r>
+            <a:endParaRPr lang="en-US" sz="2800" dirty="0" smtClean="0">
               <a:ln w="0"/>
-              <a:effectLst>
-                <a:outerShdw blurRad="38100" dist="19050" dir="2700000" algn="tl" rotWithShape="0">
-                  <a:schemeClr val="dk1">
-                    <a:alpha val="40000"/>
-                  </a:schemeClr>
-                </a:outerShdw>
-              </a:effectLst>
-              <a:latin typeface="Arial Black" panose="020B0A04020102020204" pitchFamily="34" charset="0"/>
+              <a:latin typeface="Roboto"/>
             </a:endParaRPr>
           </a:p>
           <a:p>
-            <a:r>
-              <a:rPr lang="en-US" sz="4000" dirty="0">
+            <a:pPr marL="457200" indent="-457200">
+              <a:buFont typeface="Wingdings" panose="05000000000000000000" pitchFamily="2" charset="2"/>
+              <a:buChar char="Ø"/>
+            </a:pPr>
+            <a:r>
+              <a:rPr lang="en-US" sz="2800" dirty="0" smtClean="0">
                 <a:ln w="0"/>
-                <a:effectLst>
-                  <a:outerShdw blurRad="38100" dist="19050" dir="2700000" algn="tl" rotWithShape="0">
-                    <a:schemeClr val="dk1">
-                      <a:alpha val="40000"/>
-                    </a:schemeClr>
-                  </a:outerShdw>
-                </a:effectLst>
-                <a:latin typeface="Arial Black" panose="020B0A04020102020204" pitchFamily="34" charset="0"/>
+                <a:latin typeface="Roboto"/>
               </a:rPr>
-              <a:t>The technique of building new classes from the existing classes is called inheritance.</a:t>
-            </a:r>
-            <a:endParaRPr lang="en-US" sz="4000" dirty="0">
+              <a:t>In </a:t>
+            </a:r>
+            <a:r>
+              <a:rPr lang="en-US" sz="2800" dirty="0">
+                <a:ln w="0"/>
+                <a:latin typeface="Roboto"/>
+              </a:rPr>
+              <a:t>Java, a class cannot directly access the grandparent’s members</a:t>
+            </a:r>
+            <a:r>
+              <a:rPr lang="en-US" sz="2800" u="sng" dirty="0">
+                <a:ln w="0"/>
+                <a:latin typeface="Roboto"/>
+              </a:rPr>
+              <a:t>.</a:t>
+            </a:r>
+            <a:endParaRPr lang="en-US" sz="2800" u="sng" dirty="0">
               <a:ln w="0"/>
-              <a:effectLst>
-                <a:outerShdw blurRad="38100" dist="19050" dir="2700000" algn="tl" rotWithShape="0">
-                  <a:schemeClr val="dk1">
-                    <a:alpha val="40000"/>
-                  </a:schemeClr>
-                </a:outerShdw>
-              </a:effectLst>
             </a:endParaRPr>
-          </a:p>
-        </p:txBody>
-      </p:sp>
-      <p:sp>
-        <p:nvSpPr>
-          <p:cNvPr id="7" name="Rectangle 6"/>
-          <p:cNvSpPr/>
-          <p:nvPr/>
-        </p:nvSpPr>
-        <p:spPr>
-          <a:xfrm>
-            <a:off x="1387736" y="803698"/>
-            <a:ext cx="8885816" cy="1107996"/>
-          </a:xfrm>
-          <a:prstGeom prst="rect">
-            <a:avLst/>
-          </a:prstGeom>
-        </p:spPr>
-        <p:txBody>
-          <a:bodyPr wrap="square">
-            <a:spAutoFit/>
-          </a:bodyPr>
-          <a:lstStyle/>
-          <a:p>
-            <a:r>
-              <a:rPr lang="en-US" sz="6600" b="1" dirty="0">
-                <a:ln w="10160">
-                  <a:solidFill>
-                    <a:schemeClr val="accent5"/>
-                  </a:solidFill>
-                  <a:prstDash val="solid"/>
-                </a:ln>
-                <a:solidFill>
-                  <a:srgbClr val="FFFFFF"/>
-                </a:solidFill>
-                <a:effectLst>
-                  <a:outerShdw blurRad="38100" dist="22860" dir="5400000" algn="tl" rotWithShape="0">
-                    <a:srgbClr val="000000">
-                      <a:alpha val="30000"/>
-                    </a:srgbClr>
-                  </a:outerShdw>
-                </a:effectLst>
-              </a:rPr>
-              <a:t>What is Inheritance?</a:t>
-            </a:r>
-          </a:p>
-        </p:txBody>
-      </p:sp>
-    </p:spTree>
-    <p:extLst>
-      <p:ext uri="{BB962C8B-B14F-4D97-AF65-F5344CB8AC3E}">
-        <p14:creationId xmlns:p14="http://schemas.microsoft.com/office/powerpoint/2010/main" val="1827713235"/>
-      </p:ext>
-    </p:extLst>
-  </p:cSld>
-  <p:clrMapOvr>
-    <a:masterClrMapping/>
-  </p:clrMapOvr>
-  <mc:AlternateContent xmlns:mc="http://schemas.openxmlformats.org/markup-compatibility/2006">
-    <mc:Choice xmlns:p15="http://schemas.microsoft.com/office/powerpoint/2012/main" Requires="p15">
-      <p:transition xmlns:p14="http://schemas.microsoft.com/office/powerpoint/2010/main" spd="slow" p14:dur="1250">
-        <p15:prstTrans prst="pageCurlDouble"/>
-      </p:transition>
-    </mc:Choice>
-    <mc:Fallback>
-      <p:transition spd="slow">
-        <p:fade/>
-      </p:transition>
-    </mc:Fallback>
-  </mc:AlternateContent>
-</p:sld>
-</file>
-
-<file path=ppt/slides/slide4.xml><?xml version="1.0" encoding="utf-8"?>
-<p:sld xmlns:a="http://schemas.openxmlformats.org/drawingml/2006/main" xmlns:r="http://schemas.openxmlformats.org/officeDocument/2006/relationships" xmlns:p="http://schemas.openxmlformats.org/presentationml/2006/main">
-  <p:cSld>
-    <p:spTree>
-      <p:nvGrpSpPr>
-        <p:cNvPr id="1" name=""/>
-        <p:cNvGrpSpPr/>
-        <p:nvPr/>
-      </p:nvGrpSpPr>
-      <p:grpSpPr>
-        <a:xfrm>
-          <a:off x="0" y="0"/>
-          <a:ext cx="0" cy="0"/>
-          <a:chOff x="0" y="0"/>
-          <a:chExt cx="0" cy="0"/>
-        </a:xfrm>
-      </p:grpSpPr>
-      <p:sp>
-        <p:nvSpPr>
-          <p:cNvPr id="2" name="Title 1"/>
-          <p:cNvSpPr>
-            <a:spLocks noGrp="1"/>
-          </p:cNvSpPr>
-          <p:nvPr>
-            <p:ph type="title"/>
-          </p:nvPr>
-        </p:nvSpPr>
-        <p:spPr>
-          <a:xfrm>
-            <a:off x="1290361" y="854399"/>
-            <a:ext cx="8761413" cy="706964"/>
-          </a:xfrm>
-        </p:spPr>
-        <p:txBody>
-          <a:bodyPr/>
-          <a:lstStyle/>
-          <a:p>
-            <a:pPr algn="ctr"/>
-            <a:r>
-              <a:rPr lang="en-US" sz="5400" dirty="0">
-                <a:ln>
-                  <a:solidFill>
-                    <a:schemeClr val="accent2">
-                      <a:lumMod val="20000"/>
-                      <a:lumOff val="80000"/>
-                    </a:schemeClr>
-                  </a:solidFill>
-                </a:ln>
-                <a:solidFill>
-                  <a:schemeClr val="bg1"/>
-                </a:solidFill>
-              </a:rPr>
-              <a:t>Base and Derived Class</a:t>
-            </a:r>
           </a:p>
         </p:txBody>
       </p:sp>
       <p:pic>
         <p:nvPicPr>
-          <p:cNvPr id="4" name="Content Placeholder 3"/>
+          <p:cNvPr id="3" name="Picture 2" descr="Multilevel_Inheritance"/>
           <p:cNvPicPr>
-            <a:picLocks noGrp="1" noChangeAspect="1"/>
+            <a:picLocks noChangeAspect="1" noChangeArrowheads="1"/>
           </p:cNvPicPr>
-          <p:nvPr>
-            <p:ph idx="1"/>
-          </p:nvPr>
+          <p:nvPr/>
         </p:nvPicPr>
         <p:blipFill>
           <a:blip r:embed="rId2">
@@ -14662,362 +15043,42 @@
               </a:ext>
             </a:extLst>
           </a:blip>
+          <a:srcRect/>
           <a:stretch>
             <a:fillRect/>
           </a:stretch>
         </p:blipFill>
-        <p:spPr>
+        <p:spPr bwMode="auto">
           <a:xfrm>
-            <a:off x="3055172" y="3393008"/>
-            <a:ext cx="4856376" cy="2889458"/>
+            <a:off x="7815159" y="1961149"/>
+            <a:ext cx="3641737" cy="4095037"/>
           </a:xfrm>
+          <a:prstGeom prst="rect">
+            <a:avLst/>
+          </a:prstGeom>
+          <a:noFill/>
+          <a:extLst>
+            <a:ext uri="{909E8E84-426E-40DD-AFC4-6F175D3DCCD1}">
+              <a14:hiddenFill xmlns:a14="http://schemas.microsoft.com/office/drawing/2010/main">
+                <a:solidFill>
+                  <a:srgbClr val="FFFFFF"/>
+                </a:solidFill>
+              </a14:hiddenFill>
+            </a:ext>
+          </a:extLst>
         </p:spPr>
       </p:pic>
       <p:sp>
         <p:nvSpPr>
-          <p:cNvPr id="5" name="Rectangle 4"/>
-          <p:cNvSpPr/>
-          <p:nvPr/>
-        </p:nvSpPr>
-        <p:spPr>
-          <a:xfrm>
-            <a:off x="7911548" y="2243588"/>
-            <a:ext cx="4280452" cy="4401205"/>
-          </a:xfrm>
-          <a:prstGeom prst="rect">
-            <a:avLst/>
-          </a:prstGeom>
-        </p:spPr>
-        <p:txBody>
-          <a:bodyPr wrap="square">
-            <a:spAutoFit/>
-          </a:bodyPr>
-          <a:lstStyle/>
-          <a:p>
-            <a:r>
-              <a:rPr lang="en-US" sz="2800" dirty="0">
-                <a:ln w="0">
-                  <a:noFill/>
-                </a:ln>
-                <a:effectLst>
-                  <a:outerShdw blurRad="38100" dist="19050" dir="2700000" algn="tl" rotWithShape="0">
-                    <a:schemeClr val="dk1">
-                      <a:alpha val="40000"/>
-                    </a:schemeClr>
-                  </a:outerShdw>
-                </a:effectLst>
-                <a:latin typeface="Roboto"/>
-              </a:rPr>
-              <a:t>Derived class is the class that inherit properties</a:t>
-            </a:r>
-          </a:p>
-          <a:p>
-            <a:r>
-              <a:rPr lang="en-US" sz="2800" dirty="0">
-                <a:ln w="0">
-                  <a:noFill/>
-                </a:ln>
-                <a:effectLst>
-                  <a:outerShdw blurRad="38100" dist="19050" dir="2700000" algn="tl" rotWithShape="0">
-                    <a:schemeClr val="dk1">
-                      <a:alpha val="40000"/>
-                    </a:schemeClr>
-                  </a:outerShdw>
-                </a:effectLst>
-                <a:latin typeface="Roboto"/>
-              </a:rPr>
-              <a:t>from base class(</a:t>
-            </a:r>
-            <a:r>
-              <a:rPr lang="en-US" sz="2800" dirty="0" err="1">
-                <a:ln w="0">
-                  <a:noFill/>
-                </a:ln>
-                <a:effectLst>
-                  <a:outerShdw blurRad="38100" dist="19050" dir="2700000" algn="tl" rotWithShape="0">
-                    <a:schemeClr val="dk1">
-                      <a:alpha val="40000"/>
-                    </a:schemeClr>
-                  </a:outerShdw>
-                </a:effectLst>
-                <a:latin typeface="Roboto"/>
-              </a:rPr>
-              <a:t>es</a:t>
-            </a:r>
-            <a:r>
-              <a:rPr lang="en-US" sz="2800" dirty="0">
-                <a:ln w="0">
-                  <a:noFill/>
-                </a:ln>
-                <a:effectLst>
-                  <a:outerShdw blurRad="38100" dist="19050" dir="2700000" algn="tl" rotWithShape="0">
-                    <a:schemeClr val="dk1">
-                      <a:alpha val="40000"/>
-                    </a:schemeClr>
-                  </a:outerShdw>
-                </a:effectLst>
-                <a:latin typeface="Roboto"/>
-              </a:rPr>
-              <a:t>).</a:t>
-            </a:r>
-          </a:p>
-          <a:p>
-            <a:r>
-              <a:rPr lang="en-US" sz="2800" dirty="0">
-                <a:ln w="0">
-                  <a:noFill/>
-                </a:ln>
-                <a:effectLst>
-                  <a:outerShdw blurRad="38100" dist="19050" dir="2700000" algn="tl" rotWithShape="0">
-                    <a:schemeClr val="dk1">
-                      <a:alpha val="40000"/>
-                    </a:schemeClr>
-                  </a:outerShdw>
-                </a:effectLst>
-                <a:latin typeface="Roboto"/>
-              </a:rPr>
-              <a:t>It is also called Sub Class.</a:t>
-            </a:r>
-          </a:p>
-          <a:p>
-            <a:r>
-              <a:rPr lang="en-US" sz="2800" dirty="0">
-                <a:ln w="0">
-                  <a:noFill/>
-                </a:ln>
-                <a:effectLst>
-                  <a:outerShdw blurRad="38100" dist="19050" dir="2700000" algn="tl" rotWithShape="0">
-                    <a:schemeClr val="dk1">
-                      <a:alpha val="40000"/>
-                    </a:schemeClr>
-                  </a:outerShdw>
-                </a:effectLst>
-                <a:latin typeface="Roboto"/>
-              </a:rPr>
-              <a:t>It inherits all the properties of the base class and can add additional features to the derived class.</a:t>
-            </a:r>
-          </a:p>
-        </p:txBody>
-      </p:sp>
-      <p:sp>
-        <p:nvSpPr>
-          <p:cNvPr id="6" name="Rectangle 5"/>
-          <p:cNvSpPr/>
-          <p:nvPr/>
-        </p:nvSpPr>
-        <p:spPr>
-          <a:xfrm>
-            <a:off x="315558" y="2743036"/>
-            <a:ext cx="2739614" cy="3539430"/>
-          </a:xfrm>
-          <a:prstGeom prst="rect">
-            <a:avLst/>
-          </a:prstGeom>
-        </p:spPr>
-        <p:txBody>
-          <a:bodyPr wrap="square">
-            <a:spAutoFit/>
-          </a:bodyPr>
-          <a:lstStyle/>
-          <a:p>
-            <a:r>
-              <a:rPr lang="en-US" sz="2800" dirty="0">
-                <a:ln w="0"/>
-                <a:effectLst>
-                  <a:outerShdw blurRad="38100" dist="19050" dir="2700000" algn="tl" rotWithShape="0">
-                    <a:schemeClr val="dk1">
-                      <a:alpha val="40000"/>
-                    </a:schemeClr>
-                  </a:outerShdw>
-                </a:effectLst>
-                <a:latin typeface="Roboto"/>
-              </a:rPr>
-              <a:t>Base class is the class </a:t>
-            </a:r>
-          </a:p>
-          <a:p>
-            <a:r>
-              <a:rPr lang="en-US" sz="2800" dirty="0">
-                <a:ln w="0"/>
-                <a:effectLst>
-                  <a:outerShdw blurRad="38100" dist="19050" dir="2700000" algn="tl" rotWithShape="0">
-                    <a:schemeClr val="dk1">
-                      <a:alpha val="40000"/>
-                    </a:schemeClr>
-                  </a:outerShdw>
-                </a:effectLst>
-                <a:latin typeface="Roboto"/>
-              </a:rPr>
-              <a:t>whose properties are inherited by </a:t>
-            </a:r>
-          </a:p>
-          <a:p>
-            <a:r>
-              <a:rPr lang="en-US" sz="2800" dirty="0">
-                <a:ln w="0"/>
-                <a:effectLst>
-                  <a:outerShdw blurRad="38100" dist="19050" dir="2700000" algn="tl" rotWithShape="0">
-                    <a:schemeClr val="dk1">
-                      <a:alpha val="40000"/>
-                    </a:schemeClr>
-                  </a:outerShdw>
-                </a:effectLst>
-                <a:latin typeface="Roboto"/>
-              </a:rPr>
-              <a:t>another class.</a:t>
-            </a:r>
-          </a:p>
-          <a:p>
-            <a:r>
-              <a:rPr lang="en-US" sz="2800" dirty="0">
-                <a:ln w="0"/>
-                <a:effectLst>
-                  <a:outerShdw blurRad="38100" dist="19050" dir="2700000" algn="tl" rotWithShape="0">
-                    <a:schemeClr val="dk1">
-                      <a:alpha val="40000"/>
-                    </a:schemeClr>
-                  </a:outerShdw>
-                </a:effectLst>
-                <a:latin typeface="Roboto"/>
-              </a:rPr>
-              <a:t>It is also called </a:t>
-            </a:r>
-          </a:p>
-          <a:p>
-            <a:r>
-              <a:rPr lang="en-US" sz="2800" dirty="0">
-                <a:ln w="0"/>
-                <a:effectLst>
-                  <a:outerShdw blurRad="38100" dist="19050" dir="2700000" algn="tl" rotWithShape="0">
-                    <a:schemeClr val="dk1">
-                      <a:alpha val="40000"/>
-                    </a:schemeClr>
-                  </a:outerShdw>
-                </a:effectLst>
-                <a:latin typeface="Roboto"/>
-              </a:rPr>
-              <a:t>Super Class.</a:t>
-            </a:r>
-          </a:p>
-        </p:txBody>
-      </p:sp>
-    </p:spTree>
-    <p:extLst>
-      <p:ext uri="{BB962C8B-B14F-4D97-AF65-F5344CB8AC3E}">
-        <p14:creationId xmlns:p14="http://schemas.microsoft.com/office/powerpoint/2010/main" val="1879720431"/>
-      </p:ext>
-    </p:extLst>
-  </p:cSld>
-  <p:clrMapOvr>
-    <a:masterClrMapping/>
-  </p:clrMapOvr>
-  <mc:AlternateContent xmlns:mc="http://schemas.openxmlformats.org/markup-compatibility/2006">
-    <mc:Choice xmlns:p15="http://schemas.microsoft.com/office/powerpoint/2012/main" Requires="p15">
-      <p:transition xmlns:p14="http://schemas.microsoft.com/office/powerpoint/2010/main" spd="slow" p14:dur="1250">
-        <p15:prstTrans prst="pageCurlDouble"/>
-      </p:transition>
-    </mc:Choice>
-    <mc:Fallback>
-      <p:transition spd="slow">
-        <p:fade/>
-      </p:transition>
-    </mc:Fallback>
-  </mc:AlternateContent>
-</p:sld>
-</file>
-
-<file path=ppt/slides/slide5.xml><?xml version="1.0" encoding="utf-8"?>
-<p:sld xmlns:a="http://schemas.openxmlformats.org/drawingml/2006/main" xmlns:r="http://schemas.openxmlformats.org/officeDocument/2006/relationships" xmlns:p="http://schemas.openxmlformats.org/presentationml/2006/main">
-  <p:cSld>
-    <p:spTree>
-      <p:nvGrpSpPr>
-        <p:cNvPr id="1" name=""/>
-        <p:cNvGrpSpPr/>
-        <p:nvPr/>
-      </p:nvGrpSpPr>
-      <p:grpSpPr>
-        <a:xfrm>
-          <a:off x="0" y="0"/>
-          <a:ext cx="0" cy="0"/>
-          <a:chOff x="0" y="0"/>
-          <a:chExt cx="0" cy="0"/>
-        </a:xfrm>
-      </p:grpSpPr>
-      <p:sp>
-        <p:nvSpPr>
-          <p:cNvPr id="3" name="Content Placeholder 2"/>
-          <p:cNvSpPr>
-            <a:spLocks noGrp="1"/>
-          </p:cNvSpPr>
-          <p:nvPr>
-            <p:ph idx="1"/>
-          </p:nvPr>
-        </p:nvSpPr>
-        <p:spPr/>
-        <p:txBody>
-          <a:bodyPr>
-            <a:normAutofit/>
-          </a:bodyPr>
-          <a:lstStyle/>
-          <a:p>
-            <a:pPr marL="0" indent="0">
-              <a:buNone/>
-            </a:pPr>
-            <a:r>
-              <a:rPr lang="en-US" sz="3200" b="1" dirty="0"/>
-              <a:t>1. SINGLE INHERITANCE</a:t>
-            </a:r>
-          </a:p>
-          <a:p>
-            <a:pPr marL="0" indent="0">
-              <a:buNone/>
-            </a:pPr>
-            <a:r>
-              <a:rPr lang="en-US" sz="3200" b="1" dirty="0"/>
-              <a:t>2. MULTIPLE INHERITANCE</a:t>
-            </a:r>
-          </a:p>
-          <a:p>
-            <a:pPr marL="0" indent="0">
-              <a:buNone/>
-            </a:pPr>
-            <a:r>
-              <a:rPr lang="en-US" sz="3200" b="1" dirty="0"/>
-              <a:t>3. HIERARCHICAL INHERITANCE</a:t>
-            </a:r>
-          </a:p>
-          <a:p>
-            <a:pPr marL="0" indent="0">
-              <a:buNone/>
-            </a:pPr>
-            <a:r>
-              <a:rPr lang="en-US" sz="3200" b="1" dirty="0"/>
-              <a:t>4. MULTILEVEL INHERITANCE</a:t>
-            </a:r>
-          </a:p>
-          <a:p>
-            <a:pPr marL="0" indent="0">
-              <a:buNone/>
-            </a:pPr>
-            <a:r>
-              <a:rPr lang="en-US" sz="3200" b="1" dirty="0"/>
-              <a:t>5. HYBRID INHERITANCE</a:t>
-            </a:r>
-            <a:endParaRPr lang="en-US" sz="3200" dirty="0"/>
-          </a:p>
-        </p:txBody>
-      </p:sp>
-      <p:sp>
-        <p:nvSpPr>
-          <p:cNvPr id="5" name="Title 1"/>
+          <p:cNvPr id="4" name="Title 1"/>
           <p:cNvSpPr txBox="1">
             <a:spLocks/>
           </p:cNvSpPr>
           <p:nvPr/>
         </p:nvSpPr>
-        <p:spPr bwMode="gray">
+        <p:spPr>
           <a:xfrm>
-            <a:off x="1328869" y="964704"/>
+            <a:off x="1111924" y="468059"/>
             <a:ext cx="8761413" cy="706964"/>
           </a:xfrm>
           <a:prstGeom prst="rect">
@@ -15025,9 +15086,7 @@
           </a:prstGeom>
         </p:spPr>
         <p:txBody>
-          <a:bodyPr vert="horz" lIns="91440" tIns="45720" rIns="91440" bIns="45720" rtlCol="0" anchor="ctr">
-            <a:noAutofit/>
-          </a:bodyPr>
+          <a:bodyPr/>
           <a:lstStyle>
             <a:lvl1pPr algn="l" defTabSz="457200" rtl="0" eaLnBrk="1" latinLnBrk="0" hangingPunct="1">
               <a:spcBef>
@@ -15101,248 +15160,6 @@
             </a:lvl9pPr>
           </a:lstStyle>
           <a:p>
-            <a:pPr algn="ctr"/>
-            <a:r>
-              <a:rPr lang="en-US" sz="5400" dirty="0">
-                <a:ln>
-                  <a:solidFill>
-                    <a:schemeClr val="accent2">
-                      <a:lumMod val="20000"/>
-                      <a:lumOff val="80000"/>
-                    </a:schemeClr>
-                  </a:solidFill>
-                </a:ln>
-                <a:solidFill>
-                  <a:schemeClr val="bg1"/>
-                </a:solidFill>
-              </a:rPr>
-              <a:t>Types of Inheritance</a:t>
-            </a:r>
-          </a:p>
-        </p:txBody>
-      </p:sp>
-    </p:spTree>
-    <p:extLst>
-      <p:ext uri="{BB962C8B-B14F-4D97-AF65-F5344CB8AC3E}">
-        <p14:creationId xmlns:p14="http://schemas.microsoft.com/office/powerpoint/2010/main" val="3662003617"/>
-      </p:ext>
-    </p:extLst>
-  </p:cSld>
-  <p:clrMapOvr>
-    <a:masterClrMapping/>
-  </p:clrMapOvr>
-  <mc:AlternateContent xmlns:mc="http://schemas.openxmlformats.org/markup-compatibility/2006">
-    <mc:Choice xmlns:p15="http://schemas.microsoft.com/office/powerpoint/2012/main" Requires="p15">
-      <p:transition xmlns:p14="http://schemas.microsoft.com/office/powerpoint/2010/main" spd="slow" p14:dur="1250">
-        <p15:prstTrans prst="pageCurlDouble"/>
-      </p:transition>
-    </mc:Choice>
-    <mc:Fallback>
-      <p:transition spd="slow">
-        <p:fade/>
-      </p:transition>
-    </mc:Fallback>
-  </mc:AlternateContent>
-</p:sld>
-</file>
-
-<file path=ppt/slides/slide6.xml><?xml version="1.0" encoding="utf-8"?>
-<p:sld xmlns:a="http://schemas.openxmlformats.org/drawingml/2006/main" xmlns:r="http://schemas.openxmlformats.org/officeDocument/2006/relationships" xmlns:p="http://schemas.openxmlformats.org/presentationml/2006/main">
-  <p:cSld>
-    <p:spTree>
-      <p:nvGrpSpPr>
-        <p:cNvPr id="1" name=""/>
-        <p:cNvGrpSpPr/>
-        <p:nvPr/>
-      </p:nvGrpSpPr>
-      <p:grpSpPr>
-        <a:xfrm>
-          <a:off x="0" y="0"/>
-          <a:ext cx="0" cy="0"/>
-          <a:chOff x="0" y="0"/>
-          <a:chExt cx="0" cy="0"/>
-        </a:xfrm>
-      </p:grpSpPr>
-      <p:sp>
-        <p:nvSpPr>
-          <p:cNvPr id="2" name="Rectangle 1"/>
-          <p:cNvSpPr/>
-          <p:nvPr/>
-        </p:nvSpPr>
-        <p:spPr>
-          <a:xfrm>
-            <a:off x="4206240" y="1980688"/>
-            <a:ext cx="6927925" cy="3785652"/>
-          </a:xfrm>
-          <a:prstGeom prst="rect">
-            <a:avLst/>
-          </a:prstGeom>
-        </p:spPr>
-        <p:txBody>
-          <a:bodyPr wrap="square">
-            <a:spAutoFit/>
-          </a:bodyPr>
-          <a:lstStyle/>
-          <a:p>
-            <a:endParaRPr lang="en-US" sz="2400" dirty="0">
-              <a:latin typeface="Roboto"/>
-            </a:endParaRPr>
-          </a:p>
-          <a:p>
-            <a:pPr marL="571500" indent="-571500">
-              <a:buFont typeface="Wingdings" panose="05000000000000000000" pitchFamily="2" charset="2"/>
-              <a:buChar char="Ø"/>
-            </a:pPr>
-            <a:r>
-              <a:rPr lang="en-US" sz="3600" dirty="0">
-                <a:latin typeface="Roboto"/>
-              </a:rPr>
-              <a:t>In Single Inheritance, subclasses inherit the features of one superclass. </a:t>
-            </a:r>
-          </a:p>
-          <a:p>
-            <a:pPr marL="571500" indent="-571500">
-              <a:buFont typeface="Wingdings" panose="05000000000000000000" pitchFamily="2" charset="2"/>
-              <a:buChar char="Ø"/>
-            </a:pPr>
-            <a:r>
-              <a:rPr lang="en-US" sz="3600" dirty="0">
-                <a:latin typeface="Roboto"/>
-              </a:rPr>
-              <a:t>In image below, the class A serves as a base class for the derived class B</a:t>
-            </a:r>
-            <a:r>
-              <a:rPr lang="en-US" sz="2400" dirty="0">
-                <a:latin typeface="Roboto"/>
-              </a:rPr>
-              <a:t>.</a:t>
-            </a:r>
-            <a:endParaRPr lang="en-US" sz="2400" dirty="0"/>
-          </a:p>
-        </p:txBody>
-      </p:sp>
-      <p:pic>
-        <p:nvPicPr>
-          <p:cNvPr id="3" name="Picture 2"/>
-          <p:cNvPicPr>
-            <a:picLocks noChangeAspect="1"/>
-          </p:cNvPicPr>
-          <p:nvPr/>
-        </p:nvPicPr>
-        <p:blipFill>
-          <a:blip r:embed="rId2">
-            <a:extLst>
-              <a:ext uri="{28A0092B-C50C-407E-A947-70E740481C1C}">
-                <a14:useLocalDpi xmlns:a14="http://schemas.microsoft.com/office/drawing/2010/main" val="0"/>
-              </a:ext>
-            </a:extLst>
-          </a:blip>
-          <a:stretch>
-            <a:fillRect/>
-          </a:stretch>
-        </p:blipFill>
-        <p:spPr>
-          <a:xfrm>
-            <a:off x="821225" y="2099200"/>
-            <a:ext cx="3019255" cy="3667140"/>
-          </a:xfrm>
-          <a:prstGeom prst="rect">
-            <a:avLst/>
-          </a:prstGeom>
-        </p:spPr>
-      </p:pic>
-      <p:sp>
-        <p:nvSpPr>
-          <p:cNvPr id="7" name="Title 1"/>
-          <p:cNvSpPr txBox="1">
-            <a:spLocks/>
-          </p:cNvSpPr>
-          <p:nvPr/>
-        </p:nvSpPr>
-        <p:spPr>
-          <a:xfrm>
-            <a:off x="976601" y="516578"/>
-            <a:ext cx="8761413" cy="706964"/>
-          </a:xfrm>
-          <a:prstGeom prst="rect">
-            <a:avLst/>
-          </a:prstGeom>
-        </p:spPr>
-        <p:txBody>
-          <a:bodyPr/>
-          <a:lstStyle>
-            <a:lvl1pPr algn="l" defTabSz="457200" rtl="0" eaLnBrk="1" latinLnBrk="0" hangingPunct="1">
-              <a:spcBef>
-                <a:spcPct val="0"/>
-              </a:spcBef>
-              <a:buNone/>
-              <a:defRPr sz="3600" b="0" i="0" kern="1200">
-                <a:solidFill>
-                  <a:schemeClr val="bg2"/>
-                </a:solidFill>
-                <a:latin typeface="+mj-lt"/>
-                <a:ea typeface="+mj-ea"/>
-                <a:cs typeface="+mj-cs"/>
-              </a:defRPr>
-            </a:lvl1pPr>
-            <a:lvl2pPr eaLnBrk="1" hangingPunct="1">
-              <a:defRPr>
-                <a:solidFill>
-                  <a:schemeClr val="tx2"/>
-                </a:solidFill>
-              </a:defRPr>
-            </a:lvl2pPr>
-            <a:lvl3pPr eaLnBrk="1" hangingPunct="1">
-              <a:defRPr>
-                <a:solidFill>
-                  <a:schemeClr val="tx2"/>
-                </a:solidFill>
-              </a:defRPr>
-            </a:lvl3pPr>
-            <a:lvl4pPr eaLnBrk="1" hangingPunct="1">
-              <a:defRPr>
-                <a:solidFill>
-                  <a:schemeClr val="tx2"/>
-                </a:solidFill>
-              </a:defRPr>
-            </a:lvl4pPr>
-            <a:lvl5pPr eaLnBrk="1" hangingPunct="1">
-              <a:defRPr>
-                <a:solidFill>
-                  <a:schemeClr val="tx2"/>
-                </a:solidFill>
-              </a:defRPr>
-            </a:lvl5pPr>
-            <a:lvl6pPr eaLnBrk="1" hangingPunct="1">
-              <a:defRPr>
-                <a:solidFill>
-                  <a:schemeClr val="tx2"/>
-                </a:solidFill>
-              </a:defRPr>
-            </a:lvl6pPr>
-            <a:lvl7pPr eaLnBrk="1" hangingPunct="1">
-              <a:defRPr>
-                <a:solidFill>
-                  <a:schemeClr val="tx2"/>
-                </a:solidFill>
-              </a:defRPr>
-            </a:lvl7pPr>
-            <a:lvl8pPr eaLnBrk="1" hangingPunct="1">
-              <a:defRPr>
-                <a:solidFill>
-                  <a:schemeClr val="tx2"/>
-                </a:solidFill>
-              </a:defRPr>
-            </a:lvl8pPr>
-            <a:lvl9pPr eaLnBrk="1" hangingPunct="1">
-              <a:defRPr>
-                <a:solidFill>
-                  <a:schemeClr val="tx2"/>
-                </a:solidFill>
-              </a:defRPr>
-            </a:lvl9pPr>
-          </a:lstStyle>
-          <a:p>
             <a:r>
               <a:rPr lang="en-US" sz="5400" dirty="0">
                 <a:ln w="0"/>
@@ -15357,33 +15174,41 @@
                   </a:outerShdw>
                 </a:effectLst>
               </a:rPr>
-              <a:t>1. SINGLE INHERITANCE</a:t>
-            </a:r>
+              <a:t>2. MULTIPLE INHERITANCE</a:t>
+            </a:r>
+            <a:endParaRPr lang="en-US" sz="5400" dirty="0">
+              <a:ln w="0"/>
+              <a:solidFill>
+                <a:schemeClr val="tx1"/>
+              </a:solidFill>
+              <a:effectLst>
+                <a:outerShdw blurRad="38100" dist="19050" dir="2700000" algn="tl" rotWithShape="0">
+                  <a:schemeClr val="dk1">
+                    <a:alpha val="40000"/>
+                  </a:schemeClr>
+                </a:outerShdw>
+              </a:effectLst>
+            </a:endParaRPr>
           </a:p>
         </p:txBody>
       </p:sp>
     </p:spTree>
     <p:extLst>
       <p:ext uri="{BB962C8B-B14F-4D97-AF65-F5344CB8AC3E}">
-        <p14:creationId xmlns:p14="http://schemas.microsoft.com/office/powerpoint/2010/main" val="1837765177"/>
+        <p14:creationId xmlns:p14="http://schemas.microsoft.com/office/powerpoint/2010/main" val="3933652092"/>
       </p:ext>
     </p:extLst>
   </p:cSld>
   <p:clrMapOvr>
     <a:masterClrMapping/>
   </p:clrMapOvr>
-  <mc:AlternateContent xmlns:mc="http://schemas.openxmlformats.org/markup-compatibility/2006">
-    <mc:Choice xmlns:p15="http://schemas.microsoft.com/office/powerpoint/2012/main" Requires="p15">
-      <p:transition xmlns:p14="http://schemas.microsoft.com/office/powerpoint/2010/main" spd="slow" p14:dur="1250">
-        <p15:prstTrans prst="pageCurlDouble"/>
-      </p:transition>
-    </mc:Choice>
-    <mc:Fallback>
-      <p:transition spd="slow">
-        <p:fade/>
-      </p:transition>
-    </mc:Fallback>
-  </mc:AlternateContent>
+  <p:timing>
+    <p:tnLst>
+      <p:par>
+        <p:cTn id="1" dur="indefinite" restart="never" nodeType="tmRoot"/>
+      </p:par>
+    </p:tnLst>
+  </p:timing>
 </p:sld>
 </file>
 
@@ -15404,235 +15229,23 @@
           <a:chExt cx="0" cy="0"/>
         </a:xfrm>
       </p:grpSpPr>
-      <p:sp>
-        <p:nvSpPr>
-          <p:cNvPr id="2" name="Title 1">
-            <a:extLst>
-              <a:ext uri="{FF2B5EF4-FFF2-40B4-BE49-F238E27FC236}">
-                <a16:creationId xmlns:a16="http://schemas.microsoft.com/office/drawing/2014/main" id="{D895AE79-CAEA-48AF-9EED-B18B7948CCDC}"/>
-              </a:ext>
-            </a:extLst>
-          </p:cNvPr>
-          <p:cNvSpPr txBox="1">
-            <a:spLocks/>
-          </p:cNvSpPr>
-          <p:nvPr/>
-        </p:nvSpPr>
-        <p:spPr bwMode="gray">
-          <a:xfrm>
-            <a:off x="649357" y="434617"/>
-            <a:ext cx="9440925" cy="706964"/>
-          </a:xfrm>
-          <a:prstGeom prst="rect">
-            <a:avLst/>
-          </a:prstGeom>
-        </p:spPr>
-        <p:txBody>
-          <a:bodyPr vert="horz" lIns="91440" tIns="45720" rIns="91440" bIns="45720" rtlCol="0" anchor="ctr">
-            <a:noAutofit/>
-          </a:bodyPr>
-          <a:lstStyle>
-            <a:lvl1pPr algn="l" defTabSz="457200" rtl="0" eaLnBrk="1" latinLnBrk="0" hangingPunct="1">
-              <a:spcBef>
-                <a:spcPct val="0"/>
-              </a:spcBef>
-              <a:buNone/>
-              <a:defRPr sz="3600" b="0" i="0" kern="1200">
-                <a:solidFill>
-                  <a:schemeClr val="bg2"/>
-                </a:solidFill>
-                <a:latin typeface="+mj-lt"/>
-                <a:ea typeface="+mj-ea"/>
-                <a:cs typeface="+mj-cs"/>
-              </a:defRPr>
-            </a:lvl1pPr>
-            <a:lvl2pPr eaLnBrk="1" hangingPunct="1">
-              <a:defRPr>
-                <a:solidFill>
-                  <a:schemeClr val="tx2"/>
-                </a:solidFill>
-              </a:defRPr>
-            </a:lvl2pPr>
-            <a:lvl3pPr eaLnBrk="1" hangingPunct="1">
-              <a:defRPr>
-                <a:solidFill>
-                  <a:schemeClr val="tx2"/>
-                </a:solidFill>
-              </a:defRPr>
-            </a:lvl3pPr>
-            <a:lvl4pPr eaLnBrk="1" hangingPunct="1">
-              <a:defRPr>
-                <a:solidFill>
-                  <a:schemeClr val="tx2"/>
-                </a:solidFill>
-              </a:defRPr>
-            </a:lvl4pPr>
-            <a:lvl5pPr eaLnBrk="1" hangingPunct="1">
-              <a:defRPr>
-                <a:solidFill>
-                  <a:schemeClr val="tx2"/>
-                </a:solidFill>
-              </a:defRPr>
-            </a:lvl5pPr>
-            <a:lvl6pPr eaLnBrk="1" hangingPunct="1">
-              <a:defRPr>
-                <a:solidFill>
-                  <a:schemeClr val="tx2"/>
-                </a:solidFill>
-              </a:defRPr>
-            </a:lvl6pPr>
-            <a:lvl7pPr eaLnBrk="1" hangingPunct="1">
-              <a:defRPr>
-                <a:solidFill>
-                  <a:schemeClr val="tx2"/>
-                </a:solidFill>
-              </a:defRPr>
-            </a:lvl7pPr>
-            <a:lvl8pPr eaLnBrk="1" hangingPunct="1">
-              <a:defRPr>
-                <a:solidFill>
-                  <a:schemeClr val="tx2"/>
-                </a:solidFill>
-              </a:defRPr>
-            </a:lvl8pPr>
-            <a:lvl9pPr eaLnBrk="1" hangingPunct="1">
-              <a:defRPr>
-                <a:solidFill>
-                  <a:schemeClr val="tx2"/>
-                </a:solidFill>
-              </a:defRPr>
-            </a:lvl9pPr>
-          </a:lstStyle>
-          <a:p>
-            <a:r>
-              <a:rPr lang="en-US" sz="5400" dirty="0">
-                <a:ln w="0"/>
-                <a:solidFill>
-                  <a:schemeClr val="tx1"/>
-                </a:solidFill>
-                <a:effectLst>
-                  <a:outerShdw blurRad="38100" dist="19050" dir="2700000" algn="tl" rotWithShape="0">
-                    <a:schemeClr val="dk1">
-                      <a:alpha val="40000"/>
-                    </a:schemeClr>
-                  </a:outerShdw>
-                </a:effectLst>
-              </a:rPr>
-              <a:t>2. MULTIPLE INHERITANCE</a:t>
-            </a:r>
-          </a:p>
-        </p:txBody>
-      </p:sp>
-      <p:sp>
-        <p:nvSpPr>
-          <p:cNvPr id="3" name="Rectangle 2">
-            <a:extLst>
-              <a:ext uri="{FF2B5EF4-FFF2-40B4-BE49-F238E27FC236}">
-                <a16:creationId xmlns:a16="http://schemas.microsoft.com/office/drawing/2014/main" id="{63383B95-EC21-44AE-9564-4A4F6407EAED}"/>
-              </a:ext>
-            </a:extLst>
-          </p:cNvPr>
-          <p:cNvSpPr/>
-          <p:nvPr/>
-        </p:nvSpPr>
-        <p:spPr>
-          <a:xfrm>
-            <a:off x="649357" y="1565200"/>
-            <a:ext cx="6096000" cy="5262979"/>
-          </a:xfrm>
-          <a:prstGeom prst="rect">
-            <a:avLst/>
-          </a:prstGeom>
-        </p:spPr>
-        <p:txBody>
-          <a:bodyPr>
-            <a:spAutoFit/>
-          </a:bodyPr>
-          <a:lstStyle/>
-          <a:p>
-            <a:pPr marL="457200" indent="-457200">
-              <a:buFont typeface="Wingdings" panose="05000000000000000000" pitchFamily="2" charset="2"/>
-              <a:buChar char="Ø"/>
-            </a:pPr>
-            <a:r>
-              <a:rPr lang="en-IN" sz="2800" dirty="0"/>
-              <a:t>In Multiple inheritance ,one class can have more than one superclass and inherit features from all parent classes.</a:t>
-            </a:r>
-          </a:p>
-          <a:p>
-            <a:pPr marL="457200" indent="-457200">
-              <a:buFont typeface="Wingdings" panose="05000000000000000000" pitchFamily="2" charset="2"/>
-              <a:buChar char="Ø"/>
-            </a:pPr>
-            <a:r>
-              <a:rPr lang="en-IN" sz="2800" dirty="0"/>
-              <a:t>Please note that Java does not support multiple inheritance with classes. </a:t>
-            </a:r>
-          </a:p>
-          <a:p>
-            <a:pPr marL="457200" indent="-457200">
-              <a:buFont typeface="Wingdings" panose="05000000000000000000" pitchFamily="2" charset="2"/>
-              <a:buChar char="Ø"/>
-            </a:pPr>
-            <a:r>
-              <a:rPr lang="en-IN" sz="2800" dirty="0"/>
-              <a:t>In java, we can achieve multiple inheritance only through Interfaces. In image below, Class C is derived from interface A and B.</a:t>
-            </a:r>
-          </a:p>
-        </p:txBody>
-      </p:sp>
-      <p:pic>
-        <p:nvPicPr>
-          <p:cNvPr id="5" name="Picture 4">
-            <a:extLst>
-              <a:ext uri="{FF2B5EF4-FFF2-40B4-BE49-F238E27FC236}">
-                <a16:creationId xmlns:a16="http://schemas.microsoft.com/office/drawing/2014/main" id="{35EAA025-9BD4-4812-8528-2DEA0DA3C720}"/>
-              </a:ext>
-            </a:extLst>
-          </p:cNvPr>
-          <p:cNvPicPr>
-            <a:picLocks noChangeAspect="1"/>
-          </p:cNvPicPr>
-          <p:nvPr/>
-        </p:nvPicPr>
-        <p:blipFill>
-          <a:blip r:embed="rId2"/>
-          <a:stretch>
-            <a:fillRect/>
-          </a:stretch>
-        </p:blipFill>
-        <p:spPr>
-          <a:xfrm>
-            <a:off x="7712766" y="1685681"/>
-            <a:ext cx="3829878" cy="4397067"/>
-          </a:xfrm>
-          <a:prstGeom prst="rect">
-            <a:avLst/>
-          </a:prstGeom>
-        </p:spPr>
-      </p:pic>
     </p:spTree>
     <p:extLst>
       <p:ext uri="{BB962C8B-B14F-4D97-AF65-F5344CB8AC3E}">
-        <p14:creationId xmlns:p14="http://schemas.microsoft.com/office/powerpoint/2010/main" val="3396851054"/>
+        <p14:creationId xmlns:p14="http://schemas.microsoft.com/office/powerpoint/2010/main" val="4073968165"/>
       </p:ext>
     </p:extLst>
   </p:cSld>
   <p:clrMapOvr>
     <a:masterClrMapping/>
   </p:clrMapOvr>
-  <mc:AlternateContent xmlns:mc="http://schemas.openxmlformats.org/markup-compatibility/2006">
-    <mc:Choice xmlns:p15="http://schemas.microsoft.com/office/powerpoint/2012/main" Requires="p15">
-      <p:transition xmlns:p14="http://schemas.microsoft.com/office/powerpoint/2010/main" spd="slow" p14:dur="1250">
-        <p15:prstTrans prst="pageCurlDouble"/>
-      </p:transition>
-    </mc:Choice>
-    <mc:Fallback>
-      <p:transition spd="slow">
-        <p:fade/>
-      </p:transition>
-    </mc:Fallback>
-  </mc:AlternateContent>
+  <p:timing>
+    <p:tnLst>
+      <p:par>
+        <p:cTn id="1" dur="indefinite" restart="never" nodeType="tmRoot"/>
+      </p:par>
+    </p:tnLst>
+  </p:timing>
 </p:sld>
 </file>
 
@@ -15653,242 +15266,23 @@
           <a:chExt cx="0" cy="0"/>
         </a:xfrm>
       </p:grpSpPr>
-      <p:sp>
-        <p:nvSpPr>
-          <p:cNvPr id="2" name="Title 1">
-            <a:extLst>
-              <a:ext uri="{FF2B5EF4-FFF2-40B4-BE49-F238E27FC236}">
-                <a16:creationId xmlns:a16="http://schemas.microsoft.com/office/drawing/2014/main" id="{14882E4E-1B6E-46AE-BC90-34804F1610E4}"/>
-              </a:ext>
-            </a:extLst>
-          </p:cNvPr>
-          <p:cNvSpPr txBox="1">
-            <a:spLocks/>
-          </p:cNvSpPr>
-          <p:nvPr/>
-        </p:nvSpPr>
-        <p:spPr bwMode="gray">
-          <a:xfrm>
-            <a:off x="92767" y="964704"/>
-            <a:ext cx="10482468" cy="706964"/>
-          </a:xfrm>
-          <a:prstGeom prst="rect">
-            <a:avLst/>
-          </a:prstGeom>
-        </p:spPr>
-        <p:txBody>
-          <a:bodyPr vert="horz" lIns="91440" tIns="45720" rIns="91440" bIns="45720" rtlCol="0" anchor="ctr">
-            <a:noAutofit/>
-          </a:bodyPr>
-          <a:lstStyle>
-            <a:lvl1pPr algn="l" defTabSz="457200" rtl="0" eaLnBrk="1" latinLnBrk="0" hangingPunct="1">
-              <a:spcBef>
-                <a:spcPct val="0"/>
-              </a:spcBef>
-              <a:buNone/>
-              <a:defRPr sz="3600" b="0" i="0" kern="1200">
-                <a:solidFill>
-                  <a:schemeClr val="bg2"/>
-                </a:solidFill>
-                <a:latin typeface="+mj-lt"/>
-                <a:ea typeface="+mj-ea"/>
-                <a:cs typeface="+mj-cs"/>
-              </a:defRPr>
-            </a:lvl1pPr>
-            <a:lvl2pPr eaLnBrk="1" hangingPunct="1">
-              <a:defRPr>
-                <a:solidFill>
-                  <a:schemeClr val="tx2"/>
-                </a:solidFill>
-              </a:defRPr>
-            </a:lvl2pPr>
-            <a:lvl3pPr eaLnBrk="1" hangingPunct="1">
-              <a:defRPr>
-                <a:solidFill>
-                  <a:schemeClr val="tx2"/>
-                </a:solidFill>
-              </a:defRPr>
-            </a:lvl3pPr>
-            <a:lvl4pPr eaLnBrk="1" hangingPunct="1">
-              <a:defRPr>
-                <a:solidFill>
-                  <a:schemeClr val="tx2"/>
-                </a:solidFill>
-              </a:defRPr>
-            </a:lvl4pPr>
-            <a:lvl5pPr eaLnBrk="1" hangingPunct="1">
-              <a:defRPr>
-                <a:solidFill>
-                  <a:schemeClr val="tx2"/>
-                </a:solidFill>
-              </a:defRPr>
-            </a:lvl5pPr>
-            <a:lvl6pPr eaLnBrk="1" hangingPunct="1">
-              <a:defRPr>
-                <a:solidFill>
-                  <a:schemeClr val="tx2"/>
-                </a:solidFill>
-              </a:defRPr>
-            </a:lvl6pPr>
-            <a:lvl7pPr eaLnBrk="1" hangingPunct="1">
-              <a:defRPr>
-                <a:solidFill>
-                  <a:schemeClr val="tx2"/>
-                </a:solidFill>
-              </a:defRPr>
-            </a:lvl7pPr>
-            <a:lvl8pPr eaLnBrk="1" hangingPunct="1">
-              <a:defRPr>
-                <a:solidFill>
-                  <a:schemeClr val="tx2"/>
-                </a:solidFill>
-              </a:defRPr>
-            </a:lvl8pPr>
-            <a:lvl9pPr eaLnBrk="1" hangingPunct="1">
-              <a:defRPr>
-                <a:solidFill>
-                  <a:schemeClr val="tx2"/>
-                </a:solidFill>
-              </a:defRPr>
-            </a:lvl9pPr>
-          </a:lstStyle>
-          <a:p>
-            <a:pPr algn="ctr"/>
-            <a:r>
-              <a:rPr lang="en-US" sz="5400" dirty="0">
-                <a:ln w="0"/>
-                <a:solidFill>
-                  <a:schemeClr val="tx1"/>
-                </a:solidFill>
-                <a:effectLst>
-                  <a:outerShdw blurRad="38100" dist="19050" dir="2700000" algn="tl" rotWithShape="0">
-                    <a:schemeClr val="dk1">
-                      <a:alpha val="40000"/>
-                    </a:schemeClr>
-                  </a:outerShdw>
-                </a:effectLst>
-              </a:rPr>
-              <a:t>3. HIERARCHICAL INHERITANCE</a:t>
-            </a:r>
-          </a:p>
-          <a:p>
-            <a:pPr algn="ctr"/>
-            <a:endParaRPr lang="en-US" sz="5400" dirty="0">
-              <a:ln w="0"/>
-              <a:solidFill>
-                <a:schemeClr val="tx1"/>
-              </a:solidFill>
-              <a:effectLst>
-                <a:outerShdw blurRad="38100" dist="19050" dir="2700000" algn="tl" rotWithShape="0">
-                  <a:schemeClr val="dk1">
-                    <a:alpha val="40000"/>
-                  </a:schemeClr>
-                </a:outerShdw>
-              </a:effectLst>
-            </a:endParaRPr>
-          </a:p>
-        </p:txBody>
-      </p:sp>
-      <p:sp>
-        <p:nvSpPr>
-          <p:cNvPr id="3" name="Rectangle 2">
-            <a:extLst>
-              <a:ext uri="{FF2B5EF4-FFF2-40B4-BE49-F238E27FC236}">
-                <a16:creationId xmlns:a16="http://schemas.microsoft.com/office/drawing/2014/main" id="{60E82550-3626-4B57-AAAC-1248C5E73C44}"/>
-              </a:ext>
-            </a:extLst>
-          </p:cNvPr>
-          <p:cNvSpPr/>
-          <p:nvPr/>
-        </p:nvSpPr>
-        <p:spPr>
-          <a:xfrm>
-            <a:off x="5592418" y="1922978"/>
-            <a:ext cx="4982817" cy="3970318"/>
-          </a:xfrm>
-          <a:prstGeom prst="rect">
-            <a:avLst/>
-          </a:prstGeom>
-        </p:spPr>
-        <p:txBody>
-          <a:bodyPr wrap="square">
-            <a:spAutoFit/>
-          </a:bodyPr>
-          <a:lstStyle/>
-          <a:p>
-            <a:pPr marL="571500" indent="-571500">
-              <a:buFont typeface="Wingdings" panose="05000000000000000000" pitchFamily="2" charset="2"/>
-              <a:buChar char="Ø"/>
-            </a:pPr>
-            <a:r>
-              <a:rPr lang="en-IN" sz="2800" dirty="0"/>
-              <a:t>In Hierarchical Inheritance, one class serves as a superclass (base class) for more than one sub class.</a:t>
-            </a:r>
-          </a:p>
-          <a:p>
-            <a:pPr marL="571500" indent="-571500">
-              <a:buFont typeface="Wingdings" panose="05000000000000000000" pitchFamily="2" charset="2"/>
-              <a:buChar char="Ø"/>
-            </a:pPr>
-            <a:r>
-              <a:rPr lang="en-IN" sz="2800" dirty="0"/>
-              <a:t>In below image, the class A serves as a base class for the derived class B,C and D.</a:t>
-            </a:r>
-          </a:p>
-        </p:txBody>
-      </p:sp>
-      <p:pic>
-        <p:nvPicPr>
-          <p:cNvPr id="5" name="Picture 4">
-            <a:extLst>
-              <a:ext uri="{FF2B5EF4-FFF2-40B4-BE49-F238E27FC236}">
-                <a16:creationId xmlns:a16="http://schemas.microsoft.com/office/drawing/2014/main" id="{98AAF3FC-AD5C-421D-B9F8-5E202776066E}"/>
-              </a:ext>
-            </a:extLst>
-          </p:cNvPr>
-          <p:cNvPicPr>
-            <a:picLocks noChangeAspect="1"/>
-          </p:cNvPicPr>
-          <p:nvPr/>
-        </p:nvPicPr>
-        <p:blipFill>
-          <a:blip r:embed="rId2"/>
-          <a:stretch>
-            <a:fillRect/>
-          </a:stretch>
-        </p:blipFill>
-        <p:spPr>
-          <a:xfrm>
-            <a:off x="780416" y="2095314"/>
-            <a:ext cx="4553585" cy="3523608"/>
-          </a:xfrm>
-          <a:prstGeom prst="rect">
-            <a:avLst/>
-          </a:prstGeom>
-        </p:spPr>
-      </p:pic>
     </p:spTree>
     <p:extLst>
       <p:ext uri="{BB962C8B-B14F-4D97-AF65-F5344CB8AC3E}">
-        <p14:creationId xmlns:p14="http://schemas.microsoft.com/office/powerpoint/2010/main" val="4073968165"/>
+        <p14:creationId xmlns:p14="http://schemas.microsoft.com/office/powerpoint/2010/main" val="4033905884"/>
       </p:ext>
     </p:extLst>
   </p:cSld>
   <p:clrMapOvr>
     <a:masterClrMapping/>
   </p:clrMapOvr>
-  <mc:AlternateContent xmlns:mc="http://schemas.openxmlformats.org/markup-compatibility/2006">
-    <mc:Choice xmlns:p15="http://schemas.microsoft.com/office/powerpoint/2012/main" Requires="p15">
-      <p:transition xmlns:p14="http://schemas.microsoft.com/office/powerpoint/2010/main" spd="slow" p14:dur="1250">
-        <p15:prstTrans prst="pageCurlDouble"/>
-      </p:transition>
-    </mc:Choice>
-    <mc:Fallback>
-      <p:transition spd="slow">
-        <p:fade/>
-      </p:transition>
-    </mc:Fallback>
-  </mc:AlternateContent>
+  <p:timing>
+    <p:tnLst>
+      <p:par>
+        <p:cTn id="1" dur="indefinite" restart="never" nodeType="tmRoot"/>
+      </p:par>
+    </p:tnLst>
+  </p:timing>
 </p:sld>
 </file>
 
@@ -15909,251 +15303,23 @@
           <a:chExt cx="0" cy="0"/>
         </a:xfrm>
       </p:grpSpPr>
-      <p:sp>
-        <p:nvSpPr>
-          <p:cNvPr id="2" name="Rectangle 1"/>
-          <p:cNvSpPr/>
-          <p:nvPr/>
-        </p:nvSpPr>
-        <p:spPr>
-          <a:xfrm>
-            <a:off x="466165" y="1808066"/>
-            <a:ext cx="6870550" cy="4401205"/>
-          </a:xfrm>
-          <a:prstGeom prst="rect">
-            <a:avLst/>
-          </a:prstGeom>
-        </p:spPr>
-        <p:txBody>
-          <a:bodyPr wrap="square">
-            <a:spAutoFit/>
-          </a:bodyPr>
-          <a:lstStyle/>
-          <a:p>
-            <a:pPr marL="457200" indent="-457200">
-              <a:buFont typeface="Wingdings" panose="05000000000000000000" pitchFamily="2" charset="2"/>
-              <a:buChar char="Ø"/>
-            </a:pPr>
-            <a:r>
-              <a:rPr lang="en-US" sz="2800" dirty="0">
-                <a:ln w="0"/>
-                <a:latin typeface="Roboto"/>
-              </a:rPr>
-              <a:t>In Multilevel Inheritance, a derived class will be inheriting a base class and as well as the derived class also act as the base class to other class.</a:t>
-            </a:r>
-          </a:p>
-          <a:p>
-            <a:pPr marL="457200" indent="-457200">
-              <a:buFont typeface="Wingdings" panose="05000000000000000000" pitchFamily="2" charset="2"/>
-              <a:buChar char="Ø"/>
-            </a:pPr>
-            <a:r>
-              <a:rPr lang="en-US" sz="2800" dirty="0">
-                <a:ln w="0"/>
-                <a:latin typeface="Roboto"/>
-              </a:rPr>
-              <a:t> In below image, the class A serves as a base class for the derived class B, which in turn serves as a base class for the derived class C. </a:t>
-            </a:r>
-          </a:p>
-          <a:p>
-            <a:pPr marL="457200" indent="-457200">
-              <a:buFont typeface="Wingdings" panose="05000000000000000000" pitchFamily="2" charset="2"/>
-              <a:buChar char="Ø"/>
-            </a:pPr>
-            <a:r>
-              <a:rPr lang="en-US" sz="2800" dirty="0">
-                <a:ln w="0"/>
-                <a:latin typeface="Roboto"/>
-              </a:rPr>
-              <a:t>In Java, a class cannot directly access the grandparent’s members</a:t>
-            </a:r>
-            <a:r>
-              <a:rPr lang="en-US" sz="2800" u="sng" dirty="0">
-                <a:ln w="0"/>
-                <a:latin typeface="Roboto"/>
-              </a:rPr>
-              <a:t>.</a:t>
-            </a:r>
-            <a:endParaRPr lang="en-US" sz="2800" u="sng" dirty="0">
-              <a:ln w="0"/>
-            </a:endParaRPr>
-          </a:p>
-        </p:txBody>
-      </p:sp>
-      <p:pic>
-        <p:nvPicPr>
-          <p:cNvPr id="3" name="Picture 2" descr="Multilevel_Inheritance"/>
-          <p:cNvPicPr>
-            <a:picLocks noChangeAspect="1" noChangeArrowheads="1"/>
-          </p:cNvPicPr>
-          <p:nvPr/>
-        </p:nvPicPr>
-        <p:blipFill>
-          <a:blip r:embed="rId2">
-            <a:extLst>
-              <a:ext uri="{28A0092B-C50C-407E-A947-70E740481C1C}">
-                <a14:useLocalDpi xmlns:a14="http://schemas.microsoft.com/office/drawing/2010/main" val="0"/>
-              </a:ext>
-            </a:extLst>
-          </a:blip>
-          <a:srcRect/>
-          <a:stretch>
-            <a:fillRect/>
-          </a:stretch>
-        </p:blipFill>
-        <p:spPr bwMode="auto">
-          <a:xfrm>
-            <a:off x="7815159" y="1961149"/>
-            <a:ext cx="3641737" cy="4095037"/>
-          </a:xfrm>
-          <a:prstGeom prst="rect">
-            <a:avLst/>
-          </a:prstGeom>
-          <a:noFill/>
-          <a:extLst>
-            <a:ext uri="{909E8E84-426E-40DD-AFC4-6F175D3DCCD1}">
-              <a14:hiddenFill xmlns:a14="http://schemas.microsoft.com/office/drawing/2010/main">
-                <a:solidFill>
-                  <a:srgbClr val="FFFFFF"/>
-                </a:solidFill>
-              </a14:hiddenFill>
-            </a:ext>
-          </a:extLst>
-        </p:spPr>
-      </p:pic>
-      <p:sp>
-        <p:nvSpPr>
-          <p:cNvPr id="4" name="Title 1"/>
-          <p:cNvSpPr txBox="1">
-            <a:spLocks/>
-          </p:cNvSpPr>
-          <p:nvPr/>
-        </p:nvSpPr>
-        <p:spPr>
-          <a:xfrm>
-            <a:off x="636104" y="468059"/>
-            <a:ext cx="9237233" cy="706964"/>
-          </a:xfrm>
-          <a:prstGeom prst="rect">
-            <a:avLst/>
-          </a:prstGeom>
-        </p:spPr>
-        <p:txBody>
-          <a:bodyPr/>
-          <a:lstStyle>
-            <a:lvl1pPr algn="l" defTabSz="457200" rtl="0" eaLnBrk="1" latinLnBrk="0" hangingPunct="1">
-              <a:spcBef>
-                <a:spcPct val="0"/>
-              </a:spcBef>
-              <a:buNone/>
-              <a:defRPr sz="3600" b="0" i="0" kern="1200">
-                <a:solidFill>
-                  <a:schemeClr val="bg2"/>
-                </a:solidFill>
-                <a:latin typeface="+mj-lt"/>
-                <a:ea typeface="+mj-ea"/>
-                <a:cs typeface="+mj-cs"/>
-              </a:defRPr>
-            </a:lvl1pPr>
-            <a:lvl2pPr eaLnBrk="1" hangingPunct="1">
-              <a:defRPr>
-                <a:solidFill>
-                  <a:schemeClr val="tx2"/>
-                </a:solidFill>
-              </a:defRPr>
-            </a:lvl2pPr>
-            <a:lvl3pPr eaLnBrk="1" hangingPunct="1">
-              <a:defRPr>
-                <a:solidFill>
-                  <a:schemeClr val="tx2"/>
-                </a:solidFill>
-              </a:defRPr>
-            </a:lvl3pPr>
-            <a:lvl4pPr eaLnBrk="1" hangingPunct="1">
-              <a:defRPr>
-                <a:solidFill>
-                  <a:schemeClr val="tx2"/>
-                </a:solidFill>
-              </a:defRPr>
-            </a:lvl4pPr>
-            <a:lvl5pPr eaLnBrk="1" hangingPunct="1">
-              <a:defRPr>
-                <a:solidFill>
-                  <a:schemeClr val="tx2"/>
-                </a:solidFill>
-              </a:defRPr>
-            </a:lvl5pPr>
-            <a:lvl6pPr eaLnBrk="1" hangingPunct="1">
-              <a:defRPr>
-                <a:solidFill>
-                  <a:schemeClr val="tx2"/>
-                </a:solidFill>
-              </a:defRPr>
-            </a:lvl6pPr>
-            <a:lvl7pPr eaLnBrk="1" hangingPunct="1">
-              <a:defRPr>
-                <a:solidFill>
-                  <a:schemeClr val="tx2"/>
-                </a:solidFill>
-              </a:defRPr>
-            </a:lvl7pPr>
-            <a:lvl8pPr eaLnBrk="1" hangingPunct="1">
-              <a:defRPr>
-                <a:solidFill>
-                  <a:schemeClr val="tx2"/>
-                </a:solidFill>
-              </a:defRPr>
-            </a:lvl8pPr>
-            <a:lvl9pPr eaLnBrk="1" hangingPunct="1">
-              <a:defRPr>
-                <a:solidFill>
-                  <a:schemeClr val="tx2"/>
-                </a:solidFill>
-              </a:defRPr>
-            </a:lvl9pPr>
-          </a:lstStyle>
-          <a:p>
-            <a:r>
-              <a:rPr lang="en-US" sz="5400" dirty="0">
-                <a:ln w="0"/>
-                <a:solidFill>
-                  <a:schemeClr val="tx1"/>
-                </a:solidFill>
-                <a:effectLst>
-                  <a:outerShdw blurRad="38100" dist="19050" dir="2700000" algn="tl" rotWithShape="0">
-                    <a:schemeClr val="dk1">
-                      <a:alpha val="40000"/>
-                    </a:schemeClr>
-                  </a:outerShdw>
-                </a:effectLst>
-              </a:rPr>
-              <a:t>4. MULTILEVEL INHERITANCE</a:t>
-            </a:r>
-          </a:p>
-        </p:txBody>
-      </p:sp>
     </p:spTree>
     <p:extLst>
       <p:ext uri="{BB962C8B-B14F-4D97-AF65-F5344CB8AC3E}">
-        <p14:creationId xmlns:p14="http://schemas.microsoft.com/office/powerpoint/2010/main" val="1197756956"/>
+        <p14:creationId xmlns:p14="http://schemas.microsoft.com/office/powerpoint/2010/main" val="2969237624"/>
       </p:ext>
     </p:extLst>
   </p:cSld>
   <p:clrMapOvr>
     <a:masterClrMapping/>
   </p:clrMapOvr>
-  <mc:AlternateContent xmlns:mc="http://schemas.openxmlformats.org/markup-compatibility/2006">
-    <mc:Choice xmlns:p15="http://schemas.microsoft.com/office/powerpoint/2012/main" Requires="p15">
-      <p:transition xmlns:p14="http://schemas.microsoft.com/office/powerpoint/2010/main" spd="slow" p14:dur="1250">
-        <p15:prstTrans prst="pageCurlDouble"/>
-      </p:transition>
-    </mc:Choice>
-    <mc:Fallback>
-      <p:transition spd="slow">
-        <p:fade/>
-      </p:transition>
-    </mc:Fallback>
-  </mc:AlternateContent>
+  <p:timing>
+    <p:tnLst>
+      <p:par>
+        <p:cTn id="1" dur="indefinite" restart="never" nodeType="tmRoot"/>
+      </p:par>
+    </p:tnLst>
+  </p:timing>
 </p:sld>
 </file>
 
